--- a/WAP_Git Flow & Pull Request_Minusi.pptx
+++ b/WAP_Git Flow & Pull Request_Minusi.pptx
@@ -27,7 +27,18 @@
     <p:sldId id="278" r:id="rId21"/>
     <p:sldId id="266" r:id="rId22"/>
     <p:sldId id="270" r:id="rId23"/>
-    <p:sldId id="267" r:id="rId24"/>
+    <p:sldId id="279" r:id="rId24"/>
+    <p:sldId id="281" r:id="rId25"/>
+    <p:sldId id="282" r:id="rId26"/>
+    <p:sldId id="283" r:id="rId27"/>
+    <p:sldId id="284" r:id="rId28"/>
+    <p:sldId id="285" r:id="rId29"/>
+    <p:sldId id="286" r:id="rId30"/>
+    <p:sldId id="287" r:id="rId31"/>
+    <p:sldId id="288" r:id="rId32"/>
+    <p:sldId id="289" r:id="rId33"/>
+    <p:sldId id="280" r:id="rId34"/>
+    <p:sldId id="267" r:id="rId35"/>
   </p:sldIdLst>
   <p:sldSz cx="12192000" cy="6858000"/>
   <p:notesSz cx="6858000" cy="9144000"/>
@@ -281,7 +292,7 @@
           <a:p>
             <a:fld id="{FF1936F4-B8C9-452A-84E3-C87DAA523D7D}" type="datetimeFigureOut">
               <a:rPr lang="ko-KR" altLang="en-US" smtClean="0"/>
-              <a:t>2019-12-09</a:t>
+              <a:t>2019-12-12</a:t>
             </a:fld>
             <a:endParaRPr lang="ko-KR" altLang="en-US"/>
           </a:p>
@@ -645,7 +656,7 @@
           <a:p>
             <a:fld id="{FF1936F4-B8C9-452A-84E3-C87DAA523D7D}" type="datetimeFigureOut">
               <a:rPr lang="ko-KR" altLang="en-US" smtClean="0"/>
-              <a:t>2019-12-09</a:t>
+              <a:t>2019-12-12</a:t>
             </a:fld>
             <a:endParaRPr lang="ko-KR" altLang="en-US"/>
           </a:p>
@@ -5745,12 +5756,111 @@
           </a:fontRef>
         </p:style>
       </p:cxnSp>
+      <p:cxnSp>
+        <p:nvCxnSpPr>
+          <p:cNvPr id="5" name="직선 연결선 4">
+            <a:extLst>
+              <a:ext uri="{FF2B5EF4-FFF2-40B4-BE49-F238E27FC236}">
+                <a16:creationId xmlns:a16="http://schemas.microsoft.com/office/drawing/2014/main" id="{674DCF79-DA8A-4A51-8C82-84B1F9CC48AF}"/>
+              </a:ext>
+            </a:extLst>
+          </p:cNvPr>
+          <p:cNvCxnSpPr>
+            <a:cxnSpLocks/>
+          </p:cNvCxnSpPr>
+          <p:nvPr/>
+        </p:nvCxnSpPr>
+        <p:spPr>
+          <a:xfrm>
+            <a:off x="419879" y="958891"/>
+            <a:ext cx="3346778" cy="0"/>
+          </a:xfrm>
+          <a:prstGeom prst="line">
+            <a:avLst/>
+          </a:prstGeom>
+          <a:ln w="38100">
+            <a:gradFill flip="none" rotWithShape="1">
+              <a:gsLst>
+                <a:gs pos="40000">
+                  <a:srgbClr val="FF5601"/>
+                </a:gs>
+                <a:gs pos="40000">
+                  <a:schemeClr val="bg1"/>
+                </a:gs>
+              </a:gsLst>
+              <a:lin ang="0" scaled="1"/>
+              <a:tileRect/>
+            </a:gradFill>
+          </a:ln>
+        </p:spPr>
+        <p:style>
+          <a:lnRef idx="1">
+            <a:schemeClr val="accent1"/>
+          </a:lnRef>
+          <a:fillRef idx="0">
+            <a:schemeClr val="accent1"/>
+          </a:fillRef>
+          <a:effectRef idx="0">
+            <a:schemeClr val="accent1"/>
+          </a:effectRef>
+          <a:fontRef idx="minor">
+            <a:schemeClr val="tx1"/>
+          </a:fontRef>
+        </p:style>
+      </p:cxnSp>
+      <p:pic>
+        <p:nvPicPr>
+          <p:cNvPr id="1026" name="Picture 2" descr="https://images.velog.io/post-images/zansol/b22eb910-373d-11e9-9d2f-69c3c7c725d5/-2019-02-23-4.35.56.png">
+            <a:extLst>
+              <a:ext uri="{FF2B5EF4-FFF2-40B4-BE49-F238E27FC236}">
+                <a16:creationId xmlns:a16="http://schemas.microsoft.com/office/drawing/2014/main" id="{219C4153-5364-4A54-AA79-D0D0929A155C}"/>
+              </a:ext>
+            </a:extLst>
+          </p:cNvPr>
+          <p:cNvPicPr>
+            <a:picLocks noChangeAspect="1" noChangeArrowheads="1"/>
+          </p:cNvPicPr>
+          <p:nvPr/>
+        </p:nvPicPr>
+        <p:blipFill>
+          <a:blip r:embed="rId2">
+            <a:extLst>
+              <a:ext uri="{28A0092B-C50C-407E-A947-70E740481C1C}">
+                <a14:useLocalDpi xmlns:a14="http://schemas.microsoft.com/office/drawing/2010/main" val="0"/>
+              </a:ext>
+            </a:extLst>
+          </a:blip>
+          <a:srcRect/>
+          <a:stretch>
+            <a:fillRect/>
+          </a:stretch>
+        </p:blipFill>
+        <p:spPr bwMode="auto">
+          <a:xfrm>
+            <a:off x="2886075" y="2085975"/>
+            <a:ext cx="6419850" cy="2686050"/>
+          </a:xfrm>
+          <a:prstGeom prst="rect">
+            <a:avLst/>
+          </a:prstGeom>
+          <a:noFill/>
+          <a:extLst>
+            <a:ext uri="{909E8E84-426E-40DD-AFC4-6F175D3DCCD1}">
+              <a14:hiddenFill xmlns:a14="http://schemas.microsoft.com/office/drawing/2010/main">
+                <a:solidFill>
+                  <a:srgbClr val="FFFFFF"/>
+                </a:solidFill>
+              </a14:hiddenFill>
+            </a:ext>
+          </a:extLst>
+        </p:spPr>
+      </p:pic>
       <p:sp>
         <p:nvSpPr>
-          <p:cNvPr id="7" name="TextBox 6">
-            <a:extLst>
-              <a:ext uri="{FF2B5EF4-FFF2-40B4-BE49-F238E27FC236}">
-                <a16:creationId xmlns:a16="http://schemas.microsoft.com/office/drawing/2014/main" id="{11328672-FF76-403F-888B-6ADB5CAF9E32}"/>
+          <p:cNvPr id="12" name="TextBox 11">
+            <a:extLst>
+              <a:ext uri="{FF2B5EF4-FFF2-40B4-BE49-F238E27FC236}">
+                <a16:creationId xmlns:a16="http://schemas.microsoft.com/office/drawing/2014/main" id="{D908817E-1C26-43B9-8B3D-70159B8AB9DC}"/>
               </a:ext>
             </a:extLst>
           </p:cNvPr>
@@ -5759,7 +5869,7 @@
         </p:nvSpPr>
         <p:spPr>
           <a:xfrm>
-            <a:off x="1265851" y="2176180"/>
+            <a:off x="1265850" y="5098888"/>
             <a:ext cx="9417699" cy="507831"/>
           </a:xfrm>
           <a:prstGeom prst="rect">
@@ -5781,7 +5891,7 @@
                 <a:latin typeface="에스코어 드림 5 Medium" panose="020B0503030302020204" pitchFamily="34" charset="-127"/>
                 <a:ea typeface="에스코어 드림 5 Medium" panose="020B0503030302020204" pitchFamily="34" charset="-127"/>
               </a:rPr>
-              <a:t>· 12</a:t>
+              <a:t>· </a:t>
             </a:r>
             <a:r>
               <a:rPr lang="ko-KR" altLang="en-US" sz="2700" dirty="0">
@@ -5791,7 +5901,67 @@
                 <a:latin typeface="에스코어 드림 5 Medium" panose="020B0503030302020204" pitchFamily="34" charset="-127"/>
                 <a:ea typeface="에스코어 드림 5 Medium" panose="020B0503030302020204" pitchFamily="34" charset="-127"/>
               </a:rPr>
-              <a:t>월 </a:t>
+              <a:t>제가 </a:t>
+            </a:r>
+            <a:r>
+              <a:rPr lang="ko-KR" altLang="en-US" sz="2700" dirty="0" err="1">
+                <a:solidFill>
+                  <a:schemeClr val="bg1"/>
+                </a:solidFill>
+                <a:latin typeface="에스코어 드림 5 Medium" panose="020B0503030302020204" pitchFamily="34" charset="-127"/>
+                <a:ea typeface="에스코어 드림 5 Medium" panose="020B0503030302020204" pitchFamily="34" charset="-127"/>
+              </a:rPr>
+              <a:t>브랜치에서</a:t>
+            </a:r>
+            <a:r>
+              <a:rPr lang="ko-KR" altLang="en-US" sz="2700" dirty="0">
+                <a:solidFill>
+                  <a:schemeClr val="bg1"/>
+                </a:solidFill>
+                <a:latin typeface="에스코어 드림 5 Medium" panose="020B0503030302020204" pitchFamily="34" charset="-127"/>
+                <a:ea typeface="에스코어 드림 5 Medium" panose="020B0503030302020204" pitchFamily="34" charset="-127"/>
+              </a:rPr>
+              <a:t> 작업한 코드를 </a:t>
+            </a:r>
+            <a:r>
+              <a:rPr lang="ko-KR" altLang="en-US" sz="2700" dirty="0">
+                <a:solidFill>
+                  <a:srgbClr val="FF5601"/>
+                </a:solidFill>
+                <a:latin typeface="에스코어 드림 5 Medium" panose="020B0503030302020204" pitchFamily="34" charset="-127"/>
+                <a:ea typeface="에스코어 드림 5 Medium" panose="020B0503030302020204" pitchFamily="34" charset="-127"/>
+              </a:rPr>
+              <a:t>확인</a:t>
+            </a:r>
+            <a:r>
+              <a:rPr lang="ko-KR" altLang="en-US" sz="2700" dirty="0">
+                <a:solidFill>
+                  <a:schemeClr val="bg1"/>
+                </a:solidFill>
+                <a:latin typeface="에스코어 드림 5 Medium" panose="020B0503030302020204" pitchFamily="34" charset="-127"/>
+                <a:ea typeface="에스코어 드림 5 Medium" panose="020B0503030302020204" pitchFamily="34" charset="-127"/>
+              </a:rPr>
+              <a:t> 후 </a:t>
+            </a:r>
+            <a:r>
+              <a:rPr lang="ko-KR" altLang="en-US" sz="2700" dirty="0">
+                <a:solidFill>
+                  <a:srgbClr val="FF5601"/>
+                </a:solidFill>
+                <a:latin typeface="에스코어 드림 5 Medium" panose="020B0503030302020204" pitchFamily="34" charset="-127"/>
+                <a:ea typeface="에스코어 드림 5 Medium" panose="020B0503030302020204" pitchFamily="34" charset="-127"/>
+              </a:rPr>
+              <a:t>병합</a:t>
+            </a:r>
+            <a:r>
+              <a:rPr lang="ko-KR" altLang="en-US" sz="2700" dirty="0">
+                <a:solidFill>
+                  <a:schemeClr val="bg1"/>
+                </a:solidFill>
+                <a:latin typeface="에스코어 드림 5 Medium" panose="020B0503030302020204" pitchFamily="34" charset="-127"/>
+                <a:ea typeface="에스코어 드림 5 Medium" panose="020B0503030302020204" pitchFamily="34" charset="-127"/>
+              </a:rPr>
+              <a:t>해주세요 </a:t>
             </a:r>
             <a:r>
               <a:rPr lang="en-US" altLang="ko-KR" sz="2700" dirty="0">
@@ -5801,58 +5971,15 @@
                 <a:latin typeface="에스코어 드림 5 Medium" panose="020B0503030302020204" pitchFamily="34" charset="-127"/>
                 <a:ea typeface="에스코어 드림 5 Medium" panose="020B0503030302020204" pitchFamily="34" charset="-127"/>
               </a:rPr>
-              <a:t>11</a:t>
-            </a:r>
-            <a:r>
-              <a:rPr lang="ko-KR" altLang="en-US" sz="2700" dirty="0">
-                <a:solidFill>
-                  <a:schemeClr val="bg1"/>
-                </a:solidFill>
-                <a:latin typeface="에스코어 드림 5 Medium" panose="020B0503030302020204" pitchFamily="34" charset="-127"/>
-                <a:ea typeface="에스코어 드림 5 Medium" panose="020B0503030302020204" pitchFamily="34" charset="-127"/>
-              </a:rPr>
-              <a:t>일</a:t>
-            </a:r>
-            <a:r>
-              <a:rPr lang="en-US" altLang="ko-KR" sz="2700" dirty="0">
-                <a:solidFill>
-                  <a:schemeClr val="bg1"/>
-                </a:solidFill>
-                <a:latin typeface="에스코어 드림 5 Medium" panose="020B0503030302020204" pitchFamily="34" charset="-127"/>
-                <a:ea typeface="에스코어 드림 5 Medium" panose="020B0503030302020204" pitchFamily="34" charset="-127"/>
-              </a:rPr>
-              <a:t>(</a:t>
-            </a:r>
-            <a:r>
-              <a:rPr lang="ko-KR" altLang="en-US" sz="2700" dirty="0">
-                <a:solidFill>
-                  <a:schemeClr val="bg1"/>
-                </a:solidFill>
-                <a:latin typeface="에스코어 드림 5 Medium" panose="020B0503030302020204" pitchFamily="34" charset="-127"/>
-                <a:ea typeface="에스코어 드림 5 Medium" panose="020B0503030302020204" pitchFamily="34" charset="-127"/>
-              </a:rPr>
-              <a:t>수</a:t>
-            </a:r>
-            <a:r>
-              <a:rPr lang="en-US" altLang="ko-KR" sz="2700" dirty="0">
-                <a:solidFill>
-                  <a:schemeClr val="bg1"/>
-                </a:solidFill>
-                <a:latin typeface="에스코어 드림 5 Medium" panose="020B0503030302020204" pitchFamily="34" charset="-127"/>
-                <a:ea typeface="에스코어 드림 5 Medium" panose="020B0503030302020204" pitchFamily="34" charset="-127"/>
-              </a:rPr>
-              <a:t>) </a:t>
-            </a:r>
-            <a:r>
-              <a:rPr lang="ko-KR" altLang="en-US" sz="2700" dirty="0">
-                <a:solidFill>
-                  <a:schemeClr val="bg1"/>
-                </a:solidFill>
-                <a:latin typeface="에스코어 드림 5 Medium" panose="020B0503030302020204" pitchFamily="34" charset="-127"/>
-                <a:ea typeface="에스코어 드림 5 Medium" panose="020B0503030302020204" pitchFamily="34" charset="-127"/>
-              </a:rPr>
-              <a:t>진행 예정</a:t>
-            </a:r>
+              <a:t>!</a:t>
+            </a:r>
+            <a:endParaRPr lang="ko-KR" altLang="en-US" sz="2700" dirty="0">
+              <a:solidFill>
+                <a:schemeClr val="bg1"/>
+              </a:solidFill>
+              <a:latin typeface="에스코어 드림 5 Medium" panose="020B0503030302020204" pitchFamily="34" charset="-127"/>
+              <a:ea typeface="에스코어 드림 5 Medium" panose="020B0503030302020204" pitchFamily="34" charset="-127"/>
+            </a:endParaRPr>
           </a:p>
         </p:txBody>
       </p:sp>
@@ -5888,10 +6015,10 @@
       </p:grpSpPr>
       <p:sp>
         <p:nvSpPr>
-          <p:cNvPr id="4" name="TextBox 3">
-            <a:extLst>
-              <a:ext uri="{FF2B5EF4-FFF2-40B4-BE49-F238E27FC236}">
-                <a16:creationId xmlns:a16="http://schemas.microsoft.com/office/drawing/2014/main" id="{D3C5D171-C811-4562-8D68-E4DC6405C993}"/>
+          <p:cNvPr id="2" name="TextBox 1">
+            <a:extLst>
+              <a:ext uri="{FF2B5EF4-FFF2-40B4-BE49-F238E27FC236}">
+                <a16:creationId xmlns:a16="http://schemas.microsoft.com/office/drawing/2014/main" id="{19E212F8-97D1-43B5-BCF7-3B8F5B93D93C}"/>
               </a:ext>
             </a:extLst>
           </p:cNvPr>
@@ -5900,8 +6027,8 @@
         </p:nvSpPr>
         <p:spPr>
           <a:xfrm>
-            <a:off x="2220686" y="3570402"/>
-            <a:ext cx="7763070" cy="784830"/>
+            <a:off x="279920" y="174061"/>
+            <a:ext cx="3495126" cy="784830"/>
           </a:xfrm>
           <a:prstGeom prst="rect">
             <a:avLst/>
@@ -5920,22 +6047,305 @@
                 <a:solidFill>
                   <a:srgbClr val="FF5601"/>
                 </a:solidFill>
-                <a:latin typeface="에스코어 드림 5 Medium" panose="020B0503030302020204" pitchFamily="34" charset="-127"/>
-                <a:ea typeface="에스코어 드림 5 Medium" panose="020B0503030302020204" pitchFamily="34" charset="-127"/>
-              </a:rPr>
-              <a:t>THANK</a:t>
+                <a:latin typeface="인터파크고딕 B" panose="02000000000000000000" pitchFamily="2" charset="-127"/>
+                <a:ea typeface="인터파크고딕 B" panose="02000000000000000000" pitchFamily="2" charset="-127"/>
+              </a:rPr>
+              <a:t>pull</a:t>
             </a:r>
             <a:r>
               <a:rPr lang="en-US" altLang="ko-KR" sz="4500" dirty="0">
                 <a:solidFill>
                   <a:schemeClr val="bg1"/>
                 </a:solidFill>
-                <a:latin typeface="에스코어 드림 5 Medium" panose="020B0503030302020204" pitchFamily="34" charset="-127"/>
-                <a:ea typeface="에스코어 드림 5 Medium" panose="020B0503030302020204" pitchFamily="34" charset="-127"/>
-              </a:rPr>
-              <a:t> YOU</a:t>
+                <a:latin typeface="인터파크고딕 B" panose="02000000000000000000" pitchFamily="2" charset="-127"/>
+                <a:ea typeface="인터파크고딕 B" panose="02000000000000000000" pitchFamily="2" charset="-127"/>
+              </a:rPr>
+              <a:t> request</a:t>
             </a:r>
             <a:endParaRPr lang="ko-KR" altLang="en-US" sz="4500" dirty="0">
+              <a:solidFill>
+                <a:schemeClr val="bg1"/>
+              </a:solidFill>
+              <a:latin typeface="인터파크고딕 B" panose="02000000000000000000" pitchFamily="2" charset="-127"/>
+              <a:ea typeface="인터파크고딕 B" panose="02000000000000000000" pitchFamily="2" charset="-127"/>
+            </a:endParaRPr>
+          </a:p>
+        </p:txBody>
+      </p:sp>
+      <p:cxnSp>
+        <p:nvCxnSpPr>
+          <p:cNvPr id="6" name="직선 연결선 5">
+            <a:extLst>
+              <a:ext uri="{FF2B5EF4-FFF2-40B4-BE49-F238E27FC236}">
+                <a16:creationId xmlns:a16="http://schemas.microsoft.com/office/drawing/2014/main" id="{7EDF5637-297E-4025-A055-82962EF5C6BF}"/>
+              </a:ext>
+            </a:extLst>
+          </p:cNvPr>
+          <p:cNvCxnSpPr>
+            <a:cxnSpLocks/>
+          </p:cNvCxnSpPr>
+          <p:nvPr/>
+        </p:nvCxnSpPr>
+        <p:spPr>
+          <a:xfrm>
+            <a:off x="419879" y="958891"/>
+            <a:ext cx="3522947" cy="0"/>
+          </a:xfrm>
+          <a:prstGeom prst="line">
+            <a:avLst/>
+          </a:prstGeom>
+          <a:ln w="38100">
+            <a:gradFill flip="none" rotWithShape="1">
+              <a:gsLst>
+                <a:gs pos="30000">
+                  <a:srgbClr val="FF5601"/>
+                </a:gs>
+                <a:gs pos="30000">
+                  <a:schemeClr val="bg1"/>
+                </a:gs>
+              </a:gsLst>
+              <a:lin ang="0" scaled="1"/>
+              <a:tileRect/>
+            </a:gradFill>
+          </a:ln>
+        </p:spPr>
+        <p:style>
+          <a:lnRef idx="1">
+            <a:schemeClr val="accent1"/>
+          </a:lnRef>
+          <a:fillRef idx="0">
+            <a:schemeClr val="accent1"/>
+          </a:fillRef>
+          <a:effectRef idx="0">
+            <a:schemeClr val="accent1"/>
+          </a:effectRef>
+          <a:fontRef idx="minor">
+            <a:schemeClr val="tx1"/>
+          </a:fontRef>
+        </p:style>
+      </p:cxnSp>
+      <p:cxnSp>
+        <p:nvCxnSpPr>
+          <p:cNvPr id="5" name="직선 연결선 4">
+            <a:extLst>
+              <a:ext uri="{FF2B5EF4-FFF2-40B4-BE49-F238E27FC236}">
+                <a16:creationId xmlns:a16="http://schemas.microsoft.com/office/drawing/2014/main" id="{674DCF79-DA8A-4A51-8C82-84B1F9CC48AF}"/>
+              </a:ext>
+            </a:extLst>
+          </p:cNvPr>
+          <p:cNvCxnSpPr>
+            <a:cxnSpLocks/>
+          </p:cNvCxnSpPr>
+          <p:nvPr/>
+        </p:nvCxnSpPr>
+        <p:spPr>
+          <a:xfrm>
+            <a:off x="419879" y="958891"/>
+            <a:ext cx="3346778" cy="0"/>
+          </a:xfrm>
+          <a:prstGeom prst="line">
+            <a:avLst/>
+          </a:prstGeom>
+          <a:ln w="38100">
+            <a:gradFill flip="none" rotWithShape="1">
+              <a:gsLst>
+                <a:gs pos="40000">
+                  <a:srgbClr val="FF5601"/>
+                </a:gs>
+                <a:gs pos="40000">
+                  <a:schemeClr val="bg1"/>
+                </a:gs>
+              </a:gsLst>
+              <a:lin ang="0" scaled="1"/>
+              <a:tileRect/>
+            </a:gradFill>
+          </a:ln>
+        </p:spPr>
+        <p:style>
+          <a:lnRef idx="1">
+            <a:schemeClr val="accent1"/>
+          </a:lnRef>
+          <a:fillRef idx="0">
+            <a:schemeClr val="accent1"/>
+          </a:fillRef>
+          <a:effectRef idx="0">
+            <a:schemeClr val="accent1"/>
+          </a:effectRef>
+          <a:fontRef idx="minor">
+            <a:schemeClr val="tx1"/>
+          </a:fontRef>
+        </p:style>
+      </p:cxnSp>
+      <p:sp>
+        <p:nvSpPr>
+          <p:cNvPr id="8" name="TextBox 7">
+            <a:extLst>
+              <a:ext uri="{FF2B5EF4-FFF2-40B4-BE49-F238E27FC236}">
+                <a16:creationId xmlns:a16="http://schemas.microsoft.com/office/drawing/2014/main" id="{F0C0B9DB-45BB-497A-9716-1D7DC7DECF10}"/>
+              </a:ext>
+            </a:extLst>
+          </p:cNvPr>
+          <p:cNvSpPr txBox="1"/>
+          <p:nvPr/>
+        </p:nvSpPr>
+        <p:spPr>
+          <a:xfrm>
+            <a:off x="1265851" y="2176180"/>
+            <a:ext cx="9417699" cy="507831"/>
+          </a:xfrm>
+          <a:prstGeom prst="rect">
+            <a:avLst/>
+          </a:prstGeom>
+          <a:noFill/>
+        </p:spPr>
+        <p:txBody>
+          <a:bodyPr wrap="square" rtlCol="0">
+            <a:spAutoFit/>
+          </a:bodyPr>
+          <a:lstStyle/>
+          <a:p>
+            <a:r>
+              <a:rPr lang="en-US" altLang="ko-KR" sz="2700" dirty="0">
+                <a:solidFill>
+                  <a:schemeClr val="bg1"/>
+                </a:solidFill>
+                <a:latin typeface="에스코어 드림 5 Medium" panose="020B0503030302020204" pitchFamily="34" charset="-127"/>
+                <a:ea typeface="에스코어 드림 5 Medium" panose="020B0503030302020204" pitchFamily="34" charset="-127"/>
+              </a:rPr>
+              <a:t>· </a:t>
+            </a:r>
+            <a:r>
+              <a:rPr lang="ko-KR" altLang="en-US" sz="2700" dirty="0">
+                <a:solidFill>
+                  <a:srgbClr val="FF5601"/>
+                </a:solidFill>
+                <a:latin typeface="에스코어 드림 5 Medium" panose="020B0503030302020204" pitchFamily="34" charset="-127"/>
+                <a:ea typeface="에스코어 드림 5 Medium" panose="020B0503030302020204" pitchFamily="34" charset="-127"/>
+              </a:rPr>
+              <a:t>코드</a:t>
+            </a:r>
+            <a:r>
+              <a:rPr lang="ko-KR" altLang="en-US" sz="2700" dirty="0">
+                <a:solidFill>
+                  <a:schemeClr val="bg1"/>
+                </a:solidFill>
+                <a:latin typeface="에스코어 드림 5 Medium" panose="020B0503030302020204" pitchFamily="34" charset="-127"/>
+                <a:ea typeface="에스코어 드림 5 Medium" panose="020B0503030302020204" pitchFamily="34" charset="-127"/>
+              </a:rPr>
+              <a:t> 리뷰</a:t>
+            </a:r>
+            <a:r>
+              <a:rPr lang="en-US" altLang="ko-KR" sz="2700" dirty="0">
+                <a:solidFill>
+                  <a:schemeClr val="bg1"/>
+                </a:solidFill>
+                <a:latin typeface="에스코어 드림 5 Medium" panose="020B0503030302020204" pitchFamily="34" charset="-127"/>
+                <a:ea typeface="에스코어 드림 5 Medium" panose="020B0503030302020204" pitchFamily="34" charset="-127"/>
+              </a:rPr>
+              <a:t>(code review)</a:t>
+            </a:r>
+            <a:r>
+              <a:rPr lang="ko-KR" altLang="en-US" sz="2700" dirty="0">
+                <a:solidFill>
+                  <a:schemeClr val="bg1"/>
+                </a:solidFill>
+                <a:latin typeface="에스코어 드림 5 Medium" panose="020B0503030302020204" pitchFamily="34" charset="-127"/>
+                <a:ea typeface="에스코어 드림 5 Medium" panose="020B0503030302020204" pitchFamily="34" charset="-127"/>
+              </a:rPr>
+              <a:t>를 위해</a:t>
+            </a:r>
+          </a:p>
+        </p:txBody>
+      </p:sp>
+      <p:sp>
+        <p:nvSpPr>
+          <p:cNvPr id="9" name="TextBox 8">
+            <a:extLst>
+              <a:ext uri="{FF2B5EF4-FFF2-40B4-BE49-F238E27FC236}">
+                <a16:creationId xmlns:a16="http://schemas.microsoft.com/office/drawing/2014/main" id="{F790FCB6-9EED-4897-992C-491231918D21}"/>
+              </a:ext>
+            </a:extLst>
+          </p:cNvPr>
+          <p:cNvSpPr txBox="1"/>
+          <p:nvPr/>
+        </p:nvSpPr>
+        <p:spPr>
+          <a:xfrm>
+            <a:off x="1265851" y="2963062"/>
+            <a:ext cx="9417699" cy="507831"/>
+          </a:xfrm>
+          <a:prstGeom prst="rect">
+            <a:avLst/>
+          </a:prstGeom>
+          <a:noFill/>
+        </p:spPr>
+        <p:txBody>
+          <a:bodyPr wrap="square" rtlCol="0">
+            <a:spAutoFit/>
+          </a:bodyPr>
+          <a:lstStyle/>
+          <a:p>
+            <a:r>
+              <a:rPr lang="en-US" altLang="ko-KR" sz="2700" dirty="0">
+                <a:solidFill>
+                  <a:schemeClr val="bg1"/>
+                </a:solidFill>
+                <a:latin typeface="에스코어 드림 5 Medium" panose="020B0503030302020204" pitchFamily="34" charset="-127"/>
+                <a:ea typeface="에스코어 드림 5 Medium" panose="020B0503030302020204" pitchFamily="34" charset="-127"/>
+              </a:rPr>
+              <a:t>· Push </a:t>
+            </a:r>
+            <a:r>
+              <a:rPr lang="ko-KR" altLang="en-US" sz="2700" dirty="0">
+                <a:solidFill>
+                  <a:srgbClr val="FF5601"/>
+                </a:solidFill>
+                <a:latin typeface="에스코어 드림 5 Medium" panose="020B0503030302020204" pitchFamily="34" charset="-127"/>
+                <a:ea typeface="에스코어 드림 5 Medium" panose="020B0503030302020204" pitchFamily="34" charset="-127"/>
+              </a:rPr>
+              <a:t>권한</a:t>
+            </a:r>
+            <a:r>
+              <a:rPr lang="ko-KR" altLang="en-US" sz="2700" dirty="0">
+                <a:solidFill>
+                  <a:schemeClr val="bg1"/>
+                </a:solidFill>
+                <a:latin typeface="에스코어 드림 5 Medium" panose="020B0503030302020204" pitchFamily="34" charset="-127"/>
+                <a:ea typeface="에스코어 드림 5 Medium" panose="020B0503030302020204" pitchFamily="34" charset="-127"/>
+              </a:rPr>
+              <a:t>이 없는 프로젝트에 기여</a:t>
+            </a:r>
+            <a:r>
+              <a:rPr lang="en-US" altLang="ko-KR" sz="2700" dirty="0">
+                <a:solidFill>
+                  <a:schemeClr val="bg1"/>
+                </a:solidFill>
+                <a:latin typeface="에스코어 드림 5 Medium" panose="020B0503030302020204" pitchFamily="34" charset="-127"/>
+                <a:ea typeface="에스코어 드림 5 Medium" panose="020B0503030302020204" pitchFamily="34" charset="-127"/>
+              </a:rPr>
+              <a:t>(</a:t>
+            </a:r>
+            <a:r>
+              <a:rPr lang="ko-KR" altLang="en-US" sz="2700" dirty="0">
+                <a:solidFill>
+                  <a:schemeClr val="bg1"/>
+                </a:solidFill>
+                <a:latin typeface="에스코어 드림 5 Medium" panose="020B0503030302020204" pitchFamily="34" charset="-127"/>
+                <a:ea typeface="에스코어 드림 5 Medium" panose="020B0503030302020204" pitchFamily="34" charset="-127"/>
+              </a:rPr>
+              <a:t>대개 오픈소스 프로젝트</a:t>
+            </a:r>
+            <a:r>
+              <a:rPr lang="en-US" altLang="ko-KR" sz="2700" dirty="0">
+                <a:solidFill>
+                  <a:schemeClr val="bg1"/>
+                </a:solidFill>
+                <a:latin typeface="에스코어 드림 5 Medium" panose="020B0503030302020204" pitchFamily="34" charset="-127"/>
+                <a:ea typeface="에스코어 드림 5 Medium" panose="020B0503030302020204" pitchFamily="34" charset="-127"/>
+              </a:rPr>
+              <a:t>)</a:t>
+            </a:r>
+            <a:endParaRPr lang="ko-KR" altLang="en-US" sz="2700" dirty="0">
               <a:solidFill>
                 <a:schemeClr val="bg1"/>
               </a:solidFill>
@@ -5945,59 +6355,12 @@
           </a:p>
         </p:txBody>
       </p:sp>
-      <p:pic>
-        <p:nvPicPr>
-          <p:cNvPr id="2060" name="Picture 12" descr="https://icon-library.net/images/github-icon-white/github-icon-white-19.jpg">
-            <a:extLst>
-              <a:ext uri="{FF2B5EF4-FFF2-40B4-BE49-F238E27FC236}">
-                <a16:creationId xmlns:a16="http://schemas.microsoft.com/office/drawing/2014/main" id="{A034C630-3C87-4C78-9E2D-AA1EAC4C2083}"/>
-              </a:ext>
-            </a:extLst>
-          </p:cNvPr>
-          <p:cNvPicPr>
-            <a:picLocks noChangeAspect="1" noChangeArrowheads="1"/>
-          </p:cNvPicPr>
-          <p:nvPr/>
-        </p:nvPicPr>
-        <p:blipFill>
-          <a:blip r:embed="rId2">
-            <a:extLst>
-              <a:ext uri="{28A0092B-C50C-407E-A947-70E740481C1C}">
-                <a14:useLocalDpi xmlns:a14="http://schemas.microsoft.com/office/drawing/2010/main" val="0"/>
-              </a:ext>
-            </a:extLst>
-          </a:blip>
-          <a:srcRect/>
-          <a:stretch>
-            <a:fillRect/>
-          </a:stretch>
-        </p:blipFill>
-        <p:spPr bwMode="auto">
-          <a:xfrm>
-            <a:off x="4262084" y="1729850"/>
-            <a:ext cx="3667831" cy="1531622"/>
-          </a:xfrm>
-          <a:prstGeom prst="rect">
-            <a:avLst/>
-          </a:prstGeom>
-          <a:noFill/>
-          <a:extLst>
-            <a:ext uri="{909E8E84-426E-40DD-AFC4-6F175D3DCCD1}">
-              <a14:hiddenFill xmlns:a14="http://schemas.microsoft.com/office/drawing/2010/main">
-                <a:solidFill>
-                  <a:srgbClr val="FFFFFF"/>
-                </a:solidFill>
-              </a14:hiddenFill>
-            </a:ext>
-          </a:extLst>
-        </p:spPr>
-      </p:pic>
       <p:sp>
         <p:nvSpPr>
-          <p:cNvPr id="12" name="TextBox 11">
-            <a:extLst>
-              <a:ext uri="{FF2B5EF4-FFF2-40B4-BE49-F238E27FC236}">
-                <a16:creationId xmlns:a16="http://schemas.microsoft.com/office/drawing/2014/main" id="{856725C7-93F4-4E85-8A7C-BA350D01FACE}"/>
+          <p:cNvPr id="10" name="TextBox 9">
+            <a:extLst>
+              <a:ext uri="{FF2B5EF4-FFF2-40B4-BE49-F238E27FC236}">
+                <a16:creationId xmlns:a16="http://schemas.microsoft.com/office/drawing/2014/main" id="{ED68B5EC-FCBA-4003-878E-182FBC745BAE}"/>
               </a:ext>
             </a:extLst>
           </p:cNvPr>
@@ -6006,8 +6369,190 @@
         </p:nvSpPr>
         <p:spPr>
           <a:xfrm>
-            <a:off x="8724122" y="6326042"/>
-            <a:ext cx="3467878" cy="415498"/>
+            <a:off x="1265850" y="3749944"/>
+            <a:ext cx="10926150" cy="507831"/>
+          </a:xfrm>
+          <a:prstGeom prst="rect">
+            <a:avLst/>
+          </a:prstGeom>
+          <a:noFill/>
+        </p:spPr>
+        <p:txBody>
+          <a:bodyPr wrap="square" rtlCol="0">
+            <a:spAutoFit/>
+          </a:bodyPr>
+          <a:lstStyle/>
+          <a:p>
+            <a:r>
+              <a:rPr lang="en-US" altLang="ko-KR" sz="2700" dirty="0">
+                <a:solidFill>
+                  <a:schemeClr val="bg1"/>
+                </a:solidFill>
+                <a:latin typeface="에스코어 드림 5 Medium" panose="020B0503030302020204" pitchFamily="34" charset="-127"/>
+                <a:ea typeface="에스코어 드림 5 Medium" panose="020B0503030302020204" pitchFamily="34" charset="-127"/>
+              </a:rPr>
+              <a:t>· </a:t>
+            </a:r>
+            <a:r>
+              <a:rPr lang="ko-KR" altLang="en-US" sz="2700" dirty="0">
+                <a:solidFill>
+                  <a:schemeClr val="bg1"/>
+                </a:solidFill>
+                <a:latin typeface="에스코어 드림 5 Medium" panose="020B0503030302020204" pitchFamily="34" charset="-127"/>
+                <a:ea typeface="에스코어 드림 5 Medium" panose="020B0503030302020204" pitchFamily="34" charset="-127"/>
+              </a:rPr>
+              <a:t>병합 이전에 다른 사람의 </a:t>
+            </a:r>
+            <a:r>
+              <a:rPr lang="ko-KR" altLang="en-US" sz="2700" dirty="0" err="1">
+                <a:solidFill>
+                  <a:schemeClr val="bg1"/>
+                </a:solidFill>
+                <a:latin typeface="에스코어 드림 5 Medium" panose="020B0503030302020204" pitchFamily="34" charset="-127"/>
+                <a:ea typeface="에스코어 드림 5 Medium" panose="020B0503030302020204" pitchFamily="34" charset="-127"/>
+              </a:rPr>
+              <a:t>커밋을</a:t>
+            </a:r>
+            <a:r>
+              <a:rPr lang="ko-KR" altLang="en-US" sz="2700" dirty="0">
+                <a:solidFill>
+                  <a:schemeClr val="bg1"/>
+                </a:solidFill>
+                <a:latin typeface="에스코어 드림 5 Medium" panose="020B0503030302020204" pitchFamily="34" charset="-127"/>
+                <a:ea typeface="에스코어 드림 5 Medium" panose="020B0503030302020204" pitchFamily="34" charset="-127"/>
+              </a:rPr>
+              <a:t> 검토</a:t>
+            </a:r>
+          </a:p>
+        </p:txBody>
+      </p:sp>
+      <p:sp>
+        <p:nvSpPr>
+          <p:cNvPr id="11" name="TextBox 10">
+            <a:extLst>
+              <a:ext uri="{FF2B5EF4-FFF2-40B4-BE49-F238E27FC236}">
+                <a16:creationId xmlns:a16="http://schemas.microsoft.com/office/drawing/2014/main" id="{3D8A30A6-1395-4A21-BDC3-C3AC9D3555C0}"/>
+              </a:ext>
+            </a:extLst>
+          </p:cNvPr>
+          <p:cNvSpPr txBox="1"/>
+          <p:nvPr/>
+        </p:nvSpPr>
+        <p:spPr>
+          <a:xfrm>
+            <a:off x="1265850" y="4536826"/>
+            <a:ext cx="9417699" cy="507831"/>
+          </a:xfrm>
+          <a:prstGeom prst="rect">
+            <a:avLst/>
+          </a:prstGeom>
+          <a:noFill/>
+        </p:spPr>
+        <p:txBody>
+          <a:bodyPr wrap="square" rtlCol="0">
+            <a:spAutoFit/>
+          </a:bodyPr>
+          <a:lstStyle/>
+          <a:p>
+            <a:r>
+              <a:rPr lang="en-US" altLang="ko-KR" sz="2700" dirty="0">
+                <a:solidFill>
+                  <a:schemeClr val="bg1"/>
+                </a:solidFill>
+                <a:latin typeface="에스코어 드림 5 Medium" panose="020B0503030302020204" pitchFamily="34" charset="-127"/>
+                <a:ea typeface="에스코어 드림 5 Medium" panose="020B0503030302020204" pitchFamily="34" charset="-127"/>
+              </a:rPr>
+              <a:t>· </a:t>
+            </a:r>
+            <a:r>
+              <a:rPr lang="en-US" altLang="ko-KR" sz="2700" dirty="0">
+                <a:solidFill>
+                  <a:srgbClr val="FF5601"/>
+                </a:solidFill>
+                <a:latin typeface="에스코어 드림 5 Medium" panose="020B0503030302020204" pitchFamily="34" charset="-127"/>
+                <a:ea typeface="에스코어 드림 5 Medium" panose="020B0503030302020204" pitchFamily="34" charset="-127"/>
+              </a:rPr>
+              <a:t>release</a:t>
+            </a:r>
+            <a:r>
+              <a:rPr lang="en-US" altLang="ko-KR" sz="2700" dirty="0">
+                <a:solidFill>
+                  <a:schemeClr val="bg1"/>
+                </a:solidFill>
+                <a:latin typeface="에스코어 드림 5 Medium" panose="020B0503030302020204" pitchFamily="34" charset="-127"/>
+                <a:ea typeface="에스코어 드림 5 Medium" panose="020B0503030302020204" pitchFamily="34" charset="-127"/>
+              </a:rPr>
+              <a:t> </a:t>
+            </a:r>
+            <a:r>
+              <a:rPr lang="ko-KR" altLang="en-US" sz="2700" dirty="0" err="1">
+                <a:solidFill>
+                  <a:schemeClr val="bg1"/>
+                </a:solidFill>
+                <a:latin typeface="에스코어 드림 5 Medium" panose="020B0503030302020204" pitchFamily="34" charset="-127"/>
+                <a:ea typeface="에스코어 드림 5 Medium" panose="020B0503030302020204" pitchFamily="34" charset="-127"/>
+              </a:rPr>
+              <a:t>브랜치가</a:t>
+            </a:r>
+            <a:r>
+              <a:rPr lang="ko-KR" altLang="en-US" sz="2700" dirty="0">
+                <a:solidFill>
+                  <a:schemeClr val="bg1"/>
+                </a:solidFill>
+                <a:latin typeface="에스코어 드림 5 Medium" panose="020B0503030302020204" pitchFamily="34" charset="-127"/>
+                <a:ea typeface="에스코어 드림 5 Medium" panose="020B0503030302020204" pitchFamily="34" charset="-127"/>
+              </a:rPr>
+              <a:t> 명확하지 않은 시스템에 적합</a:t>
+            </a:r>
+          </a:p>
+        </p:txBody>
+      </p:sp>
+    </p:spTree>
+    <p:extLst>
+      <p:ext uri="{BB962C8B-B14F-4D97-AF65-F5344CB8AC3E}">
+        <p14:creationId xmlns:p14="http://schemas.microsoft.com/office/powerpoint/2010/main" val="2704501648"/>
+      </p:ext>
+    </p:extLst>
+  </p:cSld>
+  <p:clrMapOvr>
+    <a:masterClrMapping/>
+  </p:clrMapOvr>
+</p:sld>
+</file>
+
+<file path=ppt/slides/slide24.xml><?xml version="1.0" encoding="utf-8"?>
+<p:sld xmlns:a="http://schemas.openxmlformats.org/drawingml/2006/main" xmlns:r="http://schemas.openxmlformats.org/officeDocument/2006/relationships" xmlns:p="http://schemas.openxmlformats.org/presentationml/2006/main">
+  <p:cSld>
+    <p:spTree>
+      <p:nvGrpSpPr>
+        <p:cNvPr id="1" name=""/>
+        <p:cNvGrpSpPr/>
+        <p:nvPr/>
+      </p:nvGrpSpPr>
+      <p:grpSpPr>
+        <a:xfrm>
+          <a:off x="0" y="0"/>
+          <a:ext cx="0" cy="0"/>
+          <a:chOff x="0" y="0"/>
+          <a:chExt cx="0" cy="0"/>
+        </a:xfrm>
+      </p:grpSpPr>
+      <p:sp>
+        <p:nvSpPr>
+          <p:cNvPr id="2" name="TextBox 1">
+            <a:extLst>
+              <a:ext uri="{FF2B5EF4-FFF2-40B4-BE49-F238E27FC236}">
+                <a16:creationId xmlns:a16="http://schemas.microsoft.com/office/drawing/2014/main" id="{19E212F8-97D1-43B5-BCF7-3B8F5B93D93C}"/>
+              </a:ext>
+            </a:extLst>
+          </p:cNvPr>
+          <p:cNvSpPr txBox="1"/>
+          <p:nvPr/>
+        </p:nvSpPr>
+        <p:spPr>
+          <a:xfrm>
+            <a:off x="279920" y="174061"/>
+            <a:ext cx="3495126" cy="784830"/>
           </a:xfrm>
           <a:prstGeom prst="rect">
             <a:avLst/>
@@ -6022,56 +6567,447 @@
           <a:p>
             <a:pPr algn="ctr"/>
             <a:r>
-              <a:rPr lang="en-US" altLang="ko-KR" sz="2100" dirty="0">
-                <a:solidFill>
-                  <a:schemeClr val="bg1"/>
-                </a:solidFill>
-                <a:latin typeface="에스코어 드림 5 Medium" panose="020B0503030302020204" pitchFamily="34" charset="-127"/>
-                <a:ea typeface="에스코어 드림 5 Medium" panose="020B0503030302020204" pitchFamily="34" charset="-127"/>
-              </a:rPr>
-              <a:t>provided by </a:t>
-            </a:r>
-            <a:r>
-              <a:rPr lang="en-US" altLang="ko-KR" sz="2100" dirty="0" err="1">
-                <a:solidFill>
-                  <a:srgbClr val="FF5601"/>
-                </a:solidFill>
-                <a:latin typeface="에스코어 드림 5 Medium" panose="020B0503030302020204" pitchFamily="34" charset="-127"/>
-                <a:ea typeface="에스코어 드림 5 Medium" panose="020B0503030302020204" pitchFamily="34" charset="-127"/>
-              </a:rPr>
-              <a:t>w</a:t>
-            </a:r>
-            <a:r>
-              <a:rPr lang="en-US" altLang="ko-KR" sz="2100" dirty="0" err="1">
-                <a:solidFill>
-                  <a:schemeClr val="bg1"/>
-                </a:solidFill>
-                <a:latin typeface="에스코어 드림 5 Medium" panose="020B0503030302020204" pitchFamily="34" charset="-127"/>
-                <a:ea typeface="에스코어 드림 5 Medium" panose="020B0503030302020204" pitchFamily="34" charset="-127"/>
-              </a:rPr>
-              <a:t>a</a:t>
-            </a:r>
-            <a:r>
-              <a:rPr lang="en-US" altLang="ko-KR" sz="2100" dirty="0" err="1">
-                <a:solidFill>
-                  <a:srgbClr val="FF5601"/>
-                </a:solidFill>
-                <a:latin typeface="에스코어 드림 5 Medium" panose="020B0503030302020204" pitchFamily="34" charset="-127"/>
-                <a:ea typeface="에스코어 드림 5 Medium" panose="020B0503030302020204" pitchFamily="34" charset="-127"/>
-              </a:rPr>
-              <a:t>p</a:t>
-            </a:r>
-            <a:r>
-              <a:rPr lang="en-US" altLang="ko-KR" sz="2100" dirty="0" err="1">
-                <a:solidFill>
-                  <a:schemeClr val="bg1"/>
-                </a:solidFill>
-                <a:latin typeface="에스코어 드림 5 Medium" panose="020B0503030302020204" pitchFamily="34" charset="-127"/>
-                <a:ea typeface="에스코어 드림 5 Medium" panose="020B0503030302020204" pitchFamily="34" charset="-127"/>
-              </a:rPr>
-              <a:t>_minusi</a:t>
-            </a:r>
-            <a:endParaRPr lang="ko-KR" altLang="en-US" sz="2100" dirty="0">
+              <a:rPr lang="en-US" altLang="ko-KR" sz="4500" dirty="0">
+                <a:solidFill>
+                  <a:srgbClr val="FF5601"/>
+                </a:solidFill>
+                <a:latin typeface="인터파크고딕 B" panose="02000000000000000000" pitchFamily="2" charset="-127"/>
+                <a:ea typeface="인터파크고딕 B" panose="02000000000000000000" pitchFamily="2" charset="-127"/>
+              </a:rPr>
+              <a:t>pull</a:t>
+            </a:r>
+            <a:r>
+              <a:rPr lang="en-US" altLang="ko-KR" sz="4500" dirty="0">
+                <a:solidFill>
+                  <a:schemeClr val="bg1"/>
+                </a:solidFill>
+                <a:latin typeface="인터파크고딕 B" panose="02000000000000000000" pitchFamily="2" charset="-127"/>
+                <a:ea typeface="인터파크고딕 B" panose="02000000000000000000" pitchFamily="2" charset="-127"/>
+              </a:rPr>
+              <a:t> request</a:t>
+            </a:r>
+            <a:endParaRPr lang="ko-KR" altLang="en-US" sz="4500" dirty="0">
+              <a:solidFill>
+                <a:schemeClr val="bg1"/>
+              </a:solidFill>
+              <a:latin typeface="인터파크고딕 B" panose="02000000000000000000" pitchFamily="2" charset="-127"/>
+              <a:ea typeface="인터파크고딕 B" panose="02000000000000000000" pitchFamily="2" charset="-127"/>
+            </a:endParaRPr>
+          </a:p>
+        </p:txBody>
+      </p:sp>
+      <p:cxnSp>
+        <p:nvCxnSpPr>
+          <p:cNvPr id="6" name="직선 연결선 5">
+            <a:extLst>
+              <a:ext uri="{FF2B5EF4-FFF2-40B4-BE49-F238E27FC236}">
+                <a16:creationId xmlns:a16="http://schemas.microsoft.com/office/drawing/2014/main" id="{7EDF5637-297E-4025-A055-82962EF5C6BF}"/>
+              </a:ext>
+            </a:extLst>
+          </p:cNvPr>
+          <p:cNvCxnSpPr>
+            <a:cxnSpLocks/>
+          </p:cNvCxnSpPr>
+          <p:nvPr/>
+        </p:nvCxnSpPr>
+        <p:spPr>
+          <a:xfrm>
+            <a:off x="419879" y="958891"/>
+            <a:ext cx="3522947" cy="0"/>
+          </a:xfrm>
+          <a:prstGeom prst="line">
+            <a:avLst/>
+          </a:prstGeom>
+          <a:ln w="38100">
+            <a:gradFill flip="none" rotWithShape="1">
+              <a:gsLst>
+                <a:gs pos="30000">
+                  <a:srgbClr val="FF5601"/>
+                </a:gs>
+                <a:gs pos="30000">
+                  <a:schemeClr val="bg1"/>
+                </a:gs>
+              </a:gsLst>
+              <a:lin ang="0" scaled="1"/>
+              <a:tileRect/>
+            </a:gradFill>
+          </a:ln>
+        </p:spPr>
+        <p:style>
+          <a:lnRef idx="1">
+            <a:schemeClr val="accent1"/>
+          </a:lnRef>
+          <a:fillRef idx="0">
+            <a:schemeClr val="accent1"/>
+          </a:fillRef>
+          <a:effectRef idx="0">
+            <a:schemeClr val="accent1"/>
+          </a:effectRef>
+          <a:fontRef idx="minor">
+            <a:schemeClr val="tx1"/>
+          </a:fontRef>
+        </p:style>
+      </p:cxnSp>
+      <p:cxnSp>
+        <p:nvCxnSpPr>
+          <p:cNvPr id="5" name="직선 연결선 4">
+            <a:extLst>
+              <a:ext uri="{FF2B5EF4-FFF2-40B4-BE49-F238E27FC236}">
+                <a16:creationId xmlns:a16="http://schemas.microsoft.com/office/drawing/2014/main" id="{674DCF79-DA8A-4A51-8C82-84B1F9CC48AF}"/>
+              </a:ext>
+            </a:extLst>
+          </p:cNvPr>
+          <p:cNvCxnSpPr>
+            <a:cxnSpLocks/>
+          </p:cNvCxnSpPr>
+          <p:nvPr/>
+        </p:nvCxnSpPr>
+        <p:spPr>
+          <a:xfrm>
+            <a:off x="419879" y="958891"/>
+            <a:ext cx="3346778" cy="0"/>
+          </a:xfrm>
+          <a:prstGeom prst="line">
+            <a:avLst/>
+          </a:prstGeom>
+          <a:ln w="38100">
+            <a:gradFill flip="none" rotWithShape="1">
+              <a:gsLst>
+                <a:gs pos="40000">
+                  <a:srgbClr val="FF5601"/>
+                </a:gs>
+                <a:gs pos="40000">
+                  <a:schemeClr val="bg1"/>
+                </a:gs>
+              </a:gsLst>
+              <a:lin ang="0" scaled="1"/>
+              <a:tileRect/>
+            </a:gradFill>
+          </a:ln>
+        </p:spPr>
+        <p:style>
+          <a:lnRef idx="1">
+            <a:schemeClr val="accent1"/>
+          </a:lnRef>
+          <a:fillRef idx="0">
+            <a:schemeClr val="accent1"/>
+          </a:fillRef>
+          <a:effectRef idx="0">
+            <a:schemeClr val="accent1"/>
+          </a:effectRef>
+          <a:fontRef idx="minor">
+            <a:schemeClr val="tx1"/>
+          </a:fontRef>
+        </p:style>
+      </p:cxnSp>
+      <p:sp>
+        <p:nvSpPr>
+          <p:cNvPr id="8" name="TextBox 7">
+            <a:extLst>
+              <a:ext uri="{FF2B5EF4-FFF2-40B4-BE49-F238E27FC236}">
+                <a16:creationId xmlns:a16="http://schemas.microsoft.com/office/drawing/2014/main" id="{F0C0B9DB-45BB-497A-9716-1D7DC7DECF10}"/>
+              </a:ext>
+            </a:extLst>
+          </p:cNvPr>
+          <p:cNvSpPr txBox="1"/>
+          <p:nvPr/>
+        </p:nvSpPr>
+        <p:spPr>
+          <a:xfrm>
+            <a:off x="1265851" y="2176180"/>
+            <a:ext cx="9417699" cy="507831"/>
+          </a:xfrm>
+          <a:prstGeom prst="rect">
+            <a:avLst/>
+          </a:prstGeom>
+          <a:noFill/>
+        </p:spPr>
+        <p:txBody>
+          <a:bodyPr wrap="square" rtlCol="0">
+            <a:spAutoFit/>
+          </a:bodyPr>
+          <a:lstStyle/>
+          <a:p>
+            <a:r>
+              <a:rPr lang="en-US" altLang="ko-KR" sz="2700" dirty="0">
+                <a:solidFill>
+                  <a:schemeClr val="bg1"/>
+                </a:solidFill>
+                <a:latin typeface="에스코어 드림 5 Medium" panose="020B0503030302020204" pitchFamily="34" charset="-127"/>
+                <a:ea typeface="에스코어 드림 5 Medium" panose="020B0503030302020204" pitchFamily="34" charset="-127"/>
+              </a:rPr>
+              <a:t>· </a:t>
+            </a:r>
+            <a:r>
+              <a:rPr lang="ko-KR" altLang="en-US" sz="2700" dirty="0">
+                <a:solidFill>
+                  <a:schemeClr val="bg1"/>
+                </a:solidFill>
+                <a:latin typeface="에스코어 드림 5 Medium" panose="020B0503030302020204" pitchFamily="34" charset="-127"/>
+                <a:ea typeface="에스코어 드림 5 Medium" panose="020B0503030302020204" pitchFamily="34" charset="-127"/>
+              </a:rPr>
+              <a:t>병합 </a:t>
+            </a:r>
+            <a:r>
+              <a:rPr lang="ko-KR" altLang="en-US" sz="2700" dirty="0">
+                <a:solidFill>
+                  <a:srgbClr val="FF5601"/>
+                </a:solidFill>
+                <a:latin typeface="에스코어 드림 5 Medium" panose="020B0503030302020204" pitchFamily="34" charset="-127"/>
+                <a:ea typeface="에스코어 드림 5 Medium" panose="020B0503030302020204" pitchFamily="34" charset="-127"/>
+              </a:rPr>
+              <a:t>이전</a:t>
+            </a:r>
+            <a:r>
+              <a:rPr lang="ko-KR" altLang="en-US" sz="2700" dirty="0">
+                <a:solidFill>
+                  <a:schemeClr val="bg1"/>
+                </a:solidFill>
+                <a:latin typeface="에스코어 드림 5 Medium" panose="020B0503030302020204" pitchFamily="34" charset="-127"/>
+                <a:ea typeface="에스코어 드림 5 Medium" panose="020B0503030302020204" pitchFamily="34" charset="-127"/>
+              </a:rPr>
+              <a:t>에 다른 사람의 </a:t>
+            </a:r>
+            <a:r>
+              <a:rPr lang="ko-KR" altLang="en-US" sz="2700" dirty="0" err="1">
+                <a:solidFill>
+                  <a:schemeClr val="bg1"/>
+                </a:solidFill>
+                <a:latin typeface="에스코어 드림 5 Medium" panose="020B0503030302020204" pitchFamily="34" charset="-127"/>
+                <a:ea typeface="에스코어 드림 5 Medium" panose="020B0503030302020204" pitchFamily="34" charset="-127"/>
+              </a:rPr>
+              <a:t>커밋을</a:t>
+            </a:r>
+            <a:r>
+              <a:rPr lang="ko-KR" altLang="en-US" sz="2700" dirty="0">
+                <a:solidFill>
+                  <a:schemeClr val="bg1"/>
+                </a:solidFill>
+                <a:latin typeface="에스코어 드림 5 Medium" panose="020B0503030302020204" pitchFamily="34" charset="-127"/>
+                <a:ea typeface="에스코어 드림 5 Medium" panose="020B0503030302020204" pitchFamily="34" charset="-127"/>
+              </a:rPr>
+              <a:t> </a:t>
+            </a:r>
+            <a:r>
+              <a:rPr lang="ko-KR" altLang="en-US" sz="2700" dirty="0">
+                <a:solidFill>
+                  <a:srgbClr val="FF5601"/>
+                </a:solidFill>
+                <a:latin typeface="에스코어 드림 5 Medium" panose="020B0503030302020204" pitchFamily="34" charset="-127"/>
+                <a:ea typeface="에스코어 드림 5 Medium" panose="020B0503030302020204" pitchFamily="34" charset="-127"/>
+              </a:rPr>
+              <a:t>검토</a:t>
+            </a:r>
+          </a:p>
+        </p:txBody>
+      </p:sp>
+      <p:sp>
+        <p:nvSpPr>
+          <p:cNvPr id="9" name="TextBox 8">
+            <a:extLst>
+              <a:ext uri="{FF2B5EF4-FFF2-40B4-BE49-F238E27FC236}">
+                <a16:creationId xmlns:a16="http://schemas.microsoft.com/office/drawing/2014/main" id="{F790FCB6-9EED-4897-992C-491231918D21}"/>
+              </a:ext>
+            </a:extLst>
+          </p:cNvPr>
+          <p:cNvSpPr txBox="1"/>
+          <p:nvPr/>
+        </p:nvSpPr>
+        <p:spPr>
+          <a:xfrm>
+            <a:off x="1953748" y="2963062"/>
+            <a:ext cx="9417699" cy="507831"/>
+          </a:xfrm>
+          <a:prstGeom prst="rect">
+            <a:avLst/>
+          </a:prstGeom>
+          <a:noFill/>
+        </p:spPr>
+        <p:txBody>
+          <a:bodyPr wrap="square" rtlCol="0">
+            <a:spAutoFit/>
+          </a:bodyPr>
+          <a:lstStyle/>
+          <a:p>
+            <a:r>
+              <a:rPr lang="en-US" altLang="ko-KR" sz="2700" dirty="0">
+                <a:solidFill>
+                  <a:schemeClr val="bg1"/>
+                </a:solidFill>
+                <a:latin typeface="에스코어 드림 5 Medium" panose="020B0503030302020204" pitchFamily="34" charset="-127"/>
+                <a:ea typeface="에스코어 드림 5 Medium" panose="020B0503030302020204" pitchFamily="34" charset="-127"/>
+              </a:rPr>
+              <a:t>· </a:t>
+            </a:r>
+            <a:r>
+              <a:rPr lang="ko-KR" altLang="en-US" sz="2700" dirty="0">
+                <a:solidFill>
+                  <a:schemeClr val="bg1"/>
+                </a:solidFill>
+                <a:latin typeface="에스코어 드림 5 Medium" panose="020B0503030302020204" pitchFamily="34" charset="-127"/>
+                <a:ea typeface="에스코어 드림 5 Medium" panose="020B0503030302020204" pitchFamily="34" charset="-127"/>
+              </a:rPr>
+              <a:t>작업의 </a:t>
+            </a:r>
+            <a:r>
+              <a:rPr lang="ko-KR" altLang="en-US" sz="2700" dirty="0">
+                <a:solidFill>
+                  <a:srgbClr val="FF5601"/>
+                </a:solidFill>
+                <a:latin typeface="에스코어 드림 5 Medium" panose="020B0503030302020204" pitchFamily="34" charset="-127"/>
+                <a:ea typeface="에스코어 드림 5 Medium" panose="020B0503030302020204" pitchFamily="34" charset="-127"/>
+              </a:rPr>
+              <a:t>흐름</a:t>
+            </a:r>
+            <a:r>
+              <a:rPr lang="ko-KR" altLang="en-US" sz="2700" dirty="0">
+                <a:solidFill>
+                  <a:schemeClr val="bg1"/>
+                </a:solidFill>
+                <a:latin typeface="에스코어 드림 5 Medium" panose="020B0503030302020204" pitchFamily="34" charset="-127"/>
+                <a:ea typeface="에스코어 드림 5 Medium" panose="020B0503030302020204" pitchFamily="34" charset="-127"/>
+              </a:rPr>
+              <a:t> 및 </a:t>
+            </a:r>
+            <a:r>
+              <a:rPr lang="ko-KR" altLang="en-US" sz="2700" dirty="0">
+                <a:solidFill>
+                  <a:srgbClr val="FF5601"/>
+                </a:solidFill>
+                <a:latin typeface="에스코어 드림 5 Medium" panose="020B0503030302020204" pitchFamily="34" charset="-127"/>
+                <a:ea typeface="에스코어 드림 5 Medium" panose="020B0503030302020204" pitchFamily="34" charset="-127"/>
+              </a:rPr>
+              <a:t>코드</a:t>
+            </a:r>
+            <a:r>
+              <a:rPr lang="ko-KR" altLang="en-US" sz="2700" dirty="0">
+                <a:solidFill>
+                  <a:schemeClr val="bg1"/>
+                </a:solidFill>
+                <a:latin typeface="에스코어 드림 5 Medium" panose="020B0503030302020204" pitchFamily="34" charset="-127"/>
+                <a:ea typeface="에스코어 드림 5 Medium" panose="020B0503030302020204" pitchFamily="34" charset="-127"/>
+              </a:rPr>
+              <a:t>에 </a:t>
+            </a:r>
+            <a:r>
+              <a:rPr lang="ko-KR" altLang="en-US" sz="2700" dirty="0" err="1">
+                <a:solidFill>
+                  <a:schemeClr val="bg1"/>
+                </a:solidFill>
+                <a:latin typeface="에스코어 드림 5 Medium" panose="020B0503030302020204" pitchFamily="34" charset="-127"/>
+                <a:ea typeface="에스코어 드림 5 Medium" panose="020B0503030302020204" pitchFamily="34" charset="-127"/>
+              </a:rPr>
+              <a:t>신경쓸</a:t>
+            </a:r>
+            <a:r>
+              <a:rPr lang="ko-KR" altLang="en-US" sz="2700" dirty="0">
+                <a:solidFill>
+                  <a:schemeClr val="bg1"/>
+                </a:solidFill>
+                <a:latin typeface="에스코어 드림 5 Medium" panose="020B0503030302020204" pitchFamily="34" charset="-127"/>
+                <a:ea typeface="에스코어 드림 5 Medium" panose="020B0503030302020204" pitchFamily="34" charset="-127"/>
+              </a:rPr>
+              <a:t> 수 있음</a:t>
+            </a:r>
+            <a:r>
+              <a:rPr lang="en-US" altLang="ko-KR" sz="2700" dirty="0">
+                <a:solidFill>
+                  <a:schemeClr val="bg1"/>
+                </a:solidFill>
+                <a:latin typeface="에스코어 드림 5 Medium" panose="020B0503030302020204" pitchFamily="34" charset="-127"/>
+                <a:ea typeface="에스코어 드림 5 Medium" panose="020B0503030302020204" pitchFamily="34" charset="-127"/>
+              </a:rPr>
+              <a:t>.</a:t>
+            </a:r>
+            <a:endParaRPr lang="ko-KR" altLang="en-US" sz="2700" dirty="0">
+              <a:solidFill>
+                <a:schemeClr val="bg1"/>
+              </a:solidFill>
+              <a:latin typeface="에스코어 드림 5 Medium" panose="020B0503030302020204" pitchFamily="34" charset="-127"/>
+              <a:ea typeface="에스코어 드림 5 Medium" panose="020B0503030302020204" pitchFamily="34" charset="-127"/>
+            </a:endParaRPr>
+          </a:p>
+        </p:txBody>
+      </p:sp>
+      <p:sp>
+        <p:nvSpPr>
+          <p:cNvPr id="12" name="TextBox 11">
+            <a:extLst>
+              <a:ext uri="{FF2B5EF4-FFF2-40B4-BE49-F238E27FC236}">
+                <a16:creationId xmlns:a16="http://schemas.microsoft.com/office/drawing/2014/main" id="{72310E38-DEE1-4930-9E21-758EADC5FD2B}"/>
+              </a:ext>
+            </a:extLst>
+          </p:cNvPr>
+          <p:cNvSpPr txBox="1"/>
+          <p:nvPr/>
+        </p:nvSpPr>
+        <p:spPr>
+          <a:xfrm>
+            <a:off x="1953747" y="3749944"/>
+            <a:ext cx="9417699" cy="507831"/>
+          </a:xfrm>
+          <a:prstGeom prst="rect">
+            <a:avLst/>
+          </a:prstGeom>
+          <a:noFill/>
+        </p:spPr>
+        <p:txBody>
+          <a:bodyPr wrap="square" rtlCol="0">
+            <a:spAutoFit/>
+          </a:bodyPr>
+          <a:lstStyle/>
+          <a:p>
+            <a:r>
+              <a:rPr lang="en-US" altLang="ko-KR" sz="2700" dirty="0">
+                <a:solidFill>
+                  <a:schemeClr val="bg1"/>
+                </a:solidFill>
+                <a:latin typeface="에스코어 드림 5 Medium" panose="020B0503030302020204" pitchFamily="34" charset="-127"/>
+                <a:ea typeface="에스코어 드림 5 Medium" panose="020B0503030302020204" pitchFamily="34" charset="-127"/>
+              </a:rPr>
+              <a:t>· </a:t>
+            </a:r>
+            <a:r>
+              <a:rPr lang="ko-KR" altLang="en-US" sz="2700" dirty="0">
+                <a:solidFill>
+                  <a:schemeClr val="bg1"/>
+                </a:solidFill>
+                <a:latin typeface="에스코어 드림 5 Medium" panose="020B0503030302020204" pitchFamily="34" charset="-127"/>
+                <a:ea typeface="에스코어 드림 5 Medium" panose="020B0503030302020204" pitchFamily="34" charset="-127"/>
+              </a:rPr>
+              <a:t>당황스러운 </a:t>
+            </a:r>
+            <a:r>
+              <a:rPr lang="ko-KR" altLang="en-US" sz="2700" dirty="0">
+                <a:solidFill>
+                  <a:srgbClr val="FF5601"/>
+                </a:solidFill>
+                <a:latin typeface="에스코어 드림 5 Medium" panose="020B0503030302020204" pitchFamily="34" charset="-127"/>
+                <a:ea typeface="에스코어 드림 5 Medium" panose="020B0503030302020204" pitchFamily="34" charset="-127"/>
+              </a:rPr>
+              <a:t>코드 충돌</a:t>
+            </a:r>
+            <a:r>
+              <a:rPr lang="ko-KR" altLang="en-US" sz="2700" dirty="0">
+                <a:solidFill>
+                  <a:schemeClr val="bg1"/>
+                </a:solidFill>
+                <a:latin typeface="에스코어 드림 5 Medium" panose="020B0503030302020204" pitchFamily="34" charset="-127"/>
+                <a:ea typeface="에스코어 드림 5 Medium" panose="020B0503030302020204" pitchFamily="34" charset="-127"/>
+              </a:rPr>
+              <a:t>을 미리 파악할 수 있음</a:t>
+            </a:r>
+            <a:r>
+              <a:rPr lang="en-US" altLang="ko-KR" sz="2700" dirty="0">
+                <a:solidFill>
+                  <a:schemeClr val="bg1"/>
+                </a:solidFill>
+                <a:latin typeface="에스코어 드림 5 Medium" panose="020B0503030302020204" pitchFamily="34" charset="-127"/>
+                <a:ea typeface="에스코어 드림 5 Medium" panose="020B0503030302020204" pitchFamily="34" charset="-127"/>
+              </a:rPr>
+              <a:t>.</a:t>
+            </a:r>
+            <a:endParaRPr lang="ko-KR" altLang="en-US" sz="2700" dirty="0">
               <a:solidFill>
                 <a:schemeClr val="bg1"/>
               </a:solidFill>
@@ -6084,7 +7020,2193 @@
     </p:spTree>
     <p:extLst>
       <p:ext uri="{BB962C8B-B14F-4D97-AF65-F5344CB8AC3E}">
-        <p14:creationId xmlns:p14="http://schemas.microsoft.com/office/powerpoint/2010/main" val="639371590"/>
+        <p14:creationId xmlns:p14="http://schemas.microsoft.com/office/powerpoint/2010/main" val="1481434765"/>
+      </p:ext>
+    </p:extLst>
+  </p:cSld>
+  <p:clrMapOvr>
+    <a:masterClrMapping/>
+  </p:clrMapOvr>
+</p:sld>
+</file>
+
+<file path=ppt/slides/slide25.xml><?xml version="1.0" encoding="utf-8"?>
+<p:sld xmlns:a="http://schemas.openxmlformats.org/drawingml/2006/main" xmlns:r="http://schemas.openxmlformats.org/officeDocument/2006/relationships" xmlns:p="http://schemas.openxmlformats.org/presentationml/2006/main">
+  <p:cSld>
+    <p:spTree>
+      <p:nvGrpSpPr>
+        <p:cNvPr id="1" name=""/>
+        <p:cNvGrpSpPr/>
+        <p:nvPr/>
+      </p:nvGrpSpPr>
+      <p:grpSpPr>
+        <a:xfrm>
+          <a:off x="0" y="0"/>
+          <a:ext cx="0" cy="0"/>
+          <a:chOff x="0" y="0"/>
+          <a:chExt cx="0" cy="0"/>
+        </a:xfrm>
+      </p:grpSpPr>
+      <p:sp>
+        <p:nvSpPr>
+          <p:cNvPr id="2" name="TextBox 1">
+            <a:extLst>
+              <a:ext uri="{FF2B5EF4-FFF2-40B4-BE49-F238E27FC236}">
+                <a16:creationId xmlns:a16="http://schemas.microsoft.com/office/drawing/2014/main" id="{19E212F8-97D1-43B5-BCF7-3B8F5B93D93C}"/>
+              </a:ext>
+            </a:extLst>
+          </p:cNvPr>
+          <p:cNvSpPr txBox="1"/>
+          <p:nvPr/>
+        </p:nvSpPr>
+        <p:spPr>
+          <a:xfrm>
+            <a:off x="279920" y="174061"/>
+            <a:ext cx="3495126" cy="784830"/>
+          </a:xfrm>
+          <a:prstGeom prst="rect">
+            <a:avLst/>
+          </a:prstGeom>
+          <a:noFill/>
+        </p:spPr>
+        <p:txBody>
+          <a:bodyPr wrap="square" rtlCol="0">
+            <a:spAutoFit/>
+          </a:bodyPr>
+          <a:lstStyle/>
+          <a:p>
+            <a:pPr algn="ctr"/>
+            <a:r>
+              <a:rPr lang="en-US" altLang="ko-KR" sz="4500" dirty="0">
+                <a:solidFill>
+                  <a:srgbClr val="FF5601"/>
+                </a:solidFill>
+                <a:latin typeface="인터파크고딕 B" panose="02000000000000000000" pitchFamily="2" charset="-127"/>
+                <a:ea typeface="인터파크고딕 B" panose="02000000000000000000" pitchFamily="2" charset="-127"/>
+              </a:rPr>
+              <a:t>pull</a:t>
+            </a:r>
+            <a:r>
+              <a:rPr lang="en-US" altLang="ko-KR" sz="4500" dirty="0">
+                <a:solidFill>
+                  <a:schemeClr val="bg1"/>
+                </a:solidFill>
+                <a:latin typeface="인터파크고딕 B" panose="02000000000000000000" pitchFamily="2" charset="-127"/>
+                <a:ea typeface="인터파크고딕 B" panose="02000000000000000000" pitchFamily="2" charset="-127"/>
+              </a:rPr>
+              <a:t> request</a:t>
+            </a:r>
+            <a:endParaRPr lang="ko-KR" altLang="en-US" sz="4500" dirty="0">
+              <a:solidFill>
+                <a:schemeClr val="bg1"/>
+              </a:solidFill>
+              <a:latin typeface="인터파크고딕 B" panose="02000000000000000000" pitchFamily="2" charset="-127"/>
+              <a:ea typeface="인터파크고딕 B" panose="02000000000000000000" pitchFamily="2" charset="-127"/>
+            </a:endParaRPr>
+          </a:p>
+        </p:txBody>
+      </p:sp>
+      <p:cxnSp>
+        <p:nvCxnSpPr>
+          <p:cNvPr id="6" name="직선 연결선 5">
+            <a:extLst>
+              <a:ext uri="{FF2B5EF4-FFF2-40B4-BE49-F238E27FC236}">
+                <a16:creationId xmlns:a16="http://schemas.microsoft.com/office/drawing/2014/main" id="{7EDF5637-297E-4025-A055-82962EF5C6BF}"/>
+              </a:ext>
+            </a:extLst>
+          </p:cNvPr>
+          <p:cNvCxnSpPr>
+            <a:cxnSpLocks/>
+          </p:cNvCxnSpPr>
+          <p:nvPr/>
+        </p:nvCxnSpPr>
+        <p:spPr>
+          <a:xfrm>
+            <a:off x="419879" y="958891"/>
+            <a:ext cx="3522947" cy="0"/>
+          </a:xfrm>
+          <a:prstGeom prst="line">
+            <a:avLst/>
+          </a:prstGeom>
+          <a:ln w="38100">
+            <a:gradFill flip="none" rotWithShape="1">
+              <a:gsLst>
+                <a:gs pos="30000">
+                  <a:srgbClr val="FF5601"/>
+                </a:gs>
+                <a:gs pos="30000">
+                  <a:schemeClr val="bg1"/>
+                </a:gs>
+              </a:gsLst>
+              <a:lin ang="0" scaled="1"/>
+              <a:tileRect/>
+            </a:gradFill>
+          </a:ln>
+        </p:spPr>
+        <p:style>
+          <a:lnRef idx="1">
+            <a:schemeClr val="accent1"/>
+          </a:lnRef>
+          <a:fillRef idx="0">
+            <a:schemeClr val="accent1"/>
+          </a:fillRef>
+          <a:effectRef idx="0">
+            <a:schemeClr val="accent1"/>
+          </a:effectRef>
+          <a:fontRef idx="minor">
+            <a:schemeClr val="tx1"/>
+          </a:fontRef>
+        </p:style>
+      </p:cxnSp>
+      <p:cxnSp>
+        <p:nvCxnSpPr>
+          <p:cNvPr id="5" name="직선 연결선 4">
+            <a:extLst>
+              <a:ext uri="{FF2B5EF4-FFF2-40B4-BE49-F238E27FC236}">
+                <a16:creationId xmlns:a16="http://schemas.microsoft.com/office/drawing/2014/main" id="{674DCF79-DA8A-4A51-8C82-84B1F9CC48AF}"/>
+              </a:ext>
+            </a:extLst>
+          </p:cNvPr>
+          <p:cNvCxnSpPr>
+            <a:cxnSpLocks/>
+          </p:cNvCxnSpPr>
+          <p:nvPr/>
+        </p:nvCxnSpPr>
+        <p:spPr>
+          <a:xfrm>
+            <a:off x="419879" y="958891"/>
+            <a:ext cx="3346778" cy="0"/>
+          </a:xfrm>
+          <a:prstGeom prst="line">
+            <a:avLst/>
+          </a:prstGeom>
+          <a:ln w="38100">
+            <a:gradFill flip="none" rotWithShape="1">
+              <a:gsLst>
+                <a:gs pos="40000">
+                  <a:srgbClr val="FF5601"/>
+                </a:gs>
+                <a:gs pos="40000">
+                  <a:schemeClr val="bg1"/>
+                </a:gs>
+              </a:gsLst>
+              <a:lin ang="0" scaled="1"/>
+              <a:tileRect/>
+            </a:gradFill>
+          </a:ln>
+        </p:spPr>
+        <p:style>
+          <a:lnRef idx="1">
+            <a:schemeClr val="accent1"/>
+          </a:lnRef>
+          <a:fillRef idx="0">
+            <a:schemeClr val="accent1"/>
+          </a:fillRef>
+          <a:effectRef idx="0">
+            <a:schemeClr val="accent1"/>
+          </a:effectRef>
+          <a:fontRef idx="minor">
+            <a:schemeClr val="tx1"/>
+          </a:fontRef>
+        </p:style>
+      </p:cxnSp>
+      <p:sp>
+        <p:nvSpPr>
+          <p:cNvPr id="8" name="TextBox 7">
+            <a:extLst>
+              <a:ext uri="{FF2B5EF4-FFF2-40B4-BE49-F238E27FC236}">
+                <a16:creationId xmlns:a16="http://schemas.microsoft.com/office/drawing/2014/main" id="{F0C0B9DB-45BB-497A-9716-1D7DC7DECF10}"/>
+              </a:ext>
+            </a:extLst>
+          </p:cNvPr>
+          <p:cNvSpPr txBox="1"/>
+          <p:nvPr/>
+        </p:nvSpPr>
+        <p:spPr>
+          <a:xfrm>
+            <a:off x="863179" y="1489805"/>
+            <a:ext cx="9417699" cy="507831"/>
+          </a:xfrm>
+          <a:prstGeom prst="rect">
+            <a:avLst/>
+          </a:prstGeom>
+          <a:noFill/>
+        </p:spPr>
+        <p:txBody>
+          <a:bodyPr wrap="square" rtlCol="0">
+            <a:spAutoFit/>
+          </a:bodyPr>
+          <a:lstStyle/>
+          <a:p>
+            <a:r>
+              <a:rPr lang="en-US" altLang="ko-KR" sz="2700" dirty="0">
+                <a:solidFill>
+                  <a:schemeClr val="bg1"/>
+                </a:solidFill>
+                <a:latin typeface="에스코어 드림 5 Medium" panose="020B0503030302020204" pitchFamily="34" charset="-127"/>
+                <a:ea typeface="에스코어 드림 5 Medium" panose="020B0503030302020204" pitchFamily="34" charset="-127"/>
+              </a:rPr>
+              <a:t>1. Fork</a:t>
+            </a:r>
+            <a:endParaRPr lang="ko-KR" altLang="en-US" sz="2700" dirty="0">
+              <a:solidFill>
+                <a:srgbClr val="FF5601"/>
+              </a:solidFill>
+              <a:latin typeface="에스코어 드림 5 Medium" panose="020B0503030302020204" pitchFamily="34" charset="-127"/>
+              <a:ea typeface="에스코어 드림 5 Medium" panose="020B0503030302020204" pitchFamily="34" charset="-127"/>
+            </a:endParaRPr>
+          </a:p>
+        </p:txBody>
+      </p:sp>
+      <p:sp>
+        <p:nvSpPr>
+          <p:cNvPr id="9" name="TextBox 8">
+            <a:extLst>
+              <a:ext uri="{FF2B5EF4-FFF2-40B4-BE49-F238E27FC236}">
+                <a16:creationId xmlns:a16="http://schemas.microsoft.com/office/drawing/2014/main" id="{F790FCB6-9EED-4897-992C-491231918D21}"/>
+              </a:ext>
+            </a:extLst>
+          </p:cNvPr>
+          <p:cNvSpPr txBox="1"/>
+          <p:nvPr/>
+        </p:nvSpPr>
+        <p:spPr>
+          <a:xfrm>
+            <a:off x="1551076" y="2276687"/>
+            <a:ext cx="9933452" cy="507831"/>
+          </a:xfrm>
+          <a:prstGeom prst="rect">
+            <a:avLst/>
+          </a:prstGeom>
+          <a:noFill/>
+        </p:spPr>
+        <p:txBody>
+          <a:bodyPr wrap="square" rtlCol="0">
+            <a:spAutoFit/>
+          </a:bodyPr>
+          <a:lstStyle/>
+          <a:p>
+            <a:r>
+              <a:rPr lang="en-US" altLang="ko-KR" sz="2700" dirty="0">
+                <a:solidFill>
+                  <a:schemeClr val="bg1"/>
+                </a:solidFill>
+                <a:latin typeface="에스코어 드림 5 Medium" panose="020B0503030302020204" pitchFamily="34" charset="-127"/>
+                <a:ea typeface="에스코어 드림 5 Medium" panose="020B0503030302020204" pitchFamily="34" charset="-127"/>
+              </a:rPr>
+              <a:t>· </a:t>
+            </a:r>
+            <a:r>
+              <a:rPr lang="ko-KR" altLang="en-US" sz="2700" dirty="0">
+                <a:solidFill>
+                  <a:schemeClr val="bg1"/>
+                </a:solidFill>
+                <a:latin typeface="에스코어 드림 5 Medium" panose="020B0503030302020204" pitchFamily="34" charset="-127"/>
+                <a:ea typeface="에스코어 드림 5 Medium" panose="020B0503030302020204" pitchFamily="34" charset="-127"/>
+              </a:rPr>
+              <a:t>원본 </a:t>
+            </a:r>
+            <a:r>
+              <a:rPr lang="ko-KR" altLang="en-US" sz="2700" dirty="0" err="1">
+                <a:solidFill>
+                  <a:schemeClr val="bg1"/>
+                </a:solidFill>
+                <a:latin typeface="에스코어 드림 5 Medium" panose="020B0503030302020204" pitchFamily="34" charset="-127"/>
+                <a:ea typeface="에스코어 드림 5 Medium" panose="020B0503030302020204" pitchFamily="34" charset="-127"/>
+              </a:rPr>
+              <a:t>레포지토리</a:t>
+            </a:r>
+            <a:r>
+              <a:rPr lang="en-US" altLang="ko-KR" sz="2700" dirty="0">
+                <a:solidFill>
+                  <a:schemeClr val="bg1"/>
+                </a:solidFill>
+                <a:latin typeface="에스코어 드림 5 Medium" panose="020B0503030302020204" pitchFamily="34" charset="-127"/>
+                <a:ea typeface="에스코어 드림 5 Medium" panose="020B0503030302020204" pitchFamily="34" charset="-127"/>
+              </a:rPr>
+              <a:t>(upstream repo)</a:t>
+            </a:r>
+            <a:r>
+              <a:rPr lang="ko-KR" altLang="en-US" sz="2700" dirty="0">
+                <a:solidFill>
+                  <a:schemeClr val="bg1"/>
+                </a:solidFill>
+                <a:latin typeface="에스코어 드림 5 Medium" panose="020B0503030302020204" pitchFamily="34" charset="-127"/>
+                <a:ea typeface="에스코어 드림 5 Medium" panose="020B0503030302020204" pitchFamily="34" charset="-127"/>
+              </a:rPr>
+              <a:t>를 자신의 </a:t>
+            </a:r>
+            <a:r>
+              <a:rPr lang="ko-KR" altLang="en-US" sz="2700" dirty="0" err="1">
+                <a:solidFill>
+                  <a:schemeClr val="bg1"/>
+                </a:solidFill>
+                <a:latin typeface="에스코어 드림 5 Medium" panose="020B0503030302020204" pitchFamily="34" charset="-127"/>
+                <a:ea typeface="에스코어 드림 5 Medium" panose="020B0503030302020204" pitchFamily="34" charset="-127"/>
+              </a:rPr>
+              <a:t>레포지토리로</a:t>
+            </a:r>
+            <a:r>
+              <a:rPr lang="ko-KR" altLang="en-US" sz="2700" dirty="0">
+                <a:solidFill>
+                  <a:schemeClr val="bg1"/>
+                </a:solidFill>
+                <a:latin typeface="에스코어 드림 5 Medium" panose="020B0503030302020204" pitchFamily="34" charset="-127"/>
+                <a:ea typeface="에스코어 드림 5 Medium" panose="020B0503030302020204" pitchFamily="34" charset="-127"/>
+              </a:rPr>
+              <a:t> </a:t>
+            </a:r>
+            <a:r>
+              <a:rPr lang="en-US" altLang="ko-KR" sz="2700" dirty="0">
+                <a:solidFill>
+                  <a:srgbClr val="FF5601"/>
+                </a:solidFill>
+                <a:latin typeface="에스코어 드림 5 Medium" panose="020B0503030302020204" pitchFamily="34" charset="-127"/>
+                <a:ea typeface="에스코어 드림 5 Medium" panose="020B0503030302020204" pitchFamily="34" charset="-127"/>
+              </a:rPr>
+              <a:t>fork</a:t>
+            </a:r>
+            <a:endParaRPr lang="ko-KR" altLang="en-US" sz="2700" dirty="0">
+              <a:solidFill>
+                <a:srgbClr val="FF5601"/>
+              </a:solidFill>
+              <a:latin typeface="에스코어 드림 5 Medium" panose="020B0503030302020204" pitchFamily="34" charset="-127"/>
+              <a:ea typeface="에스코어 드림 5 Medium" panose="020B0503030302020204" pitchFamily="34" charset="-127"/>
+            </a:endParaRPr>
+          </a:p>
+        </p:txBody>
+      </p:sp>
+      <p:pic>
+        <p:nvPicPr>
+          <p:cNvPr id="3" name="그림 2">
+            <a:extLst>
+              <a:ext uri="{FF2B5EF4-FFF2-40B4-BE49-F238E27FC236}">
+                <a16:creationId xmlns:a16="http://schemas.microsoft.com/office/drawing/2014/main" id="{B8146C30-9C43-48AE-9D82-DC861F1E8826}"/>
+              </a:ext>
+            </a:extLst>
+          </p:cNvPr>
+          <p:cNvPicPr>
+            <a:picLocks noChangeAspect="1"/>
+          </p:cNvPicPr>
+          <p:nvPr/>
+        </p:nvPicPr>
+        <p:blipFill>
+          <a:blip r:embed="rId2"/>
+          <a:stretch>
+            <a:fillRect/>
+          </a:stretch>
+        </p:blipFill>
+        <p:spPr>
+          <a:xfrm>
+            <a:off x="2620068" y="2892611"/>
+            <a:ext cx="6951863" cy="3805815"/>
+          </a:xfrm>
+          <a:prstGeom prst="rect">
+            <a:avLst/>
+          </a:prstGeom>
+        </p:spPr>
+      </p:pic>
+    </p:spTree>
+    <p:extLst>
+      <p:ext uri="{BB962C8B-B14F-4D97-AF65-F5344CB8AC3E}">
+        <p14:creationId xmlns:p14="http://schemas.microsoft.com/office/powerpoint/2010/main" val="1598185366"/>
+      </p:ext>
+    </p:extLst>
+  </p:cSld>
+  <p:clrMapOvr>
+    <a:masterClrMapping/>
+  </p:clrMapOvr>
+</p:sld>
+</file>
+
+<file path=ppt/slides/slide26.xml><?xml version="1.0" encoding="utf-8"?>
+<p:sld xmlns:a="http://schemas.openxmlformats.org/drawingml/2006/main" xmlns:r="http://schemas.openxmlformats.org/officeDocument/2006/relationships" xmlns:p="http://schemas.openxmlformats.org/presentationml/2006/main">
+  <p:cSld>
+    <p:spTree>
+      <p:nvGrpSpPr>
+        <p:cNvPr id="1" name=""/>
+        <p:cNvGrpSpPr/>
+        <p:nvPr/>
+      </p:nvGrpSpPr>
+      <p:grpSpPr>
+        <a:xfrm>
+          <a:off x="0" y="0"/>
+          <a:ext cx="0" cy="0"/>
+          <a:chOff x="0" y="0"/>
+          <a:chExt cx="0" cy="0"/>
+        </a:xfrm>
+      </p:grpSpPr>
+      <p:sp>
+        <p:nvSpPr>
+          <p:cNvPr id="2" name="TextBox 1">
+            <a:extLst>
+              <a:ext uri="{FF2B5EF4-FFF2-40B4-BE49-F238E27FC236}">
+                <a16:creationId xmlns:a16="http://schemas.microsoft.com/office/drawing/2014/main" id="{19E212F8-97D1-43B5-BCF7-3B8F5B93D93C}"/>
+              </a:ext>
+            </a:extLst>
+          </p:cNvPr>
+          <p:cNvSpPr txBox="1"/>
+          <p:nvPr/>
+        </p:nvSpPr>
+        <p:spPr>
+          <a:xfrm>
+            <a:off x="279920" y="174061"/>
+            <a:ext cx="3495126" cy="784830"/>
+          </a:xfrm>
+          <a:prstGeom prst="rect">
+            <a:avLst/>
+          </a:prstGeom>
+          <a:noFill/>
+        </p:spPr>
+        <p:txBody>
+          <a:bodyPr wrap="square" rtlCol="0">
+            <a:spAutoFit/>
+          </a:bodyPr>
+          <a:lstStyle/>
+          <a:p>
+            <a:pPr algn="ctr"/>
+            <a:r>
+              <a:rPr lang="en-US" altLang="ko-KR" sz="4500" dirty="0">
+                <a:solidFill>
+                  <a:srgbClr val="FF5601"/>
+                </a:solidFill>
+                <a:latin typeface="인터파크고딕 B" panose="02000000000000000000" pitchFamily="2" charset="-127"/>
+                <a:ea typeface="인터파크고딕 B" panose="02000000000000000000" pitchFamily="2" charset="-127"/>
+              </a:rPr>
+              <a:t>pull</a:t>
+            </a:r>
+            <a:r>
+              <a:rPr lang="en-US" altLang="ko-KR" sz="4500" dirty="0">
+                <a:solidFill>
+                  <a:schemeClr val="bg1"/>
+                </a:solidFill>
+                <a:latin typeface="인터파크고딕 B" panose="02000000000000000000" pitchFamily="2" charset="-127"/>
+                <a:ea typeface="인터파크고딕 B" panose="02000000000000000000" pitchFamily="2" charset="-127"/>
+              </a:rPr>
+              <a:t> request</a:t>
+            </a:r>
+            <a:endParaRPr lang="ko-KR" altLang="en-US" sz="4500" dirty="0">
+              <a:solidFill>
+                <a:schemeClr val="bg1"/>
+              </a:solidFill>
+              <a:latin typeface="인터파크고딕 B" panose="02000000000000000000" pitchFamily="2" charset="-127"/>
+              <a:ea typeface="인터파크고딕 B" panose="02000000000000000000" pitchFamily="2" charset="-127"/>
+            </a:endParaRPr>
+          </a:p>
+        </p:txBody>
+      </p:sp>
+      <p:cxnSp>
+        <p:nvCxnSpPr>
+          <p:cNvPr id="6" name="직선 연결선 5">
+            <a:extLst>
+              <a:ext uri="{FF2B5EF4-FFF2-40B4-BE49-F238E27FC236}">
+                <a16:creationId xmlns:a16="http://schemas.microsoft.com/office/drawing/2014/main" id="{7EDF5637-297E-4025-A055-82962EF5C6BF}"/>
+              </a:ext>
+            </a:extLst>
+          </p:cNvPr>
+          <p:cNvCxnSpPr>
+            <a:cxnSpLocks/>
+          </p:cNvCxnSpPr>
+          <p:nvPr/>
+        </p:nvCxnSpPr>
+        <p:spPr>
+          <a:xfrm>
+            <a:off x="419879" y="958891"/>
+            <a:ext cx="3522947" cy="0"/>
+          </a:xfrm>
+          <a:prstGeom prst="line">
+            <a:avLst/>
+          </a:prstGeom>
+          <a:ln w="38100">
+            <a:gradFill flip="none" rotWithShape="1">
+              <a:gsLst>
+                <a:gs pos="30000">
+                  <a:srgbClr val="FF5601"/>
+                </a:gs>
+                <a:gs pos="30000">
+                  <a:schemeClr val="bg1"/>
+                </a:gs>
+              </a:gsLst>
+              <a:lin ang="0" scaled="1"/>
+              <a:tileRect/>
+            </a:gradFill>
+          </a:ln>
+        </p:spPr>
+        <p:style>
+          <a:lnRef idx="1">
+            <a:schemeClr val="accent1"/>
+          </a:lnRef>
+          <a:fillRef idx="0">
+            <a:schemeClr val="accent1"/>
+          </a:fillRef>
+          <a:effectRef idx="0">
+            <a:schemeClr val="accent1"/>
+          </a:effectRef>
+          <a:fontRef idx="minor">
+            <a:schemeClr val="tx1"/>
+          </a:fontRef>
+        </p:style>
+      </p:cxnSp>
+      <p:cxnSp>
+        <p:nvCxnSpPr>
+          <p:cNvPr id="5" name="직선 연결선 4">
+            <a:extLst>
+              <a:ext uri="{FF2B5EF4-FFF2-40B4-BE49-F238E27FC236}">
+                <a16:creationId xmlns:a16="http://schemas.microsoft.com/office/drawing/2014/main" id="{674DCF79-DA8A-4A51-8C82-84B1F9CC48AF}"/>
+              </a:ext>
+            </a:extLst>
+          </p:cNvPr>
+          <p:cNvCxnSpPr>
+            <a:cxnSpLocks/>
+          </p:cNvCxnSpPr>
+          <p:nvPr/>
+        </p:nvCxnSpPr>
+        <p:spPr>
+          <a:xfrm>
+            <a:off x="419879" y="958891"/>
+            <a:ext cx="3346778" cy="0"/>
+          </a:xfrm>
+          <a:prstGeom prst="line">
+            <a:avLst/>
+          </a:prstGeom>
+          <a:ln w="38100">
+            <a:gradFill flip="none" rotWithShape="1">
+              <a:gsLst>
+                <a:gs pos="40000">
+                  <a:srgbClr val="FF5601"/>
+                </a:gs>
+                <a:gs pos="40000">
+                  <a:schemeClr val="bg1"/>
+                </a:gs>
+              </a:gsLst>
+              <a:lin ang="0" scaled="1"/>
+              <a:tileRect/>
+            </a:gradFill>
+          </a:ln>
+        </p:spPr>
+        <p:style>
+          <a:lnRef idx="1">
+            <a:schemeClr val="accent1"/>
+          </a:lnRef>
+          <a:fillRef idx="0">
+            <a:schemeClr val="accent1"/>
+          </a:fillRef>
+          <a:effectRef idx="0">
+            <a:schemeClr val="accent1"/>
+          </a:effectRef>
+          <a:fontRef idx="minor">
+            <a:schemeClr val="tx1"/>
+          </a:fontRef>
+        </p:style>
+      </p:cxnSp>
+      <p:sp>
+        <p:nvSpPr>
+          <p:cNvPr id="8" name="TextBox 7">
+            <a:extLst>
+              <a:ext uri="{FF2B5EF4-FFF2-40B4-BE49-F238E27FC236}">
+                <a16:creationId xmlns:a16="http://schemas.microsoft.com/office/drawing/2014/main" id="{F0C0B9DB-45BB-497A-9716-1D7DC7DECF10}"/>
+              </a:ext>
+            </a:extLst>
+          </p:cNvPr>
+          <p:cNvSpPr txBox="1"/>
+          <p:nvPr/>
+        </p:nvSpPr>
+        <p:spPr>
+          <a:xfrm>
+            <a:off x="863179" y="1489805"/>
+            <a:ext cx="9417699" cy="507831"/>
+          </a:xfrm>
+          <a:prstGeom prst="rect">
+            <a:avLst/>
+          </a:prstGeom>
+          <a:noFill/>
+        </p:spPr>
+        <p:txBody>
+          <a:bodyPr wrap="square" rtlCol="0">
+            <a:spAutoFit/>
+          </a:bodyPr>
+          <a:lstStyle/>
+          <a:p>
+            <a:r>
+              <a:rPr lang="en-US" altLang="ko-KR" sz="2700" dirty="0">
+                <a:solidFill>
+                  <a:schemeClr val="bg1"/>
+                </a:solidFill>
+                <a:latin typeface="에스코어 드림 5 Medium" panose="020B0503030302020204" pitchFamily="34" charset="-127"/>
+                <a:ea typeface="에스코어 드림 5 Medium" panose="020B0503030302020204" pitchFamily="34" charset="-127"/>
+              </a:rPr>
+              <a:t>2. Clone &amp; Remote </a:t>
+            </a:r>
+            <a:r>
+              <a:rPr lang="ko-KR" altLang="en-US" sz="2700" dirty="0">
+                <a:solidFill>
+                  <a:schemeClr val="bg1"/>
+                </a:solidFill>
+                <a:latin typeface="에스코어 드림 5 Medium" panose="020B0503030302020204" pitchFamily="34" charset="-127"/>
+                <a:ea typeface="에스코어 드림 5 Medium" panose="020B0503030302020204" pitchFamily="34" charset="-127"/>
+              </a:rPr>
+              <a:t>설정</a:t>
+            </a:r>
+            <a:endParaRPr lang="ko-KR" altLang="en-US" sz="2700" dirty="0">
+              <a:solidFill>
+                <a:srgbClr val="FF5601"/>
+              </a:solidFill>
+              <a:latin typeface="에스코어 드림 5 Medium" panose="020B0503030302020204" pitchFamily="34" charset="-127"/>
+              <a:ea typeface="에스코어 드림 5 Medium" panose="020B0503030302020204" pitchFamily="34" charset="-127"/>
+            </a:endParaRPr>
+          </a:p>
+        </p:txBody>
+      </p:sp>
+      <p:sp>
+        <p:nvSpPr>
+          <p:cNvPr id="9" name="TextBox 8">
+            <a:extLst>
+              <a:ext uri="{FF2B5EF4-FFF2-40B4-BE49-F238E27FC236}">
+                <a16:creationId xmlns:a16="http://schemas.microsoft.com/office/drawing/2014/main" id="{F790FCB6-9EED-4897-992C-491231918D21}"/>
+              </a:ext>
+            </a:extLst>
+          </p:cNvPr>
+          <p:cNvSpPr txBox="1"/>
+          <p:nvPr/>
+        </p:nvSpPr>
+        <p:spPr>
+          <a:xfrm>
+            <a:off x="1551076" y="2276687"/>
+            <a:ext cx="9933452" cy="507831"/>
+          </a:xfrm>
+          <a:prstGeom prst="rect">
+            <a:avLst/>
+          </a:prstGeom>
+          <a:noFill/>
+        </p:spPr>
+        <p:txBody>
+          <a:bodyPr wrap="square" rtlCol="0">
+            <a:spAutoFit/>
+          </a:bodyPr>
+          <a:lstStyle/>
+          <a:p>
+            <a:r>
+              <a:rPr lang="en-US" altLang="ko-KR" sz="2700" dirty="0">
+                <a:solidFill>
+                  <a:schemeClr val="bg1"/>
+                </a:solidFill>
+                <a:latin typeface="에스코어 드림 5 Medium" panose="020B0503030302020204" pitchFamily="34" charset="-127"/>
+                <a:ea typeface="에스코어 드림 5 Medium" panose="020B0503030302020204" pitchFamily="34" charset="-127"/>
+              </a:rPr>
+              <a:t>·</a:t>
+            </a:r>
+            <a:r>
+              <a:rPr lang="ko-KR" altLang="en-US" sz="2700" dirty="0">
+                <a:solidFill>
+                  <a:schemeClr val="bg1"/>
+                </a:solidFill>
+                <a:latin typeface="에스코어 드림 5 Medium" panose="020B0503030302020204" pitchFamily="34" charset="-127"/>
+                <a:ea typeface="에스코어 드림 5 Medium" panose="020B0503030302020204" pitchFamily="34" charset="-127"/>
+              </a:rPr>
+              <a:t> </a:t>
+            </a:r>
+            <a:r>
+              <a:rPr lang="en-US" altLang="ko-KR" sz="2700" dirty="0">
+                <a:solidFill>
+                  <a:schemeClr val="bg1"/>
+                </a:solidFill>
+                <a:latin typeface="에스코어 드림 5 Medium" panose="020B0503030302020204" pitchFamily="34" charset="-127"/>
+                <a:ea typeface="에스코어 드림 5 Medium" panose="020B0503030302020204" pitchFamily="34" charset="-127"/>
+              </a:rPr>
+              <a:t>PR</a:t>
+            </a:r>
+            <a:r>
+              <a:rPr lang="ko-KR" altLang="en-US" sz="2700" dirty="0">
+                <a:solidFill>
+                  <a:schemeClr val="bg1"/>
+                </a:solidFill>
+                <a:latin typeface="에스코어 드림 5 Medium" panose="020B0503030302020204" pitchFamily="34" charset="-127"/>
+                <a:ea typeface="에스코어 드림 5 Medium" panose="020B0503030302020204" pitchFamily="34" charset="-127"/>
+              </a:rPr>
+              <a:t>을 사용하지 않는 방법과 </a:t>
+            </a:r>
+            <a:r>
+              <a:rPr lang="ko-KR" altLang="en-US" sz="2700" dirty="0">
+                <a:solidFill>
+                  <a:srgbClr val="FF5601"/>
+                </a:solidFill>
+                <a:latin typeface="에스코어 드림 5 Medium" panose="020B0503030302020204" pitchFamily="34" charset="-127"/>
+                <a:ea typeface="에스코어 드림 5 Medium" panose="020B0503030302020204" pitchFamily="34" charset="-127"/>
+              </a:rPr>
+              <a:t>동일</a:t>
+            </a:r>
+            <a:r>
+              <a:rPr lang="ko-KR" altLang="en-US" sz="2700" dirty="0">
+                <a:solidFill>
+                  <a:schemeClr val="bg1"/>
+                </a:solidFill>
+                <a:latin typeface="에스코어 드림 5 Medium" panose="020B0503030302020204" pitchFamily="34" charset="-127"/>
+                <a:ea typeface="에스코어 드림 5 Medium" panose="020B0503030302020204" pitchFamily="34" charset="-127"/>
+              </a:rPr>
+              <a:t>합니다</a:t>
+            </a:r>
+            <a:r>
+              <a:rPr lang="en-US" altLang="ko-KR" sz="2700" dirty="0">
+                <a:solidFill>
+                  <a:schemeClr val="bg1"/>
+                </a:solidFill>
+                <a:latin typeface="에스코어 드림 5 Medium" panose="020B0503030302020204" pitchFamily="34" charset="-127"/>
+                <a:ea typeface="에스코어 드림 5 Medium" panose="020B0503030302020204" pitchFamily="34" charset="-127"/>
+              </a:rPr>
+              <a:t>.</a:t>
+            </a:r>
+            <a:endParaRPr lang="ko-KR" altLang="en-US" sz="2700" dirty="0">
+              <a:solidFill>
+                <a:schemeClr val="bg1"/>
+              </a:solidFill>
+              <a:latin typeface="에스코어 드림 5 Medium" panose="020B0503030302020204" pitchFamily="34" charset="-127"/>
+              <a:ea typeface="에스코어 드림 5 Medium" panose="020B0503030302020204" pitchFamily="34" charset="-127"/>
+            </a:endParaRPr>
+          </a:p>
+        </p:txBody>
+      </p:sp>
+      <p:pic>
+        <p:nvPicPr>
+          <p:cNvPr id="4" name="그림 3">
+            <a:extLst>
+              <a:ext uri="{FF2B5EF4-FFF2-40B4-BE49-F238E27FC236}">
+                <a16:creationId xmlns:a16="http://schemas.microsoft.com/office/drawing/2014/main" id="{FB97D30C-F757-4207-A3D7-4CD10C77305B}"/>
+              </a:ext>
+            </a:extLst>
+          </p:cNvPr>
+          <p:cNvPicPr>
+            <a:picLocks noChangeAspect="1"/>
+          </p:cNvPicPr>
+          <p:nvPr/>
+        </p:nvPicPr>
+        <p:blipFill>
+          <a:blip r:embed="rId2"/>
+          <a:stretch>
+            <a:fillRect/>
+          </a:stretch>
+        </p:blipFill>
+        <p:spPr>
+          <a:xfrm>
+            <a:off x="2861811" y="2986613"/>
+            <a:ext cx="6468378" cy="2381582"/>
+          </a:xfrm>
+          <a:prstGeom prst="rect">
+            <a:avLst/>
+          </a:prstGeom>
+        </p:spPr>
+      </p:pic>
+    </p:spTree>
+    <p:extLst>
+      <p:ext uri="{BB962C8B-B14F-4D97-AF65-F5344CB8AC3E}">
+        <p14:creationId xmlns:p14="http://schemas.microsoft.com/office/powerpoint/2010/main" val="4118012466"/>
+      </p:ext>
+    </p:extLst>
+  </p:cSld>
+  <p:clrMapOvr>
+    <a:masterClrMapping/>
+  </p:clrMapOvr>
+</p:sld>
+</file>
+
+<file path=ppt/slides/slide27.xml><?xml version="1.0" encoding="utf-8"?>
+<p:sld xmlns:a="http://schemas.openxmlformats.org/drawingml/2006/main" xmlns:r="http://schemas.openxmlformats.org/officeDocument/2006/relationships" xmlns:p="http://schemas.openxmlformats.org/presentationml/2006/main">
+  <p:cSld>
+    <p:spTree>
+      <p:nvGrpSpPr>
+        <p:cNvPr id="1" name=""/>
+        <p:cNvGrpSpPr/>
+        <p:nvPr/>
+      </p:nvGrpSpPr>
+      <p:grpSpPr>
+        <a:xfrm>
+          <a:off x="0" y="0"/>
+          <a:ext cx="0" cy="0"/>
+          <a:chOff x="0" y="0"/>
+          <a:chExt cx="0" cy="0"/>
+        </a:xfrm>
+      </p:grpSpPr>
+      <p:sp>
+        <p:nvSpPr>
+          <p:cNvPr id="2" name="TextBox 1">
+            <a:extLst>
+              <a:ext uri="{FF2B5EF4-FFF2-40B4-BE49-F238E27FC236}">
+                <a16:creationId xmlns:a16="http://schemas.microsoft.com/office/drawing/2014/main" id="{19E212F8-97D1-43B5-BCF7-3B8F5B93D93C}"/>
+              </a:ext>
+            </a:extLst>
+          </p:cNvPr>
+          <p:cNvSpPr txBox="1"/>
+          <p:nvPr/>
+        </p:nvSpPr>
+        <p:spPr>
+          <a:xfrm>
+            <a:off x="279920" y="174061"/>
+            <a:ext cx="3495126" cy="784830"/>
+          </a:xfrm>
+          <a:prstGeom prst="rect">
+            <a:avLst/>
+          </a:prstGeom>
+          <a:noFill/>
+        </p:spPr>
+        <p:txBody>
+          <a:bodyPr wrap="square" rtlCol="0">
+            <a:spAutoFit/>
+          </a:bodyPr>
+          <a:lstStyle/>
+          <a:p>
+            <a:pPr algn="ctr"/>
+            <a:r>
+              <a:rPr lang="en-US" altLang="ko-KR" sz="4500" dirty="0">
+                <a:solidFill>
+                  <a:srgbClr val="FF5601"/>
+                </a:solidFill>
+                <a:latin typeface="인터파크고딕 B" panose="02000000000000000000" pitchFamily="2" charset="-127"/>
+                <a:ea typeface="인터파크고딕 B" panose="02000000000000000000" pitchFamily="2" charset="-127"/>
+              </a:rPr>
+              <a:t>pull</a:t>
+            </a:r>
+            <a:r>
+              <a:rPr lang="en-US" altLang="ko-KR" sz="4500" dirty="0">
+                <a:solidFill>
+                  <a:schemeClr val="bg1"/>
+                </a:solidFill>
+                <a:latin typeface="인터파크고딕 B" panose="02000000000000000000" pitchFamily="2" charset="-127"/>
+                <a:ea typeface="인터파크고딕 B" panose="02000000000000000000" pitchFamily="2" charset="-127"/>
+              </a:rPr>
+              <a:t> request</a:t>
+            </a:r>
+            <a:endParaRPr lang="ko-KR" altLang="en-US" sz="4500" dirty="0">
+              <a:solidFill>
+                <a:schemeClr val="bg1"/>
+              </a:solidFill>
+              <a:latin typeface="인터파크고딕 B" panose="02000000000000000000" pitchFamily="2" charset="-127"/>
+              <a:ea typeface="인터파크고딕 B" panose="02000000000000000000" pitchFamily="2" charset="-127"/>
+            </a:endParaRPr>
+          </a:p>
+        </p:txBody>
+      </p:sp>
+      <p:cxnSp>
+        <p:nvCxnSpPr>
+          <p:cNvPr id="6" name="직선 연결선 5">
+            <a:extLst>
+              <a:ext uri="{FF2B5EF4-FFF2-40B4-BE49-F238E27FC236}">
+                <a16:creationId xmlns:a16="http://schemas.microsoft.com/office/drawing/2014/main" id="{7EDF5637-297E-4025-A055-82962EF5C6BF}"/>
+              </a:ext>
+            </a:extLst>
+          </p:cNvPr>
+          <p:cNvCxnSpPr>
+            <a:cxnSpLocks/>
+          </p:cNvCxnSpPr>
+          <p:nvPr/>
+        </p:nvCxnSpPr>
+        <p:spPr>
+          <a:xfrm>
+            <a:off x="419879" y="958891"/>
+            <a:ext cx="3522947" cy="0"/>
+          </a:xfrm>
+          <a:prstGeom prst="line">
+            <a:avLst/>
+          </a:prstGeom>
+          <a:ln w="38100">
+            <a:gradFill flip="none" rotWithShape="1">
+              <a:gsLst>
+                <a:gs pos="30000">
+                  <a:srgbClr val="FF5601"/>
+                </a:gs>
+                <a:gs pos="30000">
+                  <a:schemeClr val="bg1"/>
+                </a:gs>
+              </a:gsLst>
+              <a:lin ang="0" scaled="1"/>
+              <a:tileRect/>
+            </a:gradFill>
+          </a:ln>
+        </p:spPr>
+        <p:style>
+          <a:lnRef idx="1">
+            <a:schemeClr val="accent1"/>
+          </a:lnRef>
+          <a:fillRef idx="0">
+            <a:schemeClr val="accent1"/>
+          </a:fillRef>
+          <a:effectRef idx="0">
+            <a:schemeClr val="accent1"/>
+          </a:effectRef>
+          <a:fontRef idx="minor">
+            <a:schemeClr val="tx1"/>
+          </a:fontRef>
+        </p:style>
+      </p:cxnSp>
+      <p:cxnSp>
+        <p:nvCxnSpPr>
+          <p:cNvPr id="5" name="직선 연결선 4">
+            <a:extLst>
+              <a:ext uri="{FF2B5EF4-FFF2-40B4-BE49-F238E27FC236}">
+                <a16:creationId xmlns:a16="http://schemas.microsoft.com/office/drawing/2014/main" id="{674DCF79-DA8A-4A51-8C82-84B1F9CC48AF}"/>
+              </a:ext>
+            </a:extLst>
+          </p:cNvPr>
+          <p:cNvCxnSpPr>
+            <a:cxnSpLocks/>
+          </p:cNvCxnSpPr>
+          <p:nvPr/>
+        </p:nvCxnSpPr>
+        <p:spPr>
+          <a:xfrm>
+            <a:off x="419879" y="958891"/>
+            <a:ext cx="3346778" cy="0"/>
+          </a:xfrm>
+          <a:prstGeom prst="line">
+            <a:avLst/>
+          </a:prstGeom>
+          <a:ln w="38100">
+            <a:gradFill flip="none" rotWithShape="1">
+              <a:gsLst>
+                <a:gs pos="40000">
+                  <a:srgbClr val="FF5601"/>
+                </a:gs>
+                <a:gs pos="40000">
+                  <a:schemeClr val="bg1"/>
+                </a:gs>
+              </a:gsLst>
+              <a:lin ang="0" scaled="1"/>
+              <a:tileRect/>
+            </a:gradFill>
+          </a:ln>
+        </p:spPr>
+        <p:style>
+          <a:lnRef idx="1">
+            <a:schemeClr val="accent1"/>
+          </a:lnRef>
+          <a:fillRef idx="0">
+            <a:schemeClr val="accent1"/>
+          </a:fillRef>
+          <a:effectRef idx="0">
+            <a:schemeClr val="accent1"/>
+          </a:effectRef>
+          <a:fontRef idx="minor">
+            <a:schemeClr val="tx1"/>
+          </a:fontRef>
+        </p:style>
+      </p:cxnSp>
+      <p:sp>
+        <p:nvSpPr>
+          <p:cNvPr id="8" name="TextBox 7">
+            <a:extLst>
+              <a:ext uri="{FF2B5EF4-FFF2-40B4-BE49-F238E27FC236}">
+                <a16:creationId xmlns:a16="http://schemas.microsoft.com/office/drawing/2014/main" id="{F0C0B9DB-45BB-497A-9716-1D7DC7DECF10}"/>
+              </a:ext>
+            </a:extLst>
+          </p:cNvPr>
+          <p:cNvSpPr txBox="1"/>
+          <p:nvPr/>
+        </p:nvSpPr>
+        <p:spPr>
+          <a:xfrm>
+            <a:off x="863179" y="1489805"/>
+            <a:ext cx="9417699" cy="507831"/>
+          </a:xfrm>
+          <a:prstGeom prst="rect">
+            <a:avLst/>
+          </a:prstGeom>
+          <a:noFill/>
+        </p:spPr>
+        <p:txBody>
+          <a:bodyPr wrap="square" rtlCol="0">
+            <a:spAutoFit/>
+          </a:bodyPr>
+          <a:lstStyle/>
+          <a:p>
+            <a:r>
+              <a:rPr lang="en-US" altLang="ko-KR" sz="2700" dirty="0">
+                <a:solidFill>
+                  <a:schemeClr val="bg1"/>
+                </a:solidFill>
+                <a:latin typeface="에스코어 드림 5 Medium" panose="020B0503030302020204" pitchFamily="34" charset="-127"/>
+                <a:ea typeface="에스코어 드림 5 Medium" panose="020B0503030302020204" pitchFamily="34" charset="-127"/>
+              </a:rPr>
+              <a:t>3. Local branch </a:t>
+            </a:r>
+            <a:r>
+              <a:rPr lang="ko-KR" altLang="en-US" sz="2700" dirty="0">
+                <a:solidFill>
+                  <a:schemeClr val="bg1"/>
+                </a:solidFill>
+                <a:latin typeface="에스코어 드림 5 Medium" panose="020B0503030302020204" pitchFamily="34" charset="-127"/>
+                <a:ea typeface="에스코어 드림 5 Medium" panose="020B0503030302020204" pitchFamily="34" charset="-127"/>
+              </a:rPr>
+              <a:t>생성</a:t>
+            </a:r>
+            <a:endParaRPr lang="ko-KR" altLang="en-US" sz="2700" dirty="0">
+              <a:solidFill>
+                <a:srgbClr val="FF5601"/>
+              </a:solidFill>
+              <a:latin typeface="에스코어 드림 5 Medium" panose="020B0503030302020204" pitchFamily="34" charset="-127"/>
+              <a:ea typeface="에스코어 드림 5 Medium" panose="020B0503030302020204" pitchFamily="34" charset="-127"/>
+            </a:endParaRPr>
+          </a:p>
+        </p:txBody>
+      </p:sp>
+      <p:sp>
+        <p:nvSpPr>
+          <p:cNvPr id="9" name="TextBox 8">
+            <a:extLst>
+              <a:ext uri="{FF2B5EF4-FFF2-40B4-BE49-F238E27FC236}">
+                <a16:creationId xmlns:a16="http://schemas.microsoft.com/office/drawing/2014/main" id="{F790FCB6-9EED-4897-992C-491231918D21}"/>
+              </a:ext>
+            </a:extLst>
+          </p:cNvPr>
+          <p:cNvSpPr txBox="1"/>
+          <p:nvPr/>
+        </p:nvSpPr>
+        <p:spPr>
+          <a:xfrm>
+            <a:off x="1551076" y="2276687"/>
+            <a:ext cx="9933452" cy="507831"/>
+          </a:xfrm>
+          <a:prstGeom prst="rect">
+            <a:avLst/>
+          </a:prstGeom>
+          <a:noFill/>
+        </p:spPr>
+        <p:txBody>
+          <a:bodyPr wrap="square" rtlCol="0">
+            <a:spAutoFit/>
+          </a:bodyPr>
+          <a:lstStyle/>
+          <a:p>
+            <a:r>
+              <a:rPr lang="en-US" altLang="ko-KR" sz="2700" dirty="0">
+                <a:solidFill>
+                  <a:schemeClr val="bg1"/>
+                </a:solidFill>
+                <a:latin typeface="에스코어 드림 5 Medium" panose="020B0503030302020204" pitchFamily="34" charset="-127"/>
+                <a:ea typeface="에스코어 드림 5 Medium" panose="020B0503030302020204" pitchFamily="34" charset="-127"/>
+              </a:rPr>
+              <a:t>· </a:t>
+            </a:r>
+            <a:r>
+              <a:rPr lang="ko-KR" altLang="en-US" sz="2700" dirty="0">
+                <a:solidFill>
+                  <a:schemeClr val="bg1"/>
+                </a:solidFill>
+                <a:latin typeface="에스코어 드림 5 Medium" panose="020B0503030302020204" pitchFamily="34" charset="-127"/>
+                <a:ea typeface="에스코어 드림 5 Medium" panose="020B0503030302020204" pitchFamily="34" charset="-127"/>
+              </a:rPr>
+              <a:t>작업하기 위해 </a:t>
+            </a:r>
+            <a:r>
+              <a:rPr lang="en-US" altLang="ko-KR" sz="2700" dirty="0">
+                <a:solidFill>
+                  <a:srgbClr val="FF5601"/>
+                </a:solidFill>
+                <a:latin typeface="에스코어 드림 5 Medium" panose="020B0503030302020204" pitchFamily="34" charset="-127"/>
+                <a:ea typeface="에스코어 드림 5 Medium" panose="020B0503030302020204" pitchFamily="34" charset="-127"/>
+              </a:rPr>
+              <a:t>branch</a:t>
+            </a:r>
+            <a:r>
+              <a:rPr lang="ko-KR" altLang="en-US" sz="2700" dirty="0">
+                <a:solidFill>
+                  <a:schemeClr val="bg1"/>
+                </a:solidFill>
+                <a:latin typeface="에스코어 드림 5 Medium" panose="020B0503030302020204" pitchFamily="34" charset="-127"/>
+                <a:ea typeface="에스코어 드림 5 Medium" panose="020B0503030302020204" pitchFamily="34" charset="-127"/>
+              </a:rPr>
+              <a:t>를 </a:t>
+            </a:r>
+            <a:r>
+              <a:rPr lang="ko-KR" altLang="en-US" sz="2700" dirty="0">
+                <a:solidFill>
+                  <a:srgbClr val="FF5601"/>
+                </a:solidFill>
+                <a:latin typeface="에스코어 드림 5 Medium" panose="020B0503030302020204" pitchFamily="34" charset="-127"/>
+                <a:ea typeface="에스코어 드림 5 Medium" panose="020B0503030302020204" pitchFamily="34" charset="-127"/>
+              </a:rPr>
+              <a:t>생성</a:t>
+            </a:r>
+            <a:r>
+              <a:rPr lang="ko-KR" altLang="en-US" sz="2700" dirty="0">
+                <a:solidFill>
+                  <a:schemeClr val="bg1"/>
+                </a:solidFill>
+                <a:latin typeface="에스코어 드림 5 Medium" panose="020B0503030302020204" pitchFamily="34" charset="-127"/>
+                <a:ea typeface="에스코어 드림 5 Medium" panose="020B0503030302020204" pitchFamily="34" charset="-127"/>
+              </a:rPr>
+              <a:t>합니다</a:t>
+            </a:r>
+            <a:r>
+              <a:rPr lang="en-US" altLang="ko-KR" sz="2700" dirty="0">
+                <a:solidFill>
+                  <a:schemeClr val="bg1"/>
+                </a:solidFill>
+                <a:latin typeface="에스코어 드림 5 Medium" panose="020B0503030302020204" pitchFamily="34" charset="-127"/>
+                <a:ea typeface="에스코어 드림 5 Medium" panose="020B0503030302020204" pitchFamily="34" charset="-127"/>
+              </a:rPr>
+              <a:t>.</a:t>
+            </a:r>
+            <a:endParaRPr lang="ko-KR" altLang="en-US" sz="2700" dirty="0">
+              <a:solidFill>
+                <a:schemeClr val="bg1"/>
+              </a:solidFill>
+              <a:latin typeface="에스코어 드림 5 Medium" panose="020B0503030302020204" pitchFamily="34" charset="-127"/>
+              <a:ea typeface="에스코어 드림 5 Medium" panose="020B0503030302020204" pitchFamily="34" charset="-127"/>
+            </a:endParaRPr>
+          </a:p>
+        </p:txBody>
+      </p:sp>
+      <p:sp>
+        <p:nvSpPr>
+          <p:cNvPr id="10" name="TextBox 9">
+            <a:extLst>
+              <a:ext uri="{FF2B5EF4-FFF2-40B4-BE49-F238E27FC236}">
+                <a16:creationId xmlns:a16="http://schemas.microsoft.com/office/drawing/2014/main" id="{79A40B84-759B-40E6-A869-2BA6F7FDD1B4}"/>
+              </a:ext>
+            </a:extLst>
+          </p:cNvPr>
+          <p:cNvSpPr txBox="1"/>
+          <p:nvPr/>
+        </p:nvSpPr>
+        <p:spPr>
+          <a:xfrm>
+            <a:off x="1551076" y="3063569"/>
+            <a:ext cx="9933452" cy="507831"/>
+          </a:xfrm>
+          <a:prstGeom prst="rect">
+            <a:avLst/>
+          </a:prstGeom>
+          <a:noFill/>
+        </p:spPr>
+        <p:txBody>
+          <a:bodyPr wrap="square" rtlCol="0">
+            <a:spAutoFit/>
+          </a:bodyPr>
+          <a:lstStyle/>
+          <a:p>
+            <a:r>
+              <a:rPr lang="en-US" altLang="ko-KR" sz="2700" dirty="0">
+                <a:solidFill>
+                  <a:schemeClr val="bg1"/>
+                </a:solidFill>
+                <a:latin typeface="에스코어 드림 5 Medium" panose="020B0503030302020204" pitchFamily="34" charset="-127"/>
+                <a:ea typeface="에스코어 드림 5 Medium" panose="020B0503030302020204" pitchFamily="34" charset="-127"/>
+              </a:rPr>
+              <a:t>· git flow</a:t>
+            </a:r>
+            <a:r>
+              <a:rPr lang="ko-KR" altLang="en-US" sz="2700" dirty="0">
+                <a:solidFill>
+                  <a:schemeClr val="bg1"/>
+                </a:solidFill>
+                <a:latin typeface="에스코어 드림 5 Medium" panose="020B0503030302020204" pitchFamily="34" charset="-127"/>
+                <a:ea typeface="에스코어 드림 5 Medium" panose="020B0503030302020204" pitchFamily="34" charset="-127"/>
+              </a:rPr>
+              <a:t>에서 </a:t>
+            </a:r>
+            <a:r>
+              <a:rPr lang="en-US" altLang="ko-KR" sz="2700" dirty="0">
+                <a:solidFill>
+                  <a:srgbClr val="FF5601"/>
+                </a:solidFill>
+                <a:latin typeface="에스코어 드림 5 Medium" panose="020B0503030302020204" pitchFamily="34" charset="-127"/>
+                <a:ea typeface="에스코어 드림 5 Medium" panose="020B0503030302020204" pitchFamily="34" charset="-127"/>
+              </a:rPr>
+              <a:t>feature</a:t>
+            </a:r>
+            <a:r>
+              <a:rPr lang="en-US" altLang="ko-KR" sz="2700" dirty="0">
+                <a:solidFill>
+                  <a:schemeClr val="bg1"/>
+                </a:solidFill>
+                <a:latin typeface="에스코어 드림 5 Medium" panose="020B0503030302020204" pitchFamily="34" charset="-127"/>
+                <a:ea typeface="에스코어 드림 5 Medium" panose="020B0503030302020204" pitchFamily="34" charset="-127"/>
+              </a:rPr>
+              <a:t> </a:t>
+            </a:r>
+            <a:r>
+              <a:rPr lang="ko-KR" altLang="en-US" sz="2700" dirty="0" err="1">
+                <a:solidFill>
+                  <a:schemeClr val="bg1"/>
+                </a:solidFill>
+                <a:latin typeface="에스코어 드림 5 Medium" panose="020B0503030302020204" pitchFamily="34" charset="-127"/>
+                <a:ea typeface="에스코어 드림 5 Medium" panose="020B0503030302020204" pitchFamily="34" charset="-127"/>
+              </a:rPr>
+              <a:t>브랜치에</a:t>
+            </a:r>
+            <a:r>
+              <a:rPr lang="ko-KR" altLang="en-US" sz="2700" dirty="0">
+                <a:solidFill>
+                  <a:schemeClr val="bg1"/>
+                </a:solidFill>
+                <a:latin typeface="에스코어 드림 5 Medium" panose="020B0503030302020204" pitchFamily="34" charset="-127"/>
+                <a:ea typeface="에스코어 드림 5 Medium" panose="020B0503030302020204" pitchFamily="34" charset="-127"/>
+              </a:rPr>
+              <a:t> 해당합니다</a:t>
+            </a:r>
+            <a:r>
+              <a:rPr lang="en-US" altLang="ko-KR" sz="2700" dirty="0">
+                <a:solidFill>
+                  <a:schemeClr val="bg1"/>
+                </a:solidFill>
+                <a:latin typeface="에스코어 드림 5 Medium" panose="020B0503030302020204" pitchFamily="34" charset="-127"/>
+                <a:ea typeface="에스코어 드림 5 Medium" panose="020B0503030302020204" pitchFamily="34" charset="-127"/>
+              </a:rPr>
+              <a:t>.</a:t>
+            </a:r>
+            <a:endParaRPr lang="ko-KR" altLang="en-US" sz="2700" dirty="0">
+              <a:solidFill>
+                <a:schemeClr val="bg1"/>
+              </a:solidFill>
+              <a:latin typeface="에스코어 드림 5 Medium" panose="020B0503030302020204" pitchFamily="34" charset="-127"/>
+              <a:ea typeface="에스코어 드림 5 Medium" panose="020B0503030302020204" pitchFamily="34" charset="-127"/>
+            </a:endParaRPr>
+          </a:p>
+        </p:txBody>
+      </p:sp>
+      <p:pic>
+        <p:nvPicPr>
+          <p:cNvPr id="3" name="그림 2">
+            <a:extLst>
+              <a:ext uri="{FF2B5EF4-FFF2-40B4-BE49-F238E27FC236}">
+                <a16:creationId xmlns:a16="http://schemas.microsoft.com/office/drawing/2014/main" id="{49AC68A1-BEBF-4FC2-9C4B-C976415860D7}"/>
+              </a:ext>
+            </a:extLst>
+          </p:cNvPr>
+          <p:cNvPicPr>
+            <a:picLocks noChangeAspect="1"/>
+          </p:cNvPicPr>
+          <p:nvPr/>
+        </p:nvPicPr>
+        <p:blipFill>
+          <a:blip r:embed="rId2"/>
+          <a:stretch>
+            <a:fillRect/>
+          </a:stretch>
+        </p:blipFill>
+        <p:spPr>
+          <a:xfrm>
+            <a:off x="5090972" y="3976858"/>
+            <a:ext cx="2010056" cy="1924319"/>
+          </a:xfrm>
+          <a:prstGeom prst="rect">
+            <a:avLst/>
+          </a:prstGeom>
+        </p:spPr>
+      </p:pic>
+    </p:spTree>
+    <p:extLst>
+      <p:ext uri="{BB962C8B-B14F-4D97-AF65-F5344CB8AC3E}">
+        <p14:creationId xmlns:p14="http://schemas.microsoft.com/office/powerpoint/2010/main" val="875929478"/>
+      </p:ext>
+    </p:extLst>
+  </p:cSld>
+  <p:clrMapOvr>
+    <a:masterClrMapping/>
+  </p:clrMapOvr>
+</p:sld>
+</file>
+
+<file path=ppt/slides/slide28.xml><?xml version="1.0" encoding="utf-8"?>
+<p:sld xmlns:a="http://schemas.openxmlformats.org/drawingml/2006/main" xmlns:r="http://schemas.openxmlformats.org/officeDocument/2006/relationships" xmlns:p="http://schemas.openxmlformats.org/presentationml/2006/main">
+  <p:cSld>
+    <p:spTree>
+      <p:nvGrpSpPr>
+        <p:cNvPr id="1" name=""/>
+        <p:cNvGrpSpPr/>
+        <p:nvPr/>
+      </p:nvGrpSpPr>
+      <p:grpSpPr>
+        <a:xfrm>
+          <a:off x="0" y="0"/>
+          <a:ext cx="0" cy="0"/>
+          <a:chOff x="0" y="0"/>
+          <a:chExt cx="0" cy="0"/>
+        </a:xfrm>
+      </p:grpSpPr>
+      <p:sp>
+        <p:nvSpPr>
+          <p:cNvPr id="2" name="TextBox 1">
+            <a:extLst>
+              <a:ext uri="{FF2B5EF4-FFF2-40B4-BE49-F238E27FC236}">
+                <a16:creationId xmlns:a16="http://schemas.microsoft.com/office/drawing/2014/main" id="{19E212F8-97D1-43B5-BCF7-3B8F5B93D93C}"/>
+              </a:ext>
+            </a:extLst>
+          </p:cNvPr>
+          <p:cNvSpPr txBox="1"/>
+          <p:nvPr/>
+        </p:nvSpPr>
+        <p:spPr>
+          <a:xfrm>
+            <a:off x="279920" y="174061"/>
+            <a:ext cx="3495126" cy="784830"/>
+          </a:xfrm>
+          <a:prstGeom prst="rect">
+            <a:avLst/>
+          </a:prstGeom>
+          <a:noFill/>
+        </p:spPr>
+        <p:txBody>
+          <a:bodyPr wrap="square" rtlCol="0">
+            <a:spAutoFit/>
+          </a:bodyPr>
+          <a:lstStyle/>
+          <a:p>
+            <a:pPr algn="ctr"/>
+            <a:r>
+              <a:rPr lang="en-US" altLang="ko-KR" sz="4500" dirty="0">
+                <a:solidFill>
+                  <a:srgbClr val="FF5601"/>
+                </a:solidFill>
+                <a:latin typeface="인터파크고딕 B" panose="02000000000000000000" pitchFamily="2" charset="-127"/>
+                <a:ea typeface="인터파크고딕 B" panose="02000000000000000000" pitchFamily="2" charset="-127"/>
+              </a:rPr>
+              <a:t>pull</a:t>
+            </a:r>
+            <a:r>
+              <a:rPr lang="en-US" altLang="ko-KR" sz="4500" dirty="0">
+                <a:solidFill>
+                  <a:schemeClr val="bg1"/>
+                </a:solidFill>
+                <a:latin typeface="인터파크고딕 B" panose="02000000000000000000" pitchFamily="2" charset="-127"/>
+                <a:ea typeface="인터파크고딕 B" panose="02000000000000000000" pitchFamily="2" charset="-127"/>
+              </a:rPr>
+              <a:t> request</a:t>
+            </a:r>
+            <a:endParaRPr lang="ko-KR" altLang="en-US" sz="4500" dirty="0">
+              <a:solidFill>
+                <a:schemeClr val="bg1"/>
+              </a:solidFill>
+              <a:latin typeface="인터파크고딕 B" panose="02000000000000000000" pitchFamily="2" charset="-127"/>
+              <a:ea typeface="인터파크고딕 B" panose="02000000000000000000" pitchFamily="2" charset="-127"/>
+            </a:endParaRPr>
+          </a:p>
+        </p:txBody>
+      </p:sp>
+      <p:cxnSp>
+        <p:nvCxnSpPr>
+          <p:cNvPr id="6" name="직선 연결선 5">
+            <a:extLst>
+              <a:ext uri="{FF2B5EF4-FFF2-40B4-BE49-F238E27FC236}">
+                <a16:creationId xmlns:a16="http://schemas.microsoft.com/office/drawing/2014/main" id="{7EDF5637-297E-4025-A055-82962EF5C6BF}"/>
+              </a:ext>
+            </a:extLst>
+          </p:cNvPr>
+          <p:cNvCxnSpPr>
+            <a:cxnSpLocks/>
+          </p:cNvCxnSpPr>
+          <p:nvPr/>
+        </p:nvCxnSpPr>
+        <p:spPr>
+          <a:xfrm>
+            <a:off x="419879" y="958891"/>
+            <a:ext cx="3522947" cy="0"/>
+          </a:xfrm>
+          <a:prstGeom prst="line">
+            <a:avLst/>
+          </a:prstGeom>
+          <a:ln w="38100">
+            <a:gradFill flip="none" rotWithShape="1">
+              <a:gsLst>
+                <a:gs pos="30000">
+                  <a:srgbClr val="FF5601"/>
+                </a:gs>
+                <a:gs pos="30000">
+                  <a:schemeClr val="bg1"/>
+                </a:gs>
+              </a:gsLst>
+              <a:lin ang="0" scaled="1"/>
+              <a:tileRect/>
+            </a:gradFill>
+          </a:ln>
+        </p:spPr>
+        <p:style>
+          <a:lnRef idx="1">
+            <a:schemeClr val="accent1"/>
+          </a:lnRef>
+          <a:fillRef idx="0">
+            <a:schemeClr val="accent1"/>
+          </a:fillRef>
+          <a:effectRef idx="0">
+            <a:schemeClr val="accent1"/>
+          </a:effectRef>
+          <a:fontRef idx="minor">
+            <a:schemeClr val="tx1"/>
+          </a:fontRef>
+        </p:style>
+      </p:cxnSp>
+      <p:cxnSp>
+        <p:nvCxnSpPr>
+          <p:cNvPr id="5" name="직선 연결선 4">
+            <a:extLst>
+              <a:ext uri="{FF2B5EF4-FFF2-40B4-BE49-F238E27FC236}">
+                <a16:creationId xmlns:a16="http://schemas.microsoft.com/office/drawing/2014/main" id="{674DCF79-DA8A-4A51-8C82-84B1F9CC48AF}"/>
+              </a:ext>
+            </a:extLst>
+          </p:cNvPr>
+          <p:cNvCxnSpPr>
+            <a:cxnSpLocks/>
+          </p:cNvCxnSpPr>
+          <p:nvPr/>
+        </p:nvCxnSpPr>
+        <p:spPr>
+          <a:xfrm>
+            <a:off x="419879" y="958891"/>
+            <a:ext cx="3346778" cy="0"/>
+          </a:xfrm>
+          <a:prstGeom prst="line">
+            <a:avLst/>
+          </a:prstGeom>
+          <a:ln w="38100">
+            <a:gradFill flip="none" rotWithShape="1">
+              <a:gsLst>
+                <a:gs pos="40000">
+                  <a:srgbClr val="FF5601"/>
+                </a:gs>
+                <a:gs pos="40000">
+                  <a:schemeClr val="bg1"/>
+                </a:gs>
+              </a:gsLst>
+              <a:lin ang="0" scaled="1"/>
+              <a:tileRect/>
+            </a:gradFill>
+          </a:ln>
+        </p:spPr>
+        <p:style>
+          <a:lnRef idx="1">
+            <a:schemeClr val="accent1"/>
+          </a:lnRef>
+          <a:fillRef idx="0">
+            <a:schemeClr val="accent1"/>
+          </a:fillRef>
+          <a:effectRef idx="0">
+            <a:schemeClr val="accent1"/>
+          </a:effectRef>
+          <a:fontRef idx="minor">
+            <a:schemeClr val="tx1"/>
+          </a:fontRef>
+        </p:style>
+      </p:cxnSp>
+      <p:sp>
+        <p:nvSpPr>
+          <p:cNvPr id="8" name="TextBox 7">
+            <a:extLst>
+              <a:ext uri="{FF2B5EF4-FFF2-40B4-BE49-F238E27FC236}">
+                <a16:creationId xmlns:a16="http://schemas.microsoft.com/office/drawing/2014/main" id="{F0C0B9DB-45BB-497A-9716-1D7DC7DECF10}"/>
+              </a:ext>
+            </a:extLst>
+          </p:cNvPr>
+          <p:cNvSpPr txBox="1"/>
+          <p:nvPr/>
+        </p:nvSpPr>
+        <p:spPr>
+          <a:xfrm>
+            <a:off x="863179" y="1489805"/>
+            <a:ext cx="9417699" cy="507831"/>
+          </a:xfrm>
+          <a:prstGeom prst="rect">
+            <a:avLst/>
+          </a:prstGeom>
+          <a:noFill/>
+        </p:spPr>
+        <p:txBody>
+          <a:bodyPr wrap="square" rtlCol="0">
+            <a:spAutoFit/>
+          </a:bodyPr>
+          <a:lstStyle/>
+          <a:p>
+            <a:r>
+              <a:rPr lang="en-US" altLang="ko-KR" sz="2700" dirty="0">
+                <a:solidFill>
+                  <a:schemeClr val="bg1"/>
+                </a:solidFill>
+                <a:latin typeface="에스코어 드림 5 Medium" panose="020B0503030302020204" pitchFamily="34" charset="-127"/>
+                <a:ea typeface="에스코어 드림 5 Medium" panose="020B0503030302020204" pitchFamily="34" charset="-127"/>
+              </a:rPr>
+              <a:t>4. Commit &amp; Push</a:t>
+            </a:r>
+            <a:endParaRPr lang="ko-KR" altLang="en-US" sz="2700" dirty="0">
+              <a:solidFill>
+                <a:srgbClr val="FF5601"/>
+              </a:solidFill>
+              <a:latin typeface="에스코어 드림 5 Medium" panose="020B0503030302020204" pitchFamily="34" charset="-127"/>
+              <a:ea typeface="에스코어 드림 5 Medium" panose="020B0503030302020204" pitchFamily="34" charset="-127"/>
+            </a:endParaRPr>
+          </a:p>
+        </p:txBody>
+      </p:sp>
+      <p:sp>
+        <p:nvSpPr>
+          <p:cNvPr id="9" name="TextBox 8">
+            <a:extLst>
+              <a:ext uri="{FF2B5EF4-FFF2-40B4-BE49-F238E27FC236}">
+                <a16:creationId xmlns:a16="http://schemas.microsoft.com/office/drawing/2014/main" id="{F790FCB6-9EED-4897-992C-491231918D21}"/>
+              </a:ext>
+            </a:extLst>
+          </p:cNvPr>
+          <p:cNvSpPr txBox="1"/>
+          <p:nvPr/>
+        </p:nvSpPr>
+        <p:spPr>
+          <a:xfrm>
+            <a:off x="1551076" y="2276687"/>
+            <a:ext cx="9933452" cy="507831"/>
+          </a:xfrm>
+          <a:prstGeom prst="rect">
+            <a:avLst/>
+          </a:prstGeom>
+          <a:noFill/>
+        </p:spPr>
+        <p:txBody>
+          <a:bodyPr wrap="square" rtlCol="0">
+            <a:spAutoFit/>
+          </a:bodyPr>
+          <a:lstStyle/>
+          <a:p>
+            <a:r>
+              <a:rPr lang="en-US" altLang="ko-KR" sz="2700" dirty="0">
+                <a:solidFill>
+                  <a:schemeClr val="bg1"/>
+                </a:solidFill>
+                <a:latin typeface="에스코어 드림 5 Medium" panose="020B0503030302020204" pitchFamily="34" charset="-127"/>
+                <a:ea typeface="에스코어 드림 5 Medium" panose="020B0503030302020204" pitchFamily="34" charset="-127"/>
+              </a:rPr>
+              <a:t>· </a:t>
+            </a:r>
+            <a:r>
+              <a:rPr lang="ko-KR" altLang="en-US" sz="2700" dirty="0" err="1">
+                <a:solidFill>
+                  <a:schemeClr val="bg1"/>
+                </a:solidFill>
+                <a:latin typeface="에스코어 드림 5 Medium" panose="020B0503030302020204" pitchFamily="34" charset="-127"/>
+                <a:ea typeface="에스코어 드림 5 Medium" panose="020B0503030302020204" pitchFamily="34" charset="-127"/>
+              </a:rPr>
+              <a:t>브랜치에서</a:t>
+            </a:r>
+            <a:r>
+              <a:rPr lang="ko-KR" altLang="en-US" sz="2700" dirty="0">
+                <a:solidFill>
+                  <a:schemeClr val="bg1"/>
+                </a:solidFill>
+                <a:latin typeface="에스코어 드림 5 Medium" panose="020B0503030302020204" pitchFamily="34" charset="-127"/>
+                <a:ea typeface="에스코어 드림 5 Medium" panose="020B0503030302020204" pitchFamily="34" charset="-127"/>
+              </a:rPr>
+              <a:t> 수행한 작업을 커밋합니다</a:t>
+            </a:r>
+            <a:r>
+              <a:rPr lang="en-US" altLang="ko-KR" sz="2700" dirty="0">
+                <a:solidFill>
+                  <a:schemeClr val="bg1"/>
+                </a:solidFill>
+                <a:latin typeface="에스코어 드림 5 Medium" panose="020B0503030302020204" pitchFamily="34" charset="-127"/>
+                <a:ea typeface="에스코어 드림 5 Medium" panose="020B0503030302020204" pitchFamily="34" charset="-127"/>
+              </a:rPr>
+              <a:t>.</a:t>
+            </a:r>
+            <a:endParaRPr lang="ko-KR" altLang="en-US" sz="2700" dirty="0">
+              <a:solidFill>
+                <a:schemeClr val="bg1"/>
+              </a:solidFill>
+              <a:latin typeface="에스코어 드림 5 Medium" panose="020B0503030302020204" pitchFamily="34" charset="-127"/>
+              <a:ea typeface="에스코어 드림 5 Medium" panose="020B0503030302020204" pitchFamily="34" charset="-127"/>
+            </a:endParaRPr>
+          </a:p>
+        </p:txBody>
+      </p:sp>
+      <p:sp>
+        <p:nvSpPr>
+          <p:cNvPr id="10" name="TextBox 9">
+            <a:extLst>
+              <a:ext uri="{FF2B5EF4-FFF2-40B4-BE49-F238E27FC236}">
+                <a16:creationId xmlns:a16="http://schemas.microsoft.com/office/drawing/2014/main" id="{79A40B84-759B-40E6-A869-2BA6F7FDD1B4}"/>
+              </a:ext>
+            </a:extLst>
+          </p:cNvPr>
+          <p:cNvSpPr txBox="1"/>
+          <p:nvPr/>
+        </p:nvSpPr>
+        <p:spPr>
+          <a:xfrm>
+            <a:off x="1551076" y="3063569"/>
+            <a:ext cx="9933452" cy="507831"/>
+          </a:xfrm>
+          <a:prstGeom prst="rect">
+            <a:avLst/>
+          </a:prstGeom>
+          <a:noFill/>
+        </p:spPr>
+        <p:txBody>
+          <a:bodyPr wrap="square" rtlCol="0">
+            <a:spAutoFit/>
+          </a:bodyPr>
+          <a:lstStyle/>
+          <a:p>
+            <a:r>
+              <a:rPr lang="en-US" altLang="ko-KR" sz="2700" dirty="0">
+                <a:solidFill>
+                  <a:schemeClr val="bg1"/>
+                </a:solidFill>
+                <a:latin typeface="에스코어 드림 5 Medium" panose="020B0503030302020204" pitchFamily="34" charset="-127"/>
+                <a:ea typeface="에스코어 드림 5 Medium" panose="020B0503030302020204" pitchFamily="34" charset="-127"/>
+              </a:rPr>
+              <a:t>·</a:t>
+            </a:r>
+            <a:r>
+              <a:rPr lang="ko-KR" altLang="en-US" sz="2700" dirty="0">
+                <a:solidFill>
+                  <a:schemeClr val="bg1"/>
+                </a:solidFill>
+                <a:latin typeface="에스코어 드림 5 Medium" panose="020B0503030302020204" pitchFamily="34" charset="-127"/>
+                <a:ea typeface="에스코어 드림 5 Medium" panose="020B0503030302020204" pitchFamily="34" charset="-127"/>
+              </a:rPr>
+              <a:t> </a:t>
+            </a:r>
+            <a:r>
+              <a:rPr lang="en-US" altLang="ko-KR" sz="2700" dirty="0">
+                <a:solidFill>
+                  <a:schemeClr val="bg1"/>
+                </a:solidFill>
+                <a:latin typeface="에스코어 드림 5 Medium" panose="020B0503030302020204" pitchFamily="34" charset="-127"/>
+                <a:ea typeface="에스코어 드림 5 Medium" panose="020B0503030302020204" pitchFamily="34" charset="-127"/>
+              </a:rPr>
+              <a:t>push</a:t>
+            </a:r>
+            <a:r>
+              <a:rPr lang="ko-KR" altLang="en-US" sz="2700" dirty="0">
+                <a:solidFill>
+                  <a:schemeClr val="bg1"/>
+                </a:solidFill>
+                <a:latin typeface="에스코어 드림 5 Medium" panose="020B0503030302020204" pitchFamily="34" charset="-127"/>
+                <a:ea typeface="에스코어 드림 5 Medium" panose="020B0503030302020204" pitchFamily="34" charset="-127"/>
+              </a:rPr>
+              <a:t>할 때는 </a:t>
+            </a:r>
+            <a:r>
+              <a:rPr lang="en-US" altLang="ko-KR" sz="2700" dirty="0">
+                <a:solidFill>
+                  <a:schemeClr val="bg1"/>
+                </a:solidFill>
+                <a:latin typeface="에스코어 드림 5 Medium" panose="020B0503030302020204" pitchFamily="34" charset="-127"/>
+                <a:ea typeface="에스코어 드림 5 Medium" panose="020B0503030302020204" pitchFamily="34" charset="-127"/>
+              </a:rPr>
+              <a:t>origin</a:t>
+            </a:r>
+            <a:r>
+              <a:rPr lang="ko-KR" altLang="en-US" sz="2700" dirty="0">
+                <a:solidFill>
+                  <a:schemeClr val="bg1"/>
+                </a:solidFill>
+                <a:latin typeface="에스코어 드림 5 Medium" panose="020B0503030302020204" pitchFamily="34" charset="-127"/>
+                <a:ea typeface="에스코어 드림 5 Medium" panose="020B0503030302020204" pitchFamily="34" charset="-127"/>
+              </a:rPr>
+              <a:t>에 </a:t>
+            </a:r>
+            <a:r>
+              <a:rPr lang="ko-KR" altLang="en-US" sz="2700" dirty="0">
+                <a:solidFill>
+                  <a:srgbClr val="FF5601"/>
+                </a:solidFill>
+                <a:latin typeface="에스코어 드림 5 Medium" panose="020B0503030302020204" pitchFamily="34" charset="-127"/>
+                <a:ea typeface="에스코어 드림 5 Medium" panose="020B0503030302020204" pitchFamily="34" charset="-127"/>
+              </a:rPr>
+              <a:t>새 </a:t>
+            </a:r>
+            <a:r>
+              <a:rPr lang="en-US" altLang="ko-KR" sz="2700" dirty="0">
+                <a:solidFill>
+                  <a:srgbClr val="FF5601"/>
+                </a:solidFill>
+                <a:latin typeface="에스코어 드림 5 Medium" panose="020B0503030302020204" pitchFamily="34" charset="-127"/>
+                <a:ea typeface="에스코어 드림 5 Medium" panose="020B0503030302020204" pitchFamily="34" charset="-127"/>
+              </a:rPr>
+              <a:t>remote branch</a:t>
+            </a:r>
+            <a:r>
+              <a:rPr lang="ko-KR" altLang="en-US" sz="2700" dirty="0">
+                <a:solidFill>
+                  <a:schemeClr val="bg1"/>
+                </a:solidFill>
+                <a:latin typeface="에스코어 드림 5 Medium" panose="020B0503030302020204" pitchFamily="34" charset="-127"/>
+                <a:ea typeface="에스코어 드림 5 Medium" panose="020B0503030302020204" pitchFamily="34" charset="-127"/>
+              </a:rPr>
+              <a:t>로 추가합니다</a:t>
+            </a:r>
+            <a:r>
+              <a:rPr lang="en-US" altLang="ko-KR" sz="2700" dirty="0">
+                <a:solidFill>
+                  <a:schemeClr val="bg1"/>
+                </a:solidFill>
+                <a:latin typeface="에스코어 드림 5 Medium" panose="020B0503030302020204" pitchFamily="34" charset="-127"/>
+                <a:ea typeface="에스코어 드림 5 Medium" panose="020B0503030302020204" pitchFamily="34" charset="-127"/>
+              </a:rPr>
+              <a:t>.</a:t>
+            </a:r>
+            <a:endParaRPr lang="ko-KR" altLang="en-US" sz="2700" dirty="0">
+              <a:solidFill>
+                <a:schemeClr val="bg1"/>
+              </a:solidFill>
+              <a:latin typeface="에스코어 드림 5 Medium" panose="020B0503030302020204" pitchFamily="34" charset="-127"/>
+              <a:ea typeface="에스코어 드림 5 Medium" panose="020B0503030302020204" pitchFamily="34" charset="-127"/>
+            </a:endParaRPr>
+          </a:p>
+        </p:txBody>
+      </p:sp>
+      <p:pic>
+        <p:nvPicPr>
+          <p:cNvPr id="3" name="그림 2">
+            <a:extLst>
+              <a:ext uri="{FF2B5EF4-FFF2-40B4-BE49-F238E27FC236}">
+                <a16:creationId xmlns:a16="http://schemas.microsoft.com/office/drawing/2014/main" id="{4649C0FF-0402-409C-98AC-BD72FE2EF476}"/>
+              </a:ext>
+            </a:extLst>
+          </p:cNvPr>
+          <p:cNvPicPr>
+            <a:picLocks noChangeAspect="1"/>
+          </p:cNvPicPr>
+          <p:nvPr/>
+        </p:nvPicPr>
+        <p:blipFill>
+          <a:blip r:embed="rId2"/>
+          <a:stretch>
+            <a:fillRect/>
+          </a:stretch>
+        </p:blipFill>
+        <p:spPr>
+          <a:xfrm>
+            <a:off x="2285468" y="3644292"/>
+            <a:ext cx="7621064" cy="2857899"/>
+          </a:xfrm>
+          <a:prstGeom prst="rect">
+            <a:avLst/>
+          </a:prstGeom>
+        </p:spPr>
+      </p:pic>
+    </p:spTree>
+    <p:extLst>
+      <p:ext uri="{BB962C8B-B14F-4D97-AF65-F5344CB8AC3E}">
+        <p14:creationId xmlns:p14="http://schemas.microsoft.com/office/powerpoint/2010/main" val="3984547831"/>
+      </p:ext>
+    </p:extLst>
+  </p:cSld>
+  <p:clrMapOvr>
+    <a:masterClrMapping/>
+  </p:clrMapOvr>
+</p:sld>
+</file>
+
+<file path=ppt/slides/slide29.xml><?xml version="1.0" encoding="utf-8"?>
+<p:sld xmlns:a="http://schemas.openxmlformats.org/drawingml/2006/main" xmlns:r="http://schemas.openxmlformats.org/officeDocument/2006/relationships" xmlns:p="http://schemas.openxmlformats.org/presentationml/2006/main">
+  <p:cSld>
+    <p:spTree>
+      <p:nvGrpSpPr>
+        <p:cNvPr id="1" name=""/>
+        <p:cNvGrpSpPr/>
+        <p:nvPr/>
+      </p:nvGrpSpPr>
+      <p:grpSpPr>
+        <a:xfrm>
+          <a:off x="0" y="0"/>
+          <a:ext cx="0" cy="0"/>
+          <a:chOff x="0" y="0"/>
+          <a:chExt cx="0" cy="0"/>
+        </a:xfrm>
+      </p:grpSpPr>
+      <p:sp>
+        <p:nvSpPr>
+          <p:cNvPr id="2" name="TextBox 1">
+            <a:extLst>
+              <a:ext uri="{FF2B5EF4-FFF2-40B4-BE49-F238E27FC236}">
+                <a16:creationId xmlns:a16="http://schemas.microsoft.com/office/drawing/2014/main" id="{19E212F8-97D1-43B5-BCF7-3B8F5B93D93C}"/>
+              </a:ext>
+            </a:extLst>
+          </p:cNvPr>
+          <p:cNvSpPr txBox="1"/>
+          <p:nvPr/>
+        </p:nvSpPr>
+        <p:spPr>
+          <a:xfrm>
+            <a:off x="279920" y="174061"/>
+            <a:ext cx="3495126" cy="784830"/>
+          </a:xfrm>
+          <a:prstGeom prst="rect">
+            <a:avLst/>
+          </a:prstGeom>
+          <a:noFill/>
+        </p:spPr>
+        <p:txBody>
+          <a:bodyPr wrap="square" rtlCol="0">
+            <a:spAutoFit/>
+          </a:bodyPr>
+          <a:lstStyle/>
+          <a:p>
+            <a:pPr algn="ctr"/>
+            <a:r>
+              <a:rPr lang="en-US" altLang="ko-KR" sz="4500" dirty="0">
+                <a:solidFill>
+                  <a:srgbClr val="FF5601"/>
+                </a:solidFill>
+                <a:latin typeface="인터파크고딕 B" panose="02000000000000000000" pitchFamily="2" charset="-127"/>
+                <a:ea typeface="인터파크고딕 B" panose="02000000000000000000" pitchFamily="2" charset="-127"/>
+              </a:rPr>
+              <a:t>pull</a:t>
+            </a:r>
+            <a:r>
+              <a:rPr lang="en-US" altLang="ko-KR" sz="4500" dirty="0">
+                <a:solidFill>
+                  <a:schemeClr val="bg1"/>
+                </a:solidFill>
+                <a:latin typeface="인터파크고딕 B" panose="02000000000000000000" pitchFamily="2" charset="-127"/>
+                <a:ea typeface="인터파크고딕 B" panose="02000000000000000000" pitchFamily="2" charset="-127"/>
+              </a:rPr>
+              <a:t> request</a:t>
+            </a:r>
+            <a:endParaRPr lang="ko-KR" altLang="en-US" sz="4500" dirty="0">
+              <a:solidFill>
+                <a:schemeClr val="bg1"/>
+              </a:solidFill>
+              <a:latin typeface="인터파크고딕 B" panose="02000000000000000000" pitchFamily="2" charset="-127"/>
+              <a:ea typeface="인터파크고딕 B" panose="02000000000000000000" pitchFamily="2" charset="-127"/>
+            </a:endParaRPr>
+          </a:p>
+        </p:txBody>
+      </p:sp>
+      <p:cxnSp>
+        <p:nvCxnSpPr>
+          <p:cNvPr id="6" name="직선 연결선 5">
+            <a:extLst>
+              <a:ext uri="{FF2B5EF4-FFF2-40B4-BE49-F238E27FC236}">
+                <a16:creationId xmlns:a16="http://schemas.microsoft.com/office/drawing/2014/main" id="{7EDF5637-297E-4025-A055-82962EF5C6BF}"/>
+              </a:ext>
+            </a:extLst>
+          </p:cNvPr>
+          <p:cNvCxnSpPr>
+            <a:cxnSpLocks/>
+          </p:cNvCxnSpPr>
+          <p:nvPr/>
+        </p:nvCxnSpPr>
+        <p:spPr>
+          <a:xfrm>
+            <a:off x="419879" y="958891"/>
+            <a:ext cx="3522947" cy="0"/>
+          </a:xfrm>
+          <a:prstGeom prst="line">
+            <a:avLst/>
+          </a:prstGeom>
+          <a:ln w="38100">
+            <a:gradFill flip="none" rotWithShape="1">
+              <a:gsLst>
+                <a:gs pos="30000">
+                  <a:srgbClr val="FF5601"/>
+                </a:gs>
+                <a:gs pos="30000">
+                  <a:schemeClr val="bg1"/>
+                </a:gs>
+              </a:gsLst>
+              <a:lin ang="0" scaled="1"/>
+              <a:tileRect/>
+            </a:gradFill>
+          </a:ln>
+        </p:spPr>
+        <p:style>
+          <a:lnRef idx="1">
+            <a:schemeClr val="accent1"/>
+          </a:lnRef>
+          <a:fillRef idx="0">
+            <a:schemeClr val="accent1"/>
+          </a:fillRef>
+          <a:effectRef idx="0">
+            <a:schemeClr val="accent1"/>
+          </a:effectRef>
+          <a:fontRef idx="minor">
+            <a:schemeClr val="tx1"/>
+          </a:fontRef>
+        </p:style>
+      </p:cxnSp>
+      <p:cxnSp>
+        <p:nvCxnSpPr>
+          <p:cNvPr id="5" name="직선 연결선 4">
+            <a:extLst>
+              <a:ext uri="{FF2B5EF4-FFF2-40B4-BE49-F238E27FC236}">
+                <a16:creationId xmlns:a16="http://schemas.microsoft.com/office/drawing/2014/main" id="{674DCF79-DA8A-4A51-8C82-84B1F9CC48AF}"/>
+              </a:ext>
+            </a:extLst>
+          </p:cNvPr>
+          <p:cNvCxnSpPr>
+            <a:cxnSpLocks/>
+          </p:cNvCxnSpPr>
+          <p:nvPr/>
+        </p:nvCxnSpPr>
+        <p:spPr>
+          <a:xfrm>
+            <a:off x="419879" y="958891"/>
+            <a:ext cx="3346778" cy="0"/>
+          </a:xfrm>
+          <a:prstGeom prst="line">
+            <a:avLst/>
+          </a:prstGeom>
+          <a:ln w="38100">
+            <a:gradFill flip="none" rotWithShape="1">
+              <a:gsLst>
+                <a:gs pos="40000">
+                  <a:srgbClr val="FF5601"/>
+                </a:gs>
+                <a:gs pos="40000">
+                  <a:schemeClr val="bg1"/>
+                </a:gs>
+              </a:gsLst>
+              <a:lin ang="0" scaled="1"/>
+              <a:tileRect/>
+            </a:gradFill>
+          </a:ln>
+        </p:spPr>
+        <p:style>
+          <a:lnRef idx="1">
+            <a:schemeClr val="accent1"/>
+          </a:lnRef>
+          <a:fillRef idx="0">
+            <a:schemeClr val="accent1"/>
+          </a:fillRef>
+          <a:effectRef idx="0">
+            <a:schemeClr val="accent1"/>
+          </a:effectRef>
+          <a:fontRef idx="minor">
+            <a:schemeClr val="tx1"/>
+          </a:fontRef>
+        </p:style>
+      </p:cxnSp>
+      <p:sp>
+        <p:nvSpPr>
+          <p:cNvPr id="8" name="TextBox 7">
+            <a:extLst>
+              <a:ext uri="{FF2B5EF4-FFF2-40B4-BE49-F238E27FC236}">
+                <a16:creationId xmlns:a16="http://schemas.microsoft.com/office/drawing/2014/main" id="{F0C0B9DB-45BB-497A-9716-1D7DC7DECF10}"/>
+              </a:ext>
+            </a:extLst>
+          </p:cNvPr>
+          <p:cNvSpPr txBox="1"/>
+          <p:nvPr/>
+        </p:nvSpPr>
+        <p:spPr>
+          <a:xfrm>
+            <a:off x="863179" y="1489805"/>
+            <a:ext cx="9417699" cy="507831"/>
+          </a:xfrm>
+          <a:prstGeom prst="rect">
+            <a:avLst/>
+          </a:prstGeom>
+          <a:noFill/>
+        </p:spPr>
+        <p:txBody>
+          <a:bodyPr wrap="square" rtlCol="0">
+            <a:spAutoFit/>
+          </a:bodyPr>
+          <a:lstStyle/>
+          <a:p>
+            <a:r>
+              <a:rPr lang="en-US" altLang="ko-KR" sz="2700" dirty="0">
+                <a:solidFill>
+                  <a:schemeClr val="bg1"/>
+                </a:solidFill>
+                <a:latin typeface="에스코어 드림 5 Medium" panose="020B0503030302020204" pitchFamily="34" charset="-127"/>
+                <a:ea typeface="에스코어 드림 5 Medium" panose="020B0503030302020204" pitchFamily="34" charset="-127"/>
+              </a:rPr>
+              <a:t>5. Pull request</a:t>
+            </a:r>
+            <a:endParaRPr lang="ko-KR" altLang="en-US" sz="2700" dirty="0">
+              <a:solidFill>
+                <a:srgbClr val="FF5601"/>
+              </a:solidFill>
+              <a:latin typeface="에스코어 드림 5 Medium" panose="020B0503030302020204" pitchFamily="34" charset="-127"/>
+              <a:ea typeface="에스코어 드림 5 Medium" panose="020B0503030302020204" pitchFamily="34" charset="-127"/>
+            </a:endParaRPr>
+          </a:p>
+        </p:txBody>
+      </p:sp>
+      <p:sp>
+        <p:nvSpPr>
+          <p:cNvPr id="9" name="TextBox 8">
+            <a:extLst>
+              <a:ext uri="{FF2B5EF4-FFF2-40B4-BE49-F238E27FC236}">
+                <a16:creationId xmlns:a16="http://schemas.microsoft.com/office/drawing/2014/main" id="{F790FCB6-9EED-4897-992C-491231918D21}"/>
+              </a:ext>
+            </a:extLst>
+          </p:cNvPr>
+          <p:cNvSpPr txBox="1"/>
+          <p:nvPr/>
+        </p:nvSpPr>
+        <p:spPr>
+          <a:xfrm>
+            <a:off x="1551076" y="2276687"/>
+            <a:ext cx="9933452" cy="507831"/>
+          </a:xfrm>
+          <a:prstGeom prst="rect">
+            <a:avLst/>
+          </a:prstGeom>
+          <a:noFill/>
+        </p:spPr>
+        <p:txBody>
+          <a:bodyPr wrap="square" rtlCol="0">
+            <a:spAutoFit/>
+          </a:bodyPr>
+          <a:lstStyle/>
+          <a:p>
+            <a:r>
+              <a:rPr lang="en-US" altLang="ko-KR" sz="2700" dirty="0">
+                <a:solidFill>
+                  <a:schemeClr val="bg1"/>
+                </a:solidFill>
+                <a:latin typeface="에스코어 드림 5 Medium" panose="020B0503030302020204" pitchFamily="34" charset="-127"/>
+                <a:ea typeface="에스코어 드림 5 Medium" panose="020B0503030302020204" pitchFamily="34" charset="-127"/>
+              </a:rPr>
+              <a:t>· </a:t>
+            </a:r>
+            <a:r>
+              <a:rPr lang="ko-KR" altLang="en-US" sz="2700" dirty="0">
+                <a:solidFill>
+                  <a:schemeClr val="bg1"/>
+                </a:solidFill>
+                <a:latin typeface="에스코어 드림 5 Medium" panose="020B0503030302020204" pitchFamily="34" charset="-127"/>
+                <a:ea typeface="에스코어 드림 5 Medium" panose="020B0503030302020204" pitchFamily="34" charset="-127"/>
+              </a:rPr>
+              <a:t>원본 저장소에 반영하기 위해 </a:t>
+            </a:r>
+            <a:r>
+              <a:rPr lang="en-US" altLang="ko-KR" sz="2700" dirty="0">
+                <a:solidFill>
+                  <a:schemeClr val="bg1"/>
+                </a:solidFill>
+                <a:latin typeface="에스코어 드림 5 Medium" panose="020B0503030302020204" pitchFamily="34" charset="-127"/>
+                <a:ea typeface="에스코어 드림 5 Medium" panose="020B0503030302020204" pitchFamily="34" charset="-127"/>
+              </a:rPr>
+              <a:t>pull request </a:t>
+            </a:r>
+            <a:r>
+              <a:rPr lang="ko-KR" altLang="en-US" sz="2700" dirty="0">
+                <a:solidFill>
+                  <a:srgbClr val="FF5601"/>
+                </a:solidFill>
+                <a:latin typeface="에스코어 드림 5 Medium" panose="020B0503030302020204" pitchFamily="34" charset="-127"/>
+                <a:ea typeface="에스코어 드림 5 Medium" panose="020B0503030302020204" pitchFamily="34" charset="-127"/>
+              </a:rPr>
+              <a:t>생성</a:t>
+            </a:r>
+          </a:p>
+        </p:txBody>
+      </p:sp>
+      <p:pic>
+        <p:nvPicPr>
+          <p:cNvPr id="4" name="그림 3">
+            <a:extLst>
+              <a:ext uri="{FF2B5EF4-FFF2-40B4-BE49-F238E27FC236}">
+                <a16:creationId xmlns:a16="http://schemas.microsoft.com/office/drawing/2014/main" id="{8D593948-39F6-486A-92EA-DA753446F837}"/>
+              </a:ext>
+            </a:extLst>
+          </p:cNvPr>
+          <p:cNvPicPr>
+            <a:picLocks noChangeAspect="1"/>
+          </p:cNvPicPr>
+          <p:nvPr/>
+        </p:nvPicPr>
+        <p:blipFill>
+          <a:blip r:embed="rId2"/>
+          <a:stretch>
+            <a:fillRect/>
+          </a:stretch>
+        </p:blipFill>
+        <p:spPr>
+          <a:xfrm>
+            <a:off x="1370940" y="3635514"/>
+            <a:ext cx="9450119" cy="3048425"/>
+          </a:xfrm>
+          <a:prstGeom prst="rect">
+            <a:avLst/>
+          </a:prstGeom>
+        </p:spPr>
+      </p:pic>
+      <p:sp>
+        <p:nvSpPr>
+          <p:cNvPr id="7" name="직사각형 6">
+            <a:extLst>
+              <a:ext uri="{FF2B5EF4-FFF2-40B4-BE49-F238E27FC236}">
+                <a16:creationId xmlns:a16="http://schemas.microsoft.com/office/drawing/2014/main" id="{D8799D46-C98D-4C96-843C-6C005AC5A565}"/>
+              </a:ext>
+            </a:extLst>
+          </p:cNvPr>
+          <p:cNvSpPr/>
+          <p:nvPr/>
+        </p:nvSpPr>
+        <p:spPr>
+          <a:xfrm>
+            <a:off x="2541864" y="6240468"/>
+            <a:ext cx="1224793" cy="434140"/>
+          </a:xfrm>
+          <a:prstGeom prst="rect">
+            <a:avLst/>
+          </a:prstGeom>
+          <a:noFill/>
+          <a:ln w="38100">
+            <a:solidFill>
+              <a:srgbClr val="FF0000"/>
+            </a:solidFill>
+          </a:ln>
+        </p:spPr>
+        <p:style>
+          <a:lnRef idx="2">
+            <a:schemeClr val="accent1">
+              <a:shade val="50000"/>
+            </a:schemeClr>
+          </a:lnRef>
+          <a:fillRef idx="1">
+            <a:schemeClr val="accent1"/>
+          </a:fillRef>
+          <a:effectRef idx="0">
+            <a:schemeClr val="accent1"/>
+          </a:effectRef>
+          <a:fontRef idx="minor">
+            <a:schemeClr val="lt1"/>
+          </a:fontRef>
+        </p:style>
+        <p:txBody>
+          <a:bodyPr rtlCol="0" anchor="ctr"/>
+          <a:lstStyle/>
+          <a:p>
+            <a:pPr algn="ctr"/>
+            <a:endParaRPr lang="ko-KR" altLang="en-US"/>
+          </a:p>
+        </p:txBody>
+      </p:sp>
+      <p:pic>
+        <p:nvPicPr>
+          <p:cNvPr id="11" name="그림 10">
+            <a:extLst>
+              <a:ext uri="{FF2B5EF4-FFF2-40B4-BE49-F238E27FC236}">
+                <a16:creationId xmlns:a16="http://schemas.microsoft.com/office/drawing/2014/main" id="{8AAB3645-1010-47FC-BC0C-86773FEDD79D}"/>
+              </a:ext>
+            </a:extLst>
+          </p:cNvPr>
+          <p:cNvPicPr>
+            <a:picLocks noChangeAspect="1"/>
+          </p:cNvPicPr>
+          <p:nvPr/>
+        </p:nvPicPr>
+        <p:blipFill>
+          <a:blip r:embed="rId3"/>
+          <a:stretch>
+            <a:fillRect/>
+          </a:stretch>
+        </p:blipFill>
+        <p:spPr>
+          <a:xfrm>
+            <a:off x="4934013" y="346029"/>
+            <a:ext cx="6630325" cy="1505160"/>
+          </a:xfrm>
+          <a:prstGeom prst="rect">
+            <a:avLst/>
+          </a:prstGeom>
+        </p:spPr>
+      </p:pic>
+    </p:spTree>
+    <p:extLst>
+      <p:ext uri="{BB962C8B-B14F-4D97-AF65-F5344CB8AC3E}">
+        <p14:creationId xmlns:p14="http://schemas.microsoft.com/office/powerpoint/2010/main" val="3117808612"/>
       </p:ext>
     </p:extLst>
   </p:cSld>
@@ -6271,6 +9393,1989 @@
     <p:extLst>
       <p:ext uri="{BB962C8B-B14F-4D97-AF65-F5344CB8AC3E}">
         <p14:creationId xmlns:p14="http://schemas.microsoft.com/office/powerpoint/2010/main" val="538464441"/>
+      </p:ext>
+    </p:extLst>
+  </p:cSld>
+  <p:clrMapOvr>
+    <a:masterClrMapping/>
+  </p:clrMapOvr>
+</p:sld>
+</file>
+
+<file path=ppt/slides/slide30.xml><?xml version="1.0" encoding="utf-8"?>
+<p:sld xmlns:a="http://schemas.openxmlformats.org/drawingml/2006/main" xmlns:r="http://schemas.openxmlformats.org/officeDocument/2006/relationships" xmlns:p="http://schemas.openxmlformats.org/presentationml/2006/main">
+  <p:cSld>
+    <p:spTree>
+      <p:nvGrpSpPr>
+        <p:cNvPr id="1" name=""/>
+        <p:cNvGrpSpPr/>
+        <p:nvPr/>
+      </p:nvGrpSpPr>
+      <p:grpSpPr>
+        <a:xfrm>
+          <a:off x="0" y="0"/>
+          <a:ext cx="0" cy="0"/>
+          <a:chOff x="0" y="0"/>
+          <a:chExt cx="0" cy="0"/>
+        </a:xfrm>
+      </p:grpSpPr>
+      <p:sp>
+        <p:nvSpPr>
+          <p:cNvPr id="2" name="TextBox 1">
+            <a:extLst>
+              <a:ext uri="{FF2B5EF4-FFF2-40B4-BE49-F238E27FC236}">
+                <a16:creationId xmlns:a16="http://schemas.microsoft.com/office/drawing/2014/main" id="{19E212F8-97D1-43B5-BCF7-3B8F5B93D93C}"/>
+              </a:ext>
+            </a:extLst>
+          </p:cNvPr>
+          <p:cNvSpPr txBox="1"/>
+          <p:nvPr/>
+        </p:nvSpPr>
+        <p:spPr>
+          <a:xfrm>
+            <a:off x="279920" y="174061"/>
+            <a:ext cx="3495126" cy="784830"/>
+          </a:xfrm>
+          <a:prstGeom prst="rect">
+            <a:avLst/>
+          </a:prstGeom>
+          <a:noFill/>
+        </p:spPr>
+        <p:txBody>
+          <a:bodyPr wrap="square" rtlCol="0">
+            <a:spAutoFit/>
+          </a:bodyPr>
+          <a:lstStyle/>
+          <a:p>
+            <a:pPr algn="ctr"/>
+            <a:r>
+              <a:rPr lang="en-US" altLang="ko-KR" sz="4500" dirty="0">
+                <a:solidFill>
+                  <a:srgbClr val="FF5601"/>
+                </a:solidFill>
+                <a:latin typeface="인터파크고딕 B" panose="02000000000000000000" pitchFamily="2" charset="-127"/>
+                <a:ea typeface="인터파크고딕 B" panose="02000000000000000000" pitchFamily="2" charset="-127"/>
+              </a:rPr>
+              <a:t>pull</a:t>
+            </a:r>
+            <a:r>
+              <a:rPr lang="en-US" altLang="ko-KR" sz="4500" dirty="0">
+                <a:solidFill>
+                  <a:schemeClr val="bg1"/>
+                </a:solidFill>
+                <a:latin typeface="인터파크고딕 B" panose="02000000000000000000" pitchFamily="2" charset="-127"/>
+                <a:ea typeface="인터파크고딕 B" panose="02000000000000000000" pitchFamily="2" charset="-127"/>
+              </a:rPr>
+              <a:t> request</a:t>
+            </a:r>
+            <a:endParaRPr lang="ko-KR" altLang="en-US" sz="4500" dirty="0">
+              <a:solidFill>
+                <a:schemeClr val="bg1"/>
+              </a:solidFill>
+              <a:latin typeface="인터파크고딕 B" panose="02000000000000000000" pitchFamily="2" charset="-127"/>
+              <a:ea typeface="인터파크고딕 B" panose="02000000000000000000" pitchFamily="2" charset="-127"/>
+            </a:endParaRPr>
+          </a:p>
+        </p:txBody>
+      </p:sp>
+      <p:cxnSp>
+        <p:nvCxnSpPr>
+          <p:cNvPr id="6" name="직선 연결선 5">
+            <a:extLst>
+              <a:ext uri="{FF2B5EF4-FFF2-40B4-BE49-F238E27FC236}">
+                <a16:creationId xmlns:a16="http://schemas.microsoft.com/office/drawing/2014/main" id="{7EDF5637-297E-4025-A055-82962EF5C6BF}"/>
+              </a:ext>
+            </a:extLst>
+          </p:cNvPr>
+          <p:cNvCxnSpPr>
+            <a:cxnSpLocks/>
+          </p:cNvCxnSpPr>
+          <p:nvPr/>
+        </p:nvCxnSpPr>
+        <p:spPr>
+          <a:xfrm>
+            <a:off x="419879" y="958891"/>
+            <a:ext cx="3522947" cy="0"/>
+          </a:xfrm>
+          <a:prstGeom prst="line">
+            <a:avLst/>
+          </a:prstGeom>
+          <a:ln w="38100">
+            <a:gradFill flip="none" rotWithShape="1">
+              <a:gsLst>
+                <a:gs pos="30000">
+                  <a:srgbClr val="FF5601"/>
+                </a:gs>
+                <a:gs pos="30000">
+                  <a:schemeClr val="bg1"/>
+                </a:gs>
+              </a:gsLst>
+              <a:lin ang="0" scaled="1"/>
+              <a:tileRect/>
+            </a:gradFill>
+          </a:ln>
+        </p:spPr>
+        <p:style>
+          <a:lnRef idx="1">
+            <a:schemeClr val="accent1"/>
+          </a:lnRef>
+          <a:fillRef idx="0">
+            <a:schemeClr val="accent1"/>
+          </a:fillRef>
+          <a:effectRef idx="0">
+            <a:schemeClr val="accent1"/>
+          </a:effectRef>
+          <a:fontRef idx="minor">
+            <a:schemeClr val="tx1"/>
+          </a:fontRef>
+        </p:style>
+      </p:cxnSp>
+      <p:cxnSp>
+        <p:nvCxnSpPr>
+          <p:cNvPr id="5" name="직선 연결선 4">
+            <a:extLst>
+              <a:ext uri="{FF2B5EF4-FFF2-40B4-BE49-F238E27FC236}">
+                <a16:creationId xmlns:a16="http://schemas.microsoft.com/office/drawing/2014/main" id="{674DCF79-DA8A-4A51-8C82-84B1F9CC48AF}"/>
+              </a:ext>
+            </a:extLst>
+          </p:cNvPr>
+          <p:cNvCxnSpPr>
+            <a:cxnSpLocks/>
+          </p:cNvCxnSpPr>
+          <p:nvPr/>
+        </p:nvCxnSpPr>
+        <p:spPr>
+          <a:xfrm>
+            <a:off x="419879" y="958891"/>
+            <a:ext cx="3346778" cy="0"/>
+          </a:xfrm>
+          <a:prstGeom prst="line">
+            <a:avLst/>
+          </a:prstGeom>
+          <a:ln w="38100">
+            <a:gradFill flip="none" rotWithShape="1">
+              <a:gsLst>
+                <a:gs pos="40000">
+                  <a:srgbClr val="FF5601"/>
+                </a:gs>
+                <a:gs pos="40000">
+                  <a:schemeClr val="bg1"/>
+                </a:gs>
+              </a:gsLst>
+              <a:lin ang="0" scaled="1"/>
+              <a:tileRect/>
+            </a:gradFill>
+          </a:ln>
+        </p:spPr>
+        <p:style>
+          <a:lnRef idx="1">
+            <a:schemeClr val="accent1"/>
+          </a:lnRef>
+          <a:fillRef idx="0">
+            <a:schemeClr val="accent1"/>
+          </a:fillRef>
+          <a:effectRef idx="0">
+            <a:schemeClr val="accent1"/>
+          </a:effectRef>
+          <a:fontRef idx="minor">
+            <a:schemeClr val="tx1"/>
+          </a:fontRef>
+        </p:style>
+      </p:cxnSp>
+      <p:sp>
+        <p:nvSpPr>
+          <p:cNvPr id="8" name="TextBox 7">
+            <a:extLst>
+              <a:ext uri="{FF2B5EF4-FFF2-40B4-BE49-F238E27FC236}">
+                <a16:creationId xmlns:a16="http://schemas.microsoft.com/office/drawing/2014/main" id="{F0C0B9DB-45BB-497A-9716-1D7DC7DECF10}"/>
+              </a:ext>
+            </a:extLst>
+          </p:cNvPr>
+          <p:cNvSpPr txBox="1"/>
+          <p:nvPr/>
+        </p:nvSpPr>
+        <p:spPr>
+          <a:xfrm>
+            <a:off x="863179" y="1489805"/>
+            <a:ext cx="9417699" cy="507831"/>
+          </a:xfrm>
+          <a:prstGeom prst="rect">
+            <a:avLst/>
+          </a:prstGeom>
+          <a:noFill/>
+        </p:spPr>
+        <p:txBody>
+          <a:bodyPr wrap="square" rtlCol="0">
+            <a:spAutoFit/>
+          </a:bodyPr>
+          <a:lstStyle/>
+          <a:p>
+            <a:r>
+              <a:rPr lang="en-US" altLang="ko-KR" sz="2700" dirty="0">
+                <a:solidFill>
+                  <a:schemeClr val="bg1"/>
+                </a:solidFill>
+                <a:latin typeface="에스코어 드림 5 Medium" panose="020B0503030302020204" pitchFamily="34" charset="-127"/>
+                <a:ea typeface="에스코어 드림 5 Medium" panose="020B0503030302020204" pitchFamily="34" charset="-127"/>
+              </a:rPr>
+              <a:t>5-1. </a:t>
+            </a:r>
+            <a:r>
+              <a:rPr lang="ko-KR" altLang="en-US" sz="2700" dirty="0">
+                <a:solidFill>
+                  <a:schemeClr val="bg1"/>
+                </a:solidFill>
+                <a:latin typeface="에스코어 드림 5 Medium" panose="020B0503030302020204" pitchFamily="34" charset="-127"/>
+                <a:ea typeface="에스코어 드림 5 Medium" panose="020B0503030302020204" pitchFamily="34" charset="-127"/>
+              </a:rPr>
+              <a:t>검토 후 병합</a:t>
+            </a:r>
+            <a:endParaRPr lang="ko-KR" altLang="en-US" sz="2700" dirty="0">
+              <a:solidFill>
+                <a:srgbClr val="FF5601"/>
+              </a:solidFill>
+              <a:latin typeface="에스코어 드림 5 Medium" panose="020B0503030302020204" pitchFamily="34" charset="-127"/>
+              <a:ea typeface="에스코어 드림 5 Medium" panose="020B0503030302020204" pitchFamily="34" charset="-127"/>
+            </a:endParaRPr>
+          </a:p>
+        </p:txBody>
+      </p:sp>
+      <p:sp>
+        <p:nvSpPr>
+          <p:cNvPr id="9" name="TextBox 8">
+            <a:extLst>
+              <a:ext uri="{FF2B5EF4-FFF2-40B4-BE49-F238E27FC236}">
+                <a16:creationId xmlns:a16="http://schemas.microsoft.com/office/drawing/2014/main" id="{F790FCB6-9EED-4897-992C-491231918D21}"/>
+              </a:ext>
+            </a:extLst>
+          </p:cNvPr>
+          <p:cNvSpPr txBox="1"/>
+          <p:nvPr/>
+        </p:nvSpPr>
+        <p:spPr>
+          <a:xfrm>
+            <a:off x="1551076" y="2276687"/>
+            <a:ext cx="9933452" cy="507831"/>
+          </a:xfrm>
+          <a:prstGeom prst="rect">
+            <a:avLst/>
+          </a:prstGeom>
+          <a:noFill/>
+        </p:spPr>
+        <p:txBody>
+          <a:bodyPr wrap="square" rtlCol="0">
+            <a:spAutoFit/>
+          </a:bodyPr>
+          <a:lstStyle/>
+          <a:p>
+            <a:r>
+              <a:rPr lang="en-US" altLang="ko-KR" sz="2700" dirty="0">
+                <a:solidFill>
+                  <a:schemeClr val="bg1"/>
+                </a:solidFill>
+                <a:latin typeface="에스코어 드림 5 Medium" panose="020B0503030302020204" pitchFamily="34" charset="-127"/>
+                <a:ea typeface="에스코어 드림 5 Medium" panose="020B0503030302020204" pitchFamily="34" charset="-127"/>
+              </a:rPr>
+              <a:t>· </a:t>
+            </a:r>
+            <a:r>
+              <a:rPr lang="ko-KR" altLang="en-US" sz="2700" dirty="0" err="1">
+                <a:solidFill>
+                  <a:schemeClr val="bg1"/>
+                </a:solidFill>
+                <a:latin typeface="에스코어 드림 5 Medium" panose="020B0503030302020204" pitchFamily="34" charset="-127"/>
+                <a:ea typeface="에스코어 드림 5 Medium" panose="020B0503030302020204" pitchFamily="34" charset="-127"/>
+              </a:rPr>
+              <a:t>레포지토리</a:t>
+            </a:r>
+            <a:r>
+              <a:rPr lang="ko-KR" altLang="en-US" sz="2700" dirty="0">
+                <a:solidFill>
+                  <a:schemeClr val="bg1"/>
+                </a:solidFill>
+                <a:latin typeface="에스코어 드림 5 Medium" panose="020B0503030302020204" pitchFamily="34" charset="-127"/>
+                <a:ea typeface="에스코어 드림 5 Medium" panose="020B0503030302020204" pitchFamily="34" charset="-127"/>
+              </a:rPr>
+              <a:t> 주인이 </a:t>
+            </a:r>
+            <a:r>
+              <a:rPr lang="ko-KR" altLang="en-US" sz="2700" dirty="0" err="1">
+                <a:solidFill>
+                  <a:schemeClr val="bg1"/>
+                </a:solidFill>
+                <a:latin typeface="에스코어 드림 5 Medium" panose="020B0503030302020204" pitchFamily="34" charset="-127"/>
+                <a:ea typeface="에스코어 드림 5 Medium" panose="020B0503030302020204" pitchFamily="34" charset="-127"/>
+              </a:rPr>
+              <a:t>커밋을</a:t>
+            </a:r>
+            <a:r>
+              <a:rPr lang="ko-KR" altLang="en-US" sz="2700" dirty="0">
+                <a:solidFill>
+                  <a:schemeClr val="bg1"/>
+                </a:solidFill>
+                <a:latin typeface="에스코어 드림 5 Medium" panose="020B0503030302020204" pitchFamily="34" charset="-127"/>
+                <a:ea typeface="에스코어 드림 5 Medium" panose="020B0503030302020204" pitchFamily="34" charset="-127"/>
+              </a:rPr>
+              <a:t> 읽고 </a:t>
+            </a:r>
+            <a:r>
+              <a:rPr lang="ko-KR" altLang="en-US" sz="2700" dirty="0">
+                <a:solidFill>
+                  <a:srgbClr val="FF5601"/>
+                </a:solidFill>
+                <a:latin typeface="에스코어 드림 5 Medium" panose="020B0503030302020204" pitchFamily="34" charset="-127"/>
+                <a:ea typeface="에스코어 드림 5 Medium" panose="020B0503030302020204" pitchFamily="34" charset="-127"/>
+              </a:rPr>
+              <a:t>병합</a:t>
+            </a:r>
+          </a:p>
+        </p:txBody>
+      </p:sp>
+      <p:pic>
+        <p:nvPicPr>
+          <p:cNvPr id="3" name="그림 2">
+            <a:extLst>
+              <a:ext uri="{FF2B5EF4-FFF2-40B4-BE49-F238E27FC236}">
+                <a16:creationId xmlns:a16="http://schemas.microsoft.com/office/drawing/2014/main" id="{B582FBAE-67A3-4A01-B7C8-7905B693B43D}"/>
+              </a:ext>
+            </a:extLst>
+          </p:cNvPr>
+          <p:cNvPicPr>
+            <a:picLocks noChangeAspect="1"/>
+          </p:cNvPicPr>
+          <p:nvPr/>
+        </p:nvPicPr>
+        <p:blipFill>
+          <a:blip r:embed="rId2"/>
+          <a:stretch>
+            <a:fillRect/>
+          </a:stretch>
+        </p:blipFill>
+        <p:spPr>
+          <a:xfrm>
+            <a:off x="7630701" y="316226"/>
+            <a:ext cx="4281379" cy="5403439"/>
+          </a:xfrm>
+          <a:prstGeom prst="rect">
+            <a:avLst/>
+          </a:prstGeom>
+        </p:spPr>
+      </p:pic>
+      <p:sp>
+        <p:nvSpPr>
+          <p:cNvPr id="12" name="TextBox 11">
+            <a:extLst>
+              <a:ext uri="{FF2B5EF4-FFF2-40B4-BE49-F238E27FC236}">
+                <a16:creationId xmlns:a16="http://schemas.microsoft.com/office/drawing/2014/main" id="{0D3A9329-DAB6-42EC-B502-FB15F3EAD02B}"/>
+              </a:ext>
+            </a:extLst>
+          </p:cNvPr>
+          <p:cNvSpPr txBox="1"/>
+          <p:nvPr/>
+        </p:nvSpPr>
+        <p:spPr>
+          <a:xfrm>
+            <a:off x="1551076" y="3063569"/>
+            <a:ext cx="9933452" cy="507831"/>
+          </a:xfrm>
+          <a:prstGeom prst="rect">
+            <a:avLst/>
+          </a:prstGeom>
+          <a:noFill/>
+        </p:spPr>
+        <p:txBody>
+          <a:bodyPr wrap="square" rtlCol="0">
+            <a:spAutoFit/>
+          </a:bodyPr>
+          <a:lstStyle/>
+          <a:p>
+            <a:r>
+              <a:rPr lang="en-US" altLang="ko-KR" sz="2700" dirty="0">
+                <a:solidFill>
+                  <a:schemeClr val="bg1"/>
+                </a:solidFill>
+                <a:latin typeface="에스코어 드림 5 Medium" panose="020B0503030302020204" pitchFamily="34" charset="-127"/>
+                <a:ea typeface="에스코어 드림 5 Medium" panose="020B0503030302020204" pitchFamily="34" charset="-127"/>
+              </a:rPr>
+              <a:t>· </a:t>
+            </a:r>
+            <a:r>
+              <a:rPr lang="ko-KR" altLang="en-US" sz="2700" dirty="0">
+                <a:solidFill>
+                  <a:schemeClr val="bg1"/>
+                </a:solidFill>
+                <a:latin typeface="에스코어 드림 5 Medium" panose="020B0503030302020204" pitchFamily="34" charset="-127"/>
+                <a:ea typeface="에스코어 드림 5 Medium" panose="020B0503030302020204" pitchFamily="34" charset="-127"/>
+              </a:rPr>
+              <a:t>코드 </a:t>
+            </a:r>
+            <a:r>
+              <a:rPr lang="ko-KR" altLang="en-US" sz="2700" dirty="0">
+                <a:solidFill>
+                  <a:srgbClr val="FF5601"/>
+                </a:solidFill>
+                <a:latin typeface="에스코어 드림 5 Medium" panose="020B0503030302020204" pitchFamily="34" charset="-127"/>
+                <a:ea typeface="에스코어 드림 5 Medium" panose="020B0503030302020204" pitchFamily="34" charset="-127"/>
+              </a:rPr>
+              <a:t>리뷰</a:t>
+            </a:r>
+            <a:r>
+              <a:rPr lang="ko-KR" altLang="en-US" sz="2700" dirty="0">
+                <a:solidFill>
+                  <a:schemeClr val="bg1"/>
+                </a:solidFill>
+                <a:latin typeface="에스코어 드림 5 Medium" panose="020B0503030302020204" pitchFamily="34" charset="-127"/>
+                <a:ea typeface="에스코어 드림 5 Medium" panose="020B0503030302020204" pitchFamily="34" charset="-127"/>
+              </a:rPr>
+              <a:t> 및 이슈 </a:t>
+            </a:r>
+            <a:r>
+              <a:rPr lang="ko-KR" altLang="en-US" sz="2700" dirty="0">
+                <a:solidFill>
+                  <a:srgbClr val="FF5601"/>
+                </a:solidFill>
+                <a:latin typeface="에스코어 드림 5 Medium" panose="020B0503030302020204" pitchFamily="34" charset="-127"/>
+                <a:ea typeface="에스코어 드림 5 Medium" panose="020B0503030302020204" pitchFamily="34" charset="-127"/>
+              </a:rPr>
+              <a:t>토의</a:t>
+            </a:r>
+            <a:r>
+              <a:rPr lang="ko-KR" altLang="en-US" sz="2700" dirty="0">
+                <a:solidFill>
+                  <a:schemeClr val="bg1"/>
+                </a:solidFill>
+                <a:latin typeface="에스코어 드림 5 Medium" panose="020B0503030302020204" pitchFamily="34" charset="-127"/>
+                <a:ea typeface="에스코어 드림 5 Medium" panose="020B0503030302020204" pitchFamily="34" charset="-127"/>
+              </a:rPr>
+              <a:t>가 가능</a:t>
+            </a:r>
+          </a:p>
+        </p:txBody>
+      </p:sp>
+    </p:spTree>
+    <p:extLst>
+      <p:ext uri="{BB962C8B-B14F-4D97-AF65-F5344CB8AC3E}">
+        <p14:creationId xmlns:p14="http://schemas.microsoft.com/office/powerpoint/2010/main" val="1090125487"/>
+      </p:ext>
+    </p:extLst>
+  </p:cSld>
+  <p:clrMapOvr>
+    <a:masterClrMapping/>
+  </p:clrMapOvr>
+</p:sld>
+</file>
+
+<file path=ppt/slides/slide31.xml><?xml version="1.0" encoding="utf-8"?>
+<p:sld xmlns:a="http://schemas.openxmlformats.org/drawingml/2006/main" xmlns:r="http://schemas.openxmlformats.org/officeDocument/2006/relationships" xmlns:p="http://schemas.openxmlformats.org/presentationml/2006/main">
+  <p:cSld>
+    <p:spTree>
+      <p:nvGrpSpPr>
+        <p:cNvPr id="1" name=""/>
+        <p:cNvGrpSpPr/>
+        <p:nvPr/>
+      </p:nvGrpSpPr>
+      <p:grpSpPr>
+        <a:xfrm>
+          <a:off x="0" y="0"/>
+          <a:ext cx="0" cy="0"/>
+          <a:chOff x="0" y="0"/>
+          <a:chExt cx="0" cy="0"/>
+        </a:xfrm>
+      </p:grpSpPr>
+      <p:sp>
+        <p:nvSpPr>
+          <p:cNvPr id="2" name="TextBox 1">
+            <a:extLst>
+              <a:ext uri="{FF2B5EF4-FFF2-40B4-BE49-F238E27FC236}">
+                <a16:creationId xmlns:a16="http://schemas.microsoft.com/office/drawing/2014/main" id="{19E212F8-97D1-43B5-BCF7-3B8F5B93D93C}"/>
+              </a:ext>
+            </a:extLst>
+          </p:cNvPr>
+          <p:cNvSpPr txBox="1"/>
+          <p:nvPr/>
+        </p:nvSpPr>
+        <p:spPr>
+          <a:xfrm>
+            <a:off x="279920" y="174061"/>
+            <a:ext cx="3495126" cy="784830"/>
+          </a:xfrm>
+          <a:prstGeom prst="rect">
+            <a:avLst/>
+          </a:prstGeom>
+          <a:noFill/>
+        </p:spPr>
+        <p:txBody>
+          <a:bodyPr wrap="square" rtlCol="0">
+            <a:spAutoFit/>
+          </a:bodyPr>
+          <a:lstStyle/>
+          <a:p>
+            <a:pPr algn="ctr"/>
+            <a:r>
+              <a:rPr lang="en-US" altLang="ko-KR" sz="4500" dirty="0">
+                <a:solidFill>
+                  <a:srgbClr val="FF5601"/>
+                </a:solidFill>
+                <a:latin typeface="인터파크고딕 B" panose="02000000000000000000" pitchFamily="2" charset="-127"/>
+                <a:ea typeface="인터파크고딕 B" panose="02000000000000000000" pitchFamily="2" charset="-127"/>
+              </a:rPr>
+              <a:t>pull</a:t>
+            </a:r>
+            <a:r>
+              <a:rPr lang="en-US" altLang="ko-KR" sz="4500" dirty="0">
+                <a:solidFill>
+                  <a:schemeClr val="bg1"/>
+                </a:solidFill>
+                <a:latin typeface="인터파크고딕 B" panose="02000000000000000000" pitchFamily="2" charset="-127"/>
+                <a:ea typeface="인터파크고딕 B" panose="02000000000000000000" pitchFamily="2" charset="-127"/>
+              </a:rPr>
+              <a:t> request</a:t>
+            </a:r>
+            <a:endParaRPr lang="ko-KR" altLang="en-US" sz="4500" dirty="0">
+              <a:solidFill>
+                <a:schemeClr val="bg1"/>
+              </a:solidFill>
+              <a:latin typeface="인터파크고딕 B" panose="02000000000000000000" pitchFamily="2" charset="-127"/>
+              <a:ea typeface="인터파크고딕 B" panose="02000000000000000000" pitchFamily="2" charset="-127"/>
+            </a:endParaRPr>
+          </a:p>
+        </p:txBody>
+      </p:sp>
+      <p:cxnSp>
+        <p:nvCxnSpPr>
+          <p:cNvPr id="6" name="직선 연결선 5">
+            <a:extLst>
+              <a:ext uri="{FF2B5EF4-FFF2-40B4-BE49-F238E27FC236}">
+                <a16:creationId xmlns:a16="http://schemas.microsoft.com/office/drawing/2014/main" id="{7EDF5637-297E-4025-A055-82962EF5C6BF}"/>
+              </a:ext>
+            </a:extLst>
+          </p:cNvPr>
+          <p:cNvCxnSpPr>
+            <a:cxnSpLocks/>
+          </p:cNvCxnSpPr>
+          <p:nvPr/>
+        </p:nvCxnSpPr>
+        <p:spPr>
+          <a:xfrm>
+            <a:off x="419879" y="958891"/>
+            <a:ext cx="3522947" cy="0"/>
+          </a:xfrm>
+          <a:prstGeom prst="line">
+            <a:avLst/>
+          </a:prstGeom>
+          <a:ln w="38100">
+            <a:gradFill flip="none" rotWithShape="1">
+              <a:gsLst>
+                <a:gs pos="30000">
+                  <a:srgbClr val="FF5601"/>
+                </a:gs>
+                <a:gs pos="30000">
+                  <a:schemeClr val="bg1"/>
+                </a:gs>
+              </a:gsLst>
+              <a:lin ang="0" scaled="1"/>
+              <a:tileRect/>
+            </a:gradFill>
+          </a:ln>
+        </p:spPr>
+        <p:style>
+          <a:lnRef idx="1">
+            <a:schemeClr val="accent1"/>
+          </a:lnRef>
+          <a:fillRef idx="0">
+            <a:schemeClr val="accent1"/>
+          </a:fillRef>
+          <a:effectRef idx="0">
+            <a:schemeClr val="accent1"/>
+          </a:effectRef>
+          <a:fontRef idx="minor">
+            <a:schemeClr val="tx1"/>
+          </a:fontRef>
+        </p:style>
+      </p:cxnSp>
+      <p:cxnSp>
+        <p:nvCxnSpPr>
+          <p:cNvPr id="5" name="직선 연결선 4">
+            <a:extLst>
+              <a:ext uri="{FF2B5EF4-FFF2-40B4-BE49-F238E27FC236}">
+                <a16:creationId xmlns:a16="http://schemas.microsoft.com/office/drawing/2014/main" id="{674DCF79-DA8A-4A51-8C82-84B1F9CC48AF}"/>
+              </a:ext>
+            </a:extLst>
+          </p:cNvPr>
+          <p:cNvCxnSpPr>
+            <a:cxnSpLocks/>
+          </p:cNvCxnSpPr>
+          <p:nvPr/>
+        </p:nvCxnSpPr>
+        <p:spPr>
+          <a:xfrm>
+            <a:off x="419879" y="958891"/>
+            <a:ext cx="3346778" cy="0"/>
+          </a:xfrm>
+          <a:prstGeom prst="line">
+            <a:avLst/>
+          </a:prstGeom>
+          <a:ln w="38100">
+            <a:gradFill flip="none" rotWithShape="1">
+              <a:gsLst>
+                <a:gs pos="40000">
+                  <a:srgbClr val="FF5601"/>
+                </a:gs>
+                <a:gs pos="40000">
+                  <a:schemeClr val="bg1"/>
+                </a:gs>
+              </a:gsLst>
+              <a:lin ang="0" scaled="1"/>
+              <a:tileRect/>
+            </a:gradFill>
+          </a:ln>
+        </p:spPr>
+        <p:style>
+          <a:lnRef idx="1">
+            <a:schemeClr val="accent1"/>
+          </a:lnRef>
+          <a:fillRef idx="0">
+            <a:schemeClr val="accent1"/>
+          </a:fillRef>
+          <a:effectRef idx="0">
+            <a:schemeClr val="accent1"/>
+          </a:effectRef>
+          <a:fontRef idx="minor">
+            <a:schemeClr val="tx1"/>
+          </a:fontRef>
+        </p:style>
+      </p:cxnSp>
+      <p:pic>
+        <p:nvPicPr>
+          <p:cNvPr id="4" name="그림 3">
+            <a:extLst>
+              <a:ext uri="{FF2B5EF4-FFF2-40B4-BE49-F238E27FC236}">
+                <a16:creationId xmlns:a16="http://schemas.microsoft.com/office/drawing/2014/main" id="{9CFFC19D-7E78-4E13-BBD6-3294B170E6A0}"/>
+              </a:ext>
+            </a:extLst>
+          </p:cNvPr>
+          <p:cNvPicPr>
+            <a:picLocks noChangeAspect="1"/>
+          </p:cNvPicPr>
+          <p:nvPr/>
+        </p:nvPicPr>
+        <p:blipFill>
+          <a:blip r:embed="rId2"/>
+          <a:stretch>
+            <a:fillRect/>
+          </a:stretch>
+        </p:blipFill>
+        <p:spPr>
+          <a:xfrm>
+            <a:off x="3452328" y="3746241"/>
+            <a:ext cx="5287344" cy="3038702"/>
+          </a:xfrm>
+          <a:prstGeom prst="rect">
+            <a:avLst/>
+          </a:prstGeom>
+        </p:spPr>
+      </p:pic>
+      <p:sp>
+        <p:nvSpPr>
+          <p:cNvPr id="10" name="TextBox 9">
+            <a:extLst>
+              <a:ext uri="{FF2B5EF4-FFF2-40B4-BE49-F238E27FC236}">
+                <a16:creationId xmlns:a16="http://schemas.microsoft.com/office/drawing/2014/main" id="{EC50379F-5191-400E-BF70-5DEEA78B6687}"/>
+              </a:ext>
+            </a:extLst>
+          </p:cNvPr>
+          <p:cNvSpPr txBox="1"/>
+          <p:nvPr/>
+        </p:nvSpPr>
+        <p:spPr>
+          <a:xfrm>
+            <a:off x="863179" y="1489805"/>
+            <a:ext cx="9417699" cy="507831"/>
+          </a:xfrm>
+          <a:prstGeom prst="rect">
+            <a:avLst/>
+          </a:prstGeom>
+          <a:noFill/>
+        </p:spPr>
+        <p:txBody>
+          <a:bodyPr wrap="square" rtlCol="0">
+            <a:spAutoFit/>
+          </a:bodyPr>
+          <a:lstStyle/>
+          <a:p>
+            <a:r>
+              <a:rPr lang="en-US" altLang="ko-KR" sz="2700" dirty="0">
+                <a:solidFill>
+                  <a:schemeClr val="bg1"/>
+                </a:solidFill>
+                <a:latin typeface="에스코어 드림 5 Medium" panose="020B0503030302020204" pitchFamily="34" charset="-127"/>
+                <a:ea typeface="에스코어 드림 5 Medium" panose="020B0503030302020204" pitchFamily="34" charset="-127"/>
+              </a:rPr>
+              <a:t>0. </a:t>
+            </a:r>
+            <a:r>
+              <a:rPr lang="ko-KR" altLang="en-US" sz="2700" dirty="0">
+                <a:solidFill>
+                  <a:schemeClr val="bg1"/>
+                </a:solidFill>
+                <a:latin typeface="에스코어 드림 5 Medium" panose="020B0503030302020204" pitchFamily="34" charset="-127"/>
+                <a:ea typeface="에스코어 드림 5 Medium" panose="020B0503030302020204" pitchFamily="34" charset="-127"/>
+              </a:rPr>
+              <a:t>지속적인 </a:t>
+            </a:r>
+            <a:r>
+              <a:rPr lang="en-US" altLang="ko-KR" sz="2700" dirty="0">
+                <a:solidFill>
+                  <a:schemeClr val="bg1"/>
+                </a:solidFill>
+                <a:latin typeface="에스코어 드림 5 Medium" panose="020B0503030302020204" pitchFamily="34" charset="-127"/>
+                <a:ea typeface="에스코어 드림 5 Medium" panose="020B0503030302020204" pitchFamily="34" charset="-127"/>
+              </a:rPr>
+              <a:t>PR </a:t>
+            </a:r>
+            <a:r>
+              <a:rPr lang="ko-KR" altLang="en-US" sz="2700" dirty="0">
+                <a:solidFill>
+                  <a:schemeClr val="bg1"/>
+                </a:solidFill>
+                <a:latin typeface="에스코어 드림 5 Medium" panose="020B0503030302020204" pitchFamily="34" charset="-127"/>
+                <a:ea typeface="에스코어 드림 5 Medium" panose="020B0503030302020204" pitchFamily="34" charset="-127"/>
+              </a:rPr>
+              <a:t>작업을 위한 원본 </a:t>
+            </a:r>
+            <a:r>
+              <a:rPr lang="ko-KR" altLang="en-US" sz="2700" dirty="0" err="1">
+                <a:solidFill>
+                  <a:schemeClr val="bg1"/>
+                </a:solidFill>
+                <a:latin typeface="에스코어 드림 5 Medium" panose="020B0503030302020204" pitchFamily="34" charset="-127"/>
+                <a:ea typeface="에스코어 드림 5 Medium" panose="020B0503030302020204" pitchFamily="34" charset="-127"/>
+              </a:rPr>
+              <a:t>레포지토리와</a:t>
+            </a:r>
+            <a:r>
+              <a:rPr lang="ko-KR" altLang="en-US" sz="2700" dirty="0">
+                <a:solidFill>
+                  <a:schemeClr val="bg1"/>
+                </a:solidFill>
+                <a:latin typeface="에스코어 드림 5 Medium" panose="020B0503030302020204" pitchFamily="34" charset="-127"/>
+                <a:ea typeface="에스코어 드림 5 Medium" panose="020B0503030302020204" pitchFamily="34" charset="-127"/>
+              </a:rPr>
+              <a:t> 동기화</a:t>
+            </a:r>
+          </a:p>
+        </p:txBody>
+      </p:sp>
+      <p:sp>
+        <p:nvSpPr>
+          <p:cNvPr id="11" name="TextBox 10">
+            <a:extLst>
+              <a:ext uri="{FF2B5EF4-FFF2-40B4-BE49-F238E27FC236}">
+                <a16:creationId xmlns:a16="http://schemas.microsoft.com/office/drawing/2014/main" id="{F3260168-A503-4401-AC96-01741906D06C}"/>
+              </a:ext>
+            </a:extLst>
+          </p:cNvPr>
+          <p:cNvSpPr txBox="1"/>
+          <p:nvPr/>
+        </p:nvSpPr>
+        <p:spPr>
+          <a:xfrm>
+            <a:off x="1551076" y="2276687"/>
+            <a:ext cx="9933452" cy="507831"/>
+          </a:xfrm>
+          <a:prstGeom prst="rect">
+            <a:avLst/>
+          </a:prstGeom>
+          <a:noFill/>
+        </p:spPr>
+        <p:txBody>
+          <a:bodyPr wrap="square" rtlCol="0">
+            <a:spAutoFit/>
+          </a:bodyPr>
+          <a:lstStyle/>
+          <a:p>
+            <a:r>
+              <a:rPr lang="en-US" altLang="ko-KR" sz="2700" dirty="0">
+                <a:solidFill>
+                  <a:schemeClr val="bg1"/>
+                </a:solidFill>
+                <a:latin typeface="에스코어 드림 5 Medium" panose="020B0503030302020204" pitchFamily="34" charset="-127"/>
+                <a:ea typeface="에스코어 드림 5 Medium" panose="020B0503030302020204" pitchFamily="34" charset="-127"/>
+              </a:rPr>
+              <a:t>· fork </a:t>
+            </a:r>
+            <a:r>
+              <a:rPr lang="ko-KR" altLang="en-US" sz="2700" dirty="0">
+                <a:solidFill>
+                  <a:schemeClr val="bg1"/>
+                </a:solidFill>
+                <a:latin typeface="에스코어 드림 5 Medium" panose="020B0503030302020204" pitchFamily="34" charset="-127"/>
+                <a:ea typeface="에스코어 드림 5 Medium" panose="020B0503030302020204" pitchFamily="34" charset="-127"/>
+              </a:rPr>
+              <a:t>저장소 이외에 원본 저장소를 </a:t>
+            </a:r>
+            <a:r>
+              <a:rPr lang="en-US" altLang="ko-KR" sz="2700" dirty="0">
+                <a:solidFill>
+                  <a:schemeClr val="bg1"/>
+                </a:solidFill>
+                <a:latin typeface="에스코어 드림 5 Medium" panose="020B0503030302020204" pitchFamily="34" charset="-127"/>
+                <a:ea typeface="에스코어 드림 5 Medium" panose="020B0503030302020204" pitchFamily="34" charset="-127"/>
+              </a:rPr>
+              <a:t>remote</a:t>
+            </a:r>
+            <a:r>
+              <a:rPr lang="ko-KR" altLang="en-US" sz="2700" dirty="0">
+                <a:solidFill>
+                  <a:schemeClr val="bg1"/>
+                </a:solidFill>
+                <a:latin typeface="에스코어 드림 5 Medium" panose="020B0503030302020204" pitchFamily="34" charset="-127"/>
+                <a:ea typeface="에스코어 드림 5 Medium" panose="020B0503030302020204" pitchFamily="34" charset="-127"/>
+              </a:rPr>
+              <a:t>에 추가 등록</a:t>
+            </a:r>
+          </a:p>
+        </p:txBody>
+      </p:sp>
+      <p:sp>
+        <p:nvSpPr>
+          <p:cNvPr id="13" name="TextBox 12">
+            <a:extLst>
+              <a:ext uri="{FF2B5EF4-FFF2-40B4-BE49-F238E27FC236}">
+                <a16:creationId xmlns:a16="http://schemas.microsoft.com/office/drawing/2014/main" id="{78BB0638-5413-46A0-A961-04EF56E8FA01}"/>
+              </a:ext>
+            </a:extLst>
+          </p:cNvPr>
+          <p:cNvSpPr txBox="1"/>
+          <p:nvPr/>
+        </p:nvSpPr>
+        <p:spPr>
+          <a:xfrm>
+            <a:off x="1551076" y="3063569"/>
+            <a:ext cx="9933452" cy="507831"/>
+          </a:xfrm>
+          <a:prstGeom prst="rect">
+            <a:avLst/>
+          </a:prstGeom>
+          <a:noFill/>
+        </p:spPr>
+        <p:txBody>
+          <a:bodyPr wrap="square" rtlCol="0">
+            <a:spAutoFit/>
+          </a:bodyPr>
+          <a:lstStyle/>
+          <a:p>
+            <a:r>
+              <a:rPr lang="en-US" altLang="ko-KR" sz="2700" dirty="0">
+                <a:solidFill>
+                  <a:schemeClr val="bg1"/>
+                </a:solidFill>
+                <a:latin typeface="에스코어 드림 5 Medium" panose="020B0503030302020204" pitchFamily="34" charset="-127"/>
+                <a:ea typeface="에스코어 드림 5 Medium" panose="020B0503030302020204" pitchFamily="34" charset="-127"/>
+              </a:rPr>
+              <a:t>· git fetch</a:t>
+            </a:r>
+            <a:r>
+              <a:rPr lang="ko-KR" altLang="en-US" sz="2700" dirty="0">
+                <a:solidFill>
+                  <a:schemeClr val="bg1"/>
+                </a:solidFill>
+                <a:latin typeface="에스코어 드림 5 Medium" panose="020B0503030302020204" pitchFamily="34" charset="-127"/>
+                <a:ea typeface="에스코어 드림 5 Medium" panose="020B0503030302020204" pitchFamily="34" charset="-127"/>
+              </a:rPr>
+              <a:t>를 통해서 동기화 가능</a:t>
+            </a:r>
+          </a:p>
+        </p:txBody>
+      </p:sp>
+    </p:spTree>
+    <p:extLst>
+      <p:ext uri="{BB962C8B-B14F-4D97-AF65-F5344CB8AC3E}">
+        <p14:creationId xmlns:p14="http://schemas.microsoft.com/office/powerpoint/2010/main" val="1807856335"/>
+      </p:ext>
+    </p:extLst>
+  </p:cSld>
+  <p:clrMapOvr>
+    <a:masterClrMapping/>
+  </p:clrMapOvr>
+</p:sld>
+</file>
+
+<file path=ppt/slides/slide32.xml><?xml version="1.0" encoding="utf-8"?>
+<p:sld xmlns:a="http://schemas.openxmlformats.org/drawingml/2006/main" xmlns:r="http://schemas.openxmlformats.org/officeDocument/2006/relationships" xmlns:p="http://schemas.openxmlformats.org/presentationml/2006/main">
+  <p:cSld>
+    <p:spTree>
+      <p:nvGrpSpPr>
+        <p:cNvPr id="1" name=""/>
+        <p:cNvGrpSpPr/>
+        <p:nvPr/>
+      </p:nvGrpSpPr>
+      <p:grpSpPr>
+        <a:xfrm>
+          <a:off x="0" y="0"/>
+          <a:ext cx="0" cy="0"/>
+          <a:chOff x="0" y="0"/>
+          <a:chExt cx="0" cy="0"/>
+        </a:xfrm>
+      </p:grpSpPr>
+      <p:sp>
+        <p:nvSpPr>
+          <p:cNvPr id="2" name="TextBox 1">
+            <a:extLst>
+              <a:ext uri="{FF2B5EF4-FFF2-40B4-BE49-F238E27FC236}">
+                <a16:creationId xmlns:a16="http://schemas.microsoft.com/office/drawing/2014/main" id="{19E212F8-97D1-43B5-BCF7-3B8F5B93D93C}"/>
+              </a:ext>
+            </a:extLst>
+          </p:cNvPr>
+          <p:cNvSpPr txBox="1"/>
+          <p:nvPr/>
+        </p:nvSpPr>
+        <p:spPr>
+          <a:xfrm>
+            <a:off x="279920" y="174061"/>
+            <a:ext cx="3495126" cy="784830"/>
+          </a:xfrm>
+          <a:prstGeom prst="rect">
+            <a:avLst/>
+          </a:prstGeom>
+          <a:noFill/>
+        </p:spPr>
+        <p:txBody>
+          <a:bodyPr wrap="square" rtlCol="0">
+            <a:spAutoFit/>
+          </a:bodyPr>
+          <a:lstStyle/>
+          <a:p>
+            <a:pPr algn="ctr"/>
+            <a:r>
+              <a:rPr lang="en-US" altLang="ko-KR" sz="4500" dirty="0">
+                <a:solidFill>
+                  <a:srgbClr val="FF5601"/>
+                </a:solidFill>
+                <a:latin typeface="인터파크고딕 B" panose="02000000000000000000" pitchFamily="2" charset="-127"/>
+                <a:ea typeface="인터파크고딕 B" panose="02000000000000000000" pitchFamily="2" charset="-127"/>
+              </a:rPr>
+              <a:t>pull</a:t>
+            </a:r>
+            <a:r>
+              <a:rPr lang="en-US" altLang="ko-KR" sz="4500" dirty="0">
+                <a:solidFill>
+                  <a:schemeClr val="bg1"/>
+                </a:solidFill>
+                <a:latin typeface="인터파크고딕 B" panose="02000000000000000000" pitchFamily="2" charset="-127"/>
+                <a:ea typeface="인터파크고딕 B" panose="02000000000000000000" pitchFamily="2" charset="-127"/>
+              </a:rPr>
+              <a:t> request</a:t>
+            </a:r>
+            <a:endParaRPr lang="ko-KR" altLang="en-US" sz="4500" dirty="0">
+              <a:solidFill>
+                <a:schemeClr val="bg1"/>
+              </a:solidFill>
+              <a:latin typeface="인터파크고딕 B" panose="02000000000000000000" pitchFamily="2" charset="-127"/>
+              <a:ea typeface="인터파크고딕 B" panose="02000000000000000000" pitchFamily="2" charset="-127"/>
+            </a:endParaRPr>
+          </a:p>
+        </p:txBody>
+      </p:sp>
+      <p:cxnSp>
+        <p:nvCxnSpPr>
+          <p:cNvPr id="6" name="직선 연결선 5">
+            <a:extLst>
+              <a:ext uri="{FF2B5EF4-FFF2-40B4-BE49-F238E27FC236}">
+                <a16:creationId xmlns:a16="http://schemas.microsoft.com/office/drawing/2014/main" id="{7EDF5637-297E-4025-A055-82962EF5C6BF}"/>
+              </a:ext>
+            </a:extLst>
+          </p:cNvPr>
+          <p:cNvCxnSpPr>
+            <a:cxnSpLocks/>
+          </p:cNvCxnSpPr>
+          <p:nvPr/>
+        </p:nvCxnSpPr>
+        <p:spPr>
+          <a:xfrm>
+            <a:off x="419879" y="958891"/>
+            <a:ext cx="3522947" cy="0"/>
+          </a:xfrm>
+          <a:prstGeom prst="line">
+            <a:avLst/>
+          </a:prstGeom>
+          <a:ln w="38100">
+            <a:gradFill flip="none" rotWithShape="1">
+              <a:gsLst>
+                <a:gs pos="30000">
+                  <a:srgbClr val="FF5601"/>
+                </a:gs>
+                <a:gs pos="30000">
+                  <a:schemeClr val="bg1"/>
+                </a:gs>
+              </a:gsLst>
+              <a:lin ang="0" scaled="1"/>
+              <a:tileRect/>
+            </a:gradFill>
+          </a:ln>
+        </p:spPr>
+        <p:style>
+          <a:lnRef idx="1">
+            <a:schemeClr val="accent1"/>
+          </a:lnRef>
+          <a:fillRef idx="0">
+            <a:schemeClr val="accent1"/>
+          </a:fillRef>
+          <a:effectRef idx="0">
+            <a:schemeClr val="accent1"/>
+          </a:effectRef>
+          <a:fontRef idx="minor">
+            <a:schemeClr val="tx1"/>
+          </a:fontRef>
+        </p:style>
+      </p:cxnSp>
+      <p:cxnSp>
+        <p:nvCxnSpPr>
+          <p:cNvPr id="5" name="직선 연결선 4">
+            <a:extLst>
+              <a:ext uri="{FF2B5EF4-FFF2-40B4-BE49-F238E27FC236}">
+                <a16:creationId xmlns:a16="http://schemas.microsoft.com/office/drawing/2014/main" id="{674DCF79-DA8A-4A51-8C82-84B1F9CC48AF}"/>
+              </a:ext>
+            </a:extLst>
+          </p:cNvPr>
+          <p:cNvCxnSpPr>
+            <a:cxnSpLocks/>
+          </p:cNvCxnSpPr>
+          <p:nvPr/>
+        </p:nvCxnSpPr>
+        <p:spPr>
+          <a:xfrm>
+            <a:off x="419879" y="958891"/>
+            <a:ext cx="3346778" cy="0"/>
+          </a:xfrm>
+          <a:prstGeom prst="line">
+            <a:avLst/>
+          </a:prstGeom>
+          <a:ln w="38100">
+            <a:gradFill flip="none" rotWithShape="1">
+              <a:gsLst>
+                <a:gs pos="40000">
+                  <a:srgbClr val="FF5601"/>
+                </a:gs>
+                <a:gs pos="40000">
+                  <a:schemeClr val="bg1"/>
+                </a:gs>
+              </a:gsLst>
+              <a:lin ang="0" scaled="1"/>
+              <a:tileRect/>
+            </a:gradFill>
+          </a:ln>
+        </p:spPr>
+        <p:style>
+          <a:lnRef idx="1">
+            <a:schemeClr val="accent1"/>
+          </a:lnRef>
+          <a:fillRef idx="0">
+            <a:schemeClr val="accent1"/>
+          </a:fillRef>
+          <a:effectRef idx="0">
+            <a:schemeClr val="accent1"/>
+          </a:effectRef>
+          <a:fontRef idx="minor">
+            <a:schemeClr val="tx1"/>
+          </a:fontRef>
+        </p:style>
+      </p:cxnSp>
+      <p:sp>
+        <p:nvSpPr>
+          <p:cNvPr id="9" name="TextBox 8">
+            <a:extLst>
+              <a:ext uri="{FF2B5EF4-FFF2-40B4-BE49-F238E27FC236}">
+                <a16:creationId xmlns:a16="http://schemas.microsoft.com/office/drawing/2014/main" id="{902A040E-9C84-4129-A7DB-86EB1CCA8915}"/>
+              </a:ext>
+            </a:extLst>
+          </p:cNvPr>
+          <p:cNvSpPr txBox="1"/>
+          <p:nvPr/>
+        </p:nvSpPr>
+        <p:spPr>
+          <a:xfrm>
+            <a:off x="1265851" y="2176180"/>
+            <a:ext cx="9417699" cy="507831"/>
+          </a:xfrm>
+          <a:prstGeom prst="rect">
+            <a:avLst/>
+          </a:prstGeom>
+          <a:noFill/>
+        </p:spPr>
+        <p:txBody>
+          <a:bodyPr wrap="square" rtlCol="0">
+            <a:spAutoFit/>
+          </a:bodyPr>
+          <a:lstStyle/>
+          <a:p>
+            <a:r>
+              <a:rPr lang="en-US" altLang="ko-KR" sz="2700" dirty="0">
+                <a:solidFill>
+                  <a:srgbClr val="FF5601"/>
+                </a:solidFill>
+                <a:latin typeface="에스코어 드림 5 Medium" panose="020B0503030302020204" pitchFamily="34" charset="-127"/>
+                <a:ea typeface="에스코어 드림 5 Medium" panose="020B0503030302020204" pitchFamily="34" charset="-127"/>
+              </a:rPr>
+              <a:t>· PR</a:t>
+            </a:r>
+            <a:r>
+              <a:rPr lang="ko-KR" altLang="en-US" sz="2700" dirty="0">
+                <a:solidFill>
+                  <a:srgbClr val="FF5601"/>
+                </a:solidFill>
+                <a:latin typeface="에스코어 드림 5 Medium" panose="020B0503030302020204" pitchFamily="34" charset="-127"/>
+                <a:ea typeface="에스코어 드림 5 Medium" panose="020B0503030302020204" pitchFamily="34" charset="-127"/>
+              </a:rPr>
+              <a:t>을 사용하기 전 팀원들의 </a:t>
+            </a:r>
+            <a:r>
+              <a:rPr lang="en-US" altLang="ko-KR" sz="2700" dirty="0">
+                <a:solidFill>
+                  <a:srgbClr val="FF5601"/>
+                </a:solidFill>
+                <a:latin typeface="에스코어 드림 5 Medium" panose="020B0503030302020204" pitchFamily="34" charset="-127"/>
+                <a:ea typeface="에스코어 드림 5 Medium" panose="020B0503030302020204" pitchFamily="34" charset="-127"/>
+              </a:rPr>
+              <a:t>git</a:t>
+            </a:r>
+            <a:r>
+              <a:rPr lang="ko-KR" altLang="en-US" sz="2700" dirty="0">
+                <a:solidFill>
+                  <a:srgbClr val="FF5601"/>
+                </a:solidFill>
+                <a:latin typeface="에스코어 드림 5 Medium" panose="020B0503030302020204" pitchFamily="34" charset="-127"/>
+                <a:ea typeface="에스코어 드림 5 Medium" panose="020B0503030302020204" pitchFamily="34" charset="-127"/>
+              </a:rPr>
+              <a:t>에 대한 이해도는 필수</a:t>
+            </a:r>
+          </a:p>
+        </p:txBody>
+      </p:sp>
+      <p:sp>
+        <p:nvSpPr>
+          <p:cNvPr id="12" name="TextBox 11">
+            <a:extLst>
+              <a:ext uri="{FF2B5EF4-FFF2-40B4-BE49-F238E27FC236}">
+                <a16:creationId xmlns:a16="http://schemas.microsoft.com/office/drawing/2014/main" id="{10BD9945-9772-49F2-B422-B16B631D8AF0}"/>
+              </a:ext>
+            </a:extLst>
+          </p:cNvPr>
+          <p:cNvSpPr txBox="1"/>
+          <p:nvPr/>
+        </p:nvSpPr>
+        <p:spPr>
+          <a:xfrm>
+            <a:off x="1265850" y="2963062"/>
+            <a:ext cx="9417699" cy="507831"/>
+          </a:xfrm>
+          <a:prstGeom prst="rect">
+            <a:avLst/>
+          </a:prstGeom>
+          <a:noFill/>
+        </p:spPr>
+        <p:txBody>
+          <a:bodyPr wrap="square" rtlCol="0">
+            <a:spAutoFit/>
+          </a:bodyPr>
+          <a:lstStyle/>
+          <a:p>
+            <a:r>
+              <a:rPr lang="en-US" altLang="ko-KR" sz="2700" dirty="0">
+                <a:solidFill>
+                  <a:srgbClr val="FF5601"/>
+                </a:solidFill>
+                <a:latin typeface="에스코어 드림 5 Medium" panose="020B0503030302020204" pitchFamily="34" charset="-127"/>
+                <a:ea typeface="에스코어 드림 5 Medium" panose="020B0503030302020204" pitchFamily="34" charset="-127"/>
+              </a:rPr>
+              <a:t>· </a:t>
+            </a:r>
+            <a:r>
+              <a:rPr lang="ko-KR" altLang="en-US" sz="2700" dirty="0">
+                <a:solidFill>
+                  <a:srgbClr val="FF5601"/>
+                </a:solidFill>
+                <a:latin typeface="에스코어 드림 5 Medium" panose="020B0503030302020204" pitchFamily="34" charset="-127"/>
+                <a:ea typeface="에스코어 드림 5 Medium" panose="020B0503030302020204" pitchFamily="34" charset="-127"/>
+              </a:rPr>
+              <a:t>무작정 </a:t>
+            </a:r>
+            <a:r>
+              <a:rPr lang="en-US" altLang="ko-KR" sz="2700" dirty="0">
+                <a:solidFill>
+                  <a:srgbClr val="FF5601"/>
+                </a:solidFill>
+                <a:latin typeface="에스코어 드림 5 Medium" panose="020B0503030302020204" pitchFamily="34" charset="-127"/>
+                <a:ea typeface="에스코어 드림 5 Medium" panose="020B0503030302020204" pitchFamily="34" charset="-127"/>
+              </a:rPr>
+              <a:t>PR</a:t>
+            </a:r>
+            <a:r>
+              <a:rPr lang="ko-KR" altLang="en-US" sz="2700" dirty="0">
+                <a:solidFill>
+                  <a:srgbClr val="FF5601"/>
+                </a:solidFill>
+                <a:latin typeface="에스코어 드림 5 Medium" panose="020B0503030302020204" pitchFamily="34" charset="-127"/>
+                <a:ea typeface="에스코어 드림 5 Medium" panose="020B0503030302020204" pitchFamily="34" charset="-127"/>
+              </a:rPr>
+              <a:t>을 도입하기보다는 과정을 통해 </a:t>
+            </a:r>
+            <a:r>
+              <a:rPr lang="en-US" altLang="ko-KR" sz="2700" dirty="0">
+                <a:solidFill>
+                  <a:srgbClr val="FF5601"/>
+                </a:solidFill>
+                <a:latin typeface="에스코어 드림 5 Medium" panose="020B0503030302020204" pitchFamily="34" charset="-127"/>
+                <a:ea typeface="에스코어 드림 5 Medium" panose="020B0503030302020204" pitchFamily="34" charset="-127"/>
+              </a:rPr>
+              <a:t>PR</a:t>
+            </a:r>
+            <a:r>
+              <a:rPr lang="ko-KR" altLang="en-US" sz="2700" dirty="0">
+                <a:solidFill>
+                  <a:srgbClr val="FF5601"/>
+                </a:solidFill>
+                <a:latin typeface="에스코어 드림 5 Medium" panose="020B0503030302020204" pitchFamily="34" charset="-127"/>
+                <a:ea typeface="에스코어 드림 5 Medium" panose="020B0503030302020204" pitchFamily="34" charset="-127"/>
+              </a:rPr>
+              <a:t>을 도입할 것</a:t>
+            </a:r>
+          </a:p>
+        </p:txBody>
+      </p:sp>
+      <p:sp>
+        <p:nvSpPr>
+          <p:cNvPr id="14" name="TextBox 13">
+            <a:extLst>
+              <a:ext uri="{FF2B5EF4-FFF2-40B4-BE49-F238E27FC236}">
+                <a16:creationId xmlns:a16="http://schemas.microsoft.com/office/drawing/2014/main" id="{922ABE54-BEB6-4496-8072-8CB6FB9180D3}"/>
+              </a:ext>
+            </a:extLst>
+          </p:cNvPr>
+          <p:cNvSpPr txBox="1"/>
+          <p:nvPr/>
+        </p:nvSpPr>
+        <p:spPr>
+          <a:xfrm>
+            <a:off x="1265849" y="3749944"/>
+            <a:ext cx="9417699" cy="507831"/>
+          </a:xfrm>
+          <a:prstGeom prst="rect">
+            <a:avLst/>
+          </a:prstGeom>
+          <a:noFill/>
+        </p:spPr>
+        <p:txBody>
+          <a:bodyPr wrap="square" rtlCol="0">
+            <a:spAutoFit/>
+          </a:bodyPr>
+          <a:lstStyle/>
+          <a:p>
+            <a:r>
+              <a:rPr lang="en-US" altLang="ko-KR" sz="2700" dirty="0">
+                <a:solidFill>
+                  <a:srgbClr val="FF5601"/>
+                </a:solidFill>
+                <a:latin typeface="에스코어 드림 5 Medium" panose="020B0503030302020204" pitchFamily="34" charset="-127"/>
+                <a:ea typeface="에스코어 드림 5 Medium" panose="020B0503030302020204" pitchFamily="34" charset="-127"/>
+              </a:rPr>
+              <a:t>· </a:t>
+            </a:r>
+            <a:r>
+              <a:rPr lang="ko-KR" altLang="en-US" sz="2700" dirty="0">
+                <a:solidFill>
+                  <a:srgbClr val="FF5601"/>
+                </a:solidFill>
+                <a:latin typeface="에스코어 드림 5 Medium" panose="020B0503030302020204" pitchFamily="34" charset="-127"/>
+                <a:ea typeface="에스코어 드림 5 Medium" panose="020B0503030302020204" pitchFamily="34" charset="-127"/>
+              </a:rPr>
+              <a:t>나도 </a:t>
+            </a:r>
+            <a:r>
+              <a:rPr lang="ko-KR" altLang="en-US" sz="2700" dirty="0" err="1">
+                <a:solidFill>
+                  <a:srgbClr val="FF5601"/>
+                </a:solidFill>
+                <a:latin typeface="에스코어 드림 5 Medium" panose="020B0503030302020204" pitchFamily="34" charset="-127"/>
+                <a:ea typeface="에스코어 드림 5 Medium" panose="020B0503030302020204" pitchFamily="34" charset="-127"/>
+              </a:rPr>
+              <a:t>믿을만</a:t>
+            </a:r>
+            <a:r>
+              <a:rPr lang="ko-KR" altLang="en-US" sz="2700" dirty="0">
+                <a:solidFill>
+                  <a:srgbClr val="FF5601"/>
+                </a:solidFill>
+                <a:latin typeface="에스코어 드림 5 Medium" panose="020B0503030302020204" pitchFamily="34" charset="-127"/>
+                <a:ea typeface="에스코어 드림 5 Medium" panose="020B0503030302020204" pitchFamily="34" charset="-127"/>
+              </a:rPr>
+              <a:t> 하지는 않지만</a:t>
+            </a:r>
+            <a:r>
+              <a:rPr lang="en-US" altLang="ko-KR" sz="2700" dirty="0">
+                <a:solidFill>
+                  <a:srgbClr val="FF5601"/>
+                </a:solidFill>
+                <a:latin typeface="에스코어 드림 5 Medium" panose="020B0503030302020204" pitchFamily="34" charset="-127"/>
+                <a:ea typeface="에스코어 드림 5 Medium" panose="020B0503030302020204" pitchFamily="34" charset="-127"/>
+              </a:rPr>
+              <a:t>, </a:t>
+            </a:r>
+            <a:r>
+              <a:rPr lang="ko-KR" altLang="en-US" sz="2700" dirty="0">
+                <a:solidFill>
+                  <a:srgbClr val="FF5601"/>
+                </a:solidFill>
+                <a:latin typeface="에스코어 드림 5 Medium" panose="020B0503030302020204" pitchFamily="34" charset="-127"/>
+                <a:ea typeface="에스코어 드림 5 Medium" panose="020B0503030302020204" pitchFamily="34" charset="-127"/>
+              </a:rPr>
+              <a:t>팀원은 더 </a:t>
+            </a:r>
+            <a:r>
+              <a:rPr lang="ko-KR" altLang="en-US" sz="2700" dirty="0" err="1">
+                <a:solidFill>
+                  <a:srgbClr val="FF5601"/>
+                </a:solidFill>
+                <a:latin typeface="에스코어 드림 5 Medium" panose="020B0503030302020204" pitchFamily="34" charset="-127"/>
+                <a:ea typeface="에스코어 드림 5 Medium" panose="020B0503030302020204" pitchFamily="34" charset="-127"/>
+              </a:rPr>
+              <a:t>믿을만</a:t>
+            </a:r>
+            <a:r>
+              <a:rPr lang="ko-KR" altLang="en-US" sz="2700" dirty="0">
+                <a:solidFill>
+                  <a:srgbClr val="FF5601"/>
+                </a:solidFill>
+                <a:latin typeface="에스코어 드림 5 Medium" panose="020B0503030302020204" pitchFamily="34" charset="-127"/>
+                <a:ea typeface="에스코어 드림 5 Medium" panose="020B0503030302020204" pitchFamily="34" charset="-127"/>
+              </a:rPr>
+              <a:t> 하지 않다</a:t>
+            </a:r>
+          </a:p>
+        </p:txBody>
+      </p:sp>
+    </p:spTree>
+    <p:extLst>
+      <p:ext uri="{BB962C8B-B14F-4D97-AF65-F5344CB8AC3E}">
+        <p14:creationId xmlns:p14="http://schemas.microsoft.com/office/powerpoint/2010/main" val="1762099568"/>
+      </p:ext>
+    </p:extLst>
+  </p:cSld>
+  <p:clrMapOvr>
+    <a:masterClrMapping/>
+  </p:clrMapOvr>
+</p:sld>
+</file>
+
+<file path=ppt/slides/slide33.xml><?xml version="1.0" encoding="utf-8"?>
+<p:sld xmlns:a="http://schemas.openxmlformats.org/drawingml/2006/main" xmlns:r="http://schemas.openxmlformats.org/officeDocument/2006/relationships" xmlns:p="http://schemas.openxmlformats.org/presentationml/2006/main">
+  <p:cSld>
+    <p:spTree>
+      <p:nvGrpSpPr>
+        <p:cNvPr id="1" name=""/>
+        <p:cNvGrpSpPr/>
+        <p:nvPr/>
+      </p:nvGrpSpPr>
+      <p:grpSpPr>
+        <a:xfrm>
+          <a:off x="0" y="0"/>
+          <a:ext cx="0" cy="0"/>
+          <a:chOff x="0" y="0"/>
+          <a:chExt cx="0" cy="0"/>
+        </a:xfrm>
+      </p:grpSpPr>
+      <p:sp>
+        <p:nvSpPr>
+          <p:cNvPr id="2" name="TextBox 1">
+            <a:extLst>
+              <a:ext uri="{FF2B5EF4-FFF2-40B4-BE49-F238E27FC236}">
+                <a16:creationId xmlns:a16="http://schemas.microsoft.com/office/drawing/2014/main" id="{19E212F8-97D1-43B5-BCF7-3B8F5B93D93C}"/>
+              </a:ext>
+            </a:extLst>
+          </p:cNvPr>
+          <p:cNvSpPr txBox="1"/>
+          <p:nvPr/>
+        </p:nvSpPr>
+        <p:spPr>
+          <a:xfrm>
+            <a:off x="279919" y="174061"/>
+            <a:ext cx="3946847" cy="784830"/>
+          </a:xfrm>
+          <a:prstGeom prst="rect">
+            <a:avLst/>
+          </a:prstGeom>
+          <a:noFill/>
+        </p:spPr>
+        <p:txBody>
+          <a:bodyPr wrap="square" rtlCol="0">
+            <a:spAutoFit/>
+          </a:bodyPr>
+          <a:lstStyle/>
+          <a:p>
+            <a:pPr algn="ctr"/>
+            <a:r>
+              <a:rPr lang="en-US" altLang="ko-KR" sz="4500" dirty="0">
+                <a:solidFill>
+                  <a:srgbClr val="FF5601"/>
+                </a:solidFill>
+                <a:latin typeface="인터파크고딕 B" panose="02000000000000000000" pitchFamily="2" charset="-127"/>
+                <a:ea typeface="인터파크고딕 B" panose="02000000000000000000" pitchFamily="2" charset="-127"/>
+              </a:rPr>
+              <a:t>PR </a:t>
+            </a:r>
+            <a:r>
+              <a:rPr lang="en-US" altLang="ko-KR" sz="4500" dirty="0">
+                <a:solidFill>
+                  <a:schemeClr val="bg1"/>
+                </a:solidFill>
+                <a:latin typeface="인터파크고딕 B" panose="02000000000000000000" pitchFamily="2" charset="-127"/>
+                <a:ea typeface="인터파크고딕 B" panose="02000000000000000000" pitchFamily="2" charset="-127"/>
+              </a:rPr>
+              <a:t>reference</a:t>
+            </a:r>
+            <a:endParaRPr lang="ko-KR" altLang="en-US" sz="4500" dirty="0">
+              <a:solidFill>
+                <a:schemeClr val="bg1"/>
+              </a:solidFill>
+              <a:latin typeface="인터파크고딕 B" panose="02000000000000000000" pitchFamily="2" charset="-127"/>
+              <a:ea typeface="인터파크고딕 B" panose="02000000000000000000" pitchFamily="2" charset="-127"/>
+            </a:endParaRPr>
+          </a:p>
+        </p:txBody>
+      </p:sp>
+      <p:cxnSp>
+        <p:nvCxnSpPr>
+          <p:cNvPr id="6" name="직선 연결선 5">
+            <a:extLst>
+              <a:ext uri="{FF2B5EF4-FFF2-40B4-BE49-F238E27FC236}">
+                <a16:creationId xmlns:a16="http://schemas.microsoft.com/office/drawing/2014/main" id="{7EDF5637-297E-4025-A055-82962EF5C6BF}"/>
+              </a:ext>
+            </a:extLst>
+          </p:cNvPr>
+          <p:cNvCxnSpPr>
+            <a:cxnSpLocks/>
+          </p:cNvCxnSpPr>
+          <p:nvPr/>
+        </p:nvCxnSpPr>
+        <p:spPr>
+          <a:xfrm>
+            <a:off x="419879" y="958891"/>
+            <a:ext cx="3676260" cy="0"/>
+          </a:xfrm>
+          <a:prstGeom prst="line">
+            <a:avLst/>
+          </a:prstGeom>
+          <a:ln w="38100">
+            <a:gradFill flip="none" rotWithShape="1">
+              <a:gsLst>
+                <a:gs pos="25000">
+                  <a:srgbClr val="FF5601"/>
+                </a:gs>
+                <a:gs pos="25000">
+                  <a:schemeClr val="bg1"/>
+                </a:gs>
+              </a:gsLst>
+              <a:lin ang="0" scaled="1"/>
+              <a:tileRect/>
+            </a:gradFill>
+          </a:ln>
+        </p:spPr>
+        <p:style>
+          <a:lnRef idx="1">
+            <a:schemeClr val="accent1"/>
+          </a:lnRef>
+          <a:fillRef idx="0">
+            <a:schemeClr val="accent1"/>
+          </a:fillRef>
+          <a:effectRef idx="0">
+            <a:schemeClr val="accent1"/>
+          </a:effectRef>
+          <a:fontRef idx="minor">
+            <a:schemeClr val="tx1"/>
+          </a:fontRef>
+        </p:style>
+      </p:cxnSp>
+      <p:sp>
+        <p:nvSpPr>
+          <p:cNvPr id="5" name="TextBox 4">
+            <a:extLst>
+              <a:ext uri="{FF2B5EF4-FFF2-40B4-BE49-F238E27FC236}">
+                <a16:creationId xmlns:a16="http://schemas.microsoft.com/office/drawing/2014/main" id="{ADD80D4E-99C7-490B-B225-1CE3096043B1}"/>
+              </a:ext>
+            </a:extLst>
+          </p:cNvPr>
+          <p:cNvSpPr txBox="1"/>
+          <p:nvPr/>
+        </p:nvSpPr>
+        <p:spPr>
+          <a:xfrm>
+            <a:off x="678022" y="2176180"/>
+            <a:ext cx="9417699" cy="323165"/>
+          </a:xfrm>
+          <a:prstGeom prst="rect">
+            <a:avLst/>
+          </a:prstGeom>
+          <a:noFill/>
+        </p:spPr>
+        <p:txBody>
+          <a:bodyPr wrap="square" rtlCol="0">
+            <a:spAutoFit/>
+          </a:bodyPr>
+          <a:lstStyle/>
+          <a:p>
+            <a:r>
+              <a:rPr lang="en-US" altLang="ko-KR" sz="1500" dirty="0">
+                <a:solidFill>
+                  <a:schemeClr val="bg1"/>
+                </a:solidFill>
+                <a:latin typeface="에스코어 드림 5 Medium" panose="020B0503030302020204" pitchFamily="34" charset="-127"/>
+                <a:ea typeface="에스코어 드림 5 Medium" panose="020B0503030302020204" pitchFamily="34" charset="-127"/>
+              </a:rPr>
+              <a:t>· https://velog.io/@zansol/Pull-Request-%EC%9D%B4%ED%95%B4%ED%95%98%EA%B8%B0</a:t>
+            </a:r>
+            <a:endParaRPr lang="ko-KR" altLang="en-US" sz="1500" dirty="0">
+              <a:solidFill>
+                <a:schemeClr val="bg1"/>
+              </a:solidFill>
+              <a:latin typeface="에스코어 드림 5 Medium" panose="020B0503030302020204" pitchFamily="34" charset="-127"/>
+              <a:ea typeface="에스코어 드림 5 Medium" panose="020B0503030302020204" pitchFamily="34" charset="-127"/>
+            </a:endParaRPr>
+          </a:p>
+        </p:txBody>
+      </p:sp>
+      <p:sp>
+        <p:nvSpPr>
+          <p:cNvPr id="7" name="TextBox 6">
+            <a:extLst>
+              <a:ext uri="{FF2B5EF4-FFF2-40B4-BE49-F238E27FC236}">
+                <a16:creationId xmlns:a16="http://schemas.microsoft.com/office/drawing/2014/main" id="{6AA209D8-DCBE-4265-9A76-BCAA86EDDD0C}"/>
+              </a:ext>
+            </a:extLst>
+          </p:cNvPr>
+          <p:cNvSpPr txBox="1"/>
+          <p:nvPr/>
+        </p:nvSpPr>
+        <p:spPr>
+          <a:xfrm>
+            <a:off x="678021" y="2627160"/>
+            <a:ext cx="9417699" cy="323165"/>
+          </a:xfrm>
+          <a:prstGeom prst="rect">
+            <a:avLst/>
+          </a:prstGeom>
+          <a:noFill/>
+        </p:spPr>
+        <p:txBody>
+          <a:bodyPr wrap="square" rtlCol="0">
+            <a:spAutoFit/>
+          </a:bodyPr>
+          <a:lstStyle/>
+          <a:p>
+            <a:r>
+              <a:rPr lang="en-US" altLang="ko-KR" sz="1500" dirty="0">
+                <a:solidFill>
+                  <a:schemeClr val="bg1"/>
+                </a:solidFill>
+                <a:latin typeface="에스코어 드림 5 Medium" panose="020B0503030302020204" pitchFamily="34" charset="-127"/>
+                <a:ea typeface="에스코어 드림 5 Medium" panose="020B0503030302020204" pitchFamily="34" charset="-127"/>
+              </a:rPr>
+              <a:t>· https://wayhome25.github.io/git/2017/07/08/git-first-pull-request-story/</a:t>
+            </a:r>
+            <a:endParaRPr lang="ko-KR" altLang="en-US" sz="1500" dirty="0">
+              <a:solidFill>
+                <a:schemeClr val="bg1"/>
+              </a:solidFill>
+              <a:latin typeface="에스코어 드림 5 Medium" panose="020B0503030302020204" pitchFamily="34" charset="-127"/>
+              <a:ea typeface="에스코어 드림 5 Medium" panose="020B0503030302020204" pitchFamily="34" charset="-127"/>
+            </a:endParaRPr>
+          </a:p>
+        </p:txBody>
+      </p:sp>
+      <p:sp>
+        <p:nvSpPr>
+          <p:cNvPr id="8" name="TextBox 7">
+            <a:extLst>
+              <a:ext uri="{FF2B5EF4-FFF2-40B4-BE49-F238E27FC236}">
+                <a16:creationId xmlns:a16="http://schemas.microsoft.com/office/drawing/2014/main" id="{36FD0B4B-A201-4EC3-AFED-3E35D1BB6F9F}"/>
+              </a:ext>
+            </a:extLst>
+          </p:cNvPr>
+          <p:cNvSpPr txBox="1"/>
+          <p:nvPr/>
+        </p:nvSpPr>
+        <p:spPr>
+          <a:xfrm>
+            <a:off x="678020" y="3078140"/>
+            <a:ext cx="10490722" cy="323165"/>
+          </a:xfrm>
+          <a:prstGeom prst="rect">
+            <a:avLst/>
+          </a:prstGeom>
+          <a:noFill/>
+        </p:spPr>
+        <p:txBody>
+          <a:bodyPr wrap="square" rtlCol="0">
+            <a:spAutoFit/>
+          </a:bodyPr>
+          <a:lstStyle/>
+          <a:p>
+            <a:r>
+              <a:rPr lang="en-US" altLang="ko-KR" sz="1500" dirty="0">
+                <a:solidFill>
+                  <a:schemeClr val="bg1"/>
+                </a:solidFill>
+                <a:latin typeface="에스코어 드림 5 Medium" panose="020B0503030302020204" pitchFamily="34" charset="-127"/>
+                <a:ea typeface="에스코어 드림 5 Medium" panose="020B0503030302020204" pitchFamily="34" charset="-127"/>
+              </a:rPr>
+              <a:t>· git fork </a:t>
+            </a:r>
+            <a:r>
+              <a:rPr lang="ko-KR" altLang="en-US" sz="1500" dirty="0">
+                <a:solidFill>
+                  <a:schemeClr val="bg1"/>
+                </a:solidFill>
+                <a:latin typeface="에스코어 드림 5 Medium" panose="020B0503030302020204" pitchFamily="34" charset="-127"/>
+                <a:ea typeface="에스코어 드림 5 Medium" panose="020B0503030302020204" pitchFamily="34" charset="-127"/>
+              </a:rPr>
+              <a:t>동기화 </a:t>
+            </a:r>
+            <a:r>
+              <a:rPr lang="en-US" altLang="ko-KR" sz="1500" dirty="0">
+                <a:solidFill>
+                  <a:schemeClr val="bg1"/>
+                </a:solidFill>
+                <a:latin typeface="에스코어 드림 5 Medium" panose="020B0503030302020204" pitchFamily="34" charset="-127"/>
+                <a:ea typeface="에스코어 드림 5 Medium" panose="020B0503030302020204" pitchFamily="34" charset="-127"/>
+              </a:rPr>
+              <a:t>: https://json.postype.com/post/210431</a:t>
+            </a:r>
+            <a:endParaRPr lang="ko-KR" altLang="en-US" sz="1500" dirty="0">
+              <a:solidFill>
+                <a:schemeClr val="bg1"/>
+              </a:solidFill>
+              <a:latin typeface="에스코어 드림 5 Medium" panose="020B0503030302020204" pitchFamily="34" charset="-127"/>
+              <a:ea typeface="에스코어 드림 5 Medium" panose="020B0503030302020204" pitchFamily="34" charset="-127"/>
+            </a:endParaRPr>
+          </a:p>
+        </p:txBody>
+      </p:sp>
+      <p:sp>
+        <p:nvSpPr>
+          <p:cNvPr id="9" name="TextBox 8">
+            <a:extLst>
+              <a:ext uri="{FF2B5EF4-FFF2-40B4-BE49-F238E27FC236}">
+                <a16:creationId xmlns:a16="http://schemas.microsoft.com/office/drawing/2014/main" id="{97E3690D-2136-4C3F-8E25-96309CA605CA}"/>
+              </a:ext>
+            </a:extLst>
+          </p:cNvPr>
+          <p:cNvSpPr txBox="1"/>
+          <p:nvPr/>
+        </p:nvSpPr>
+        <p:spPr>
+          <a:xfrm>
+            <a:off x="678020" y="3529120"/>
+            <a:ext cx="10490722" cy="553998"/>
+          </a:xfrm>
+          <a:prstGeom prst="rect">
+            <a:avLst/>
+          </a:prstGeom>
+          <a:noFill/>
+        </p:spPr>
+        <p:txBody>
+          <a:bodyPr wrap="square" rtlCol="0">
+            <a:spAutoFit/>
+          </a:bodyPr>
+          <a:lstStyle/>
+          <a:p>
+            <a:r>
+              <a:rPr lang="en-US" altLang="ko-KR" sz="1500" dirty="0">
+                <a:solidFill>
+                  <a:schemeClr val="bg1"/>
+                </a:solidFill>
+                <a:latin typeface="에스코어 드림 5 Medium" panose="020B0503030302020204" pitchFamily="34" charset="-127"/>
+                <a:ea typeface="에스코어 드림 5 Medium" panose="020B0503030302020204" pitchFamily="34" charset="-127"/>
+              </a:rPr>
+              <a:t>· </a:t>
+            </a:r>
+            <a:r>
+              <a:rPr lang="en-US" altLang="ko-KR" sz="1500" dirty="0" err="1">
+                <a:solidFill>
+                  <a:schemeClr val="bg1"/>
+                </a:solidFill>
+                <a:latin typeface="에스코어 드림 5 Medium" panose="020B0503030302020204" pitchFamily="34" charset="-127"/>
+                <a:ea typeface="에스코어 드림 5 Medium" panose="020B0503030302020204" pitchFamily="34" charset="-127"/>
+              </a:rPr>
+              <a:t>pr</a:t>
+            </a:r>
+            <a:r>
+              <a:rPr lang="en-US" altLang="ko-KR" sz="1500" dirty="0">
+                <a:solidFill>
+                  <a:schemeClr val="bg1"/>
+                </a:solidFill>
+                <a:latin typeface="에스코어 드림 5 Medium" panose="020B0503030302020204" pitchFamily="34" charset="-127"/>
+                <a:ea typeface="에스코어 드림 5 Medium" panose="020B0503030302020204" pitchFamily="34" charset="-127"/>
+              </a:rPr>
+              <a:t> merge </a:t>
+            </a:r>
+            <a:r>
+              <a:rPr lang="ko-KR" altLang="en-US" sz="1500" dirty="0">
+                <a:solidFill>
+                  <a:schemeClr val="bg1"/>
+                </a:solidFill>
+                <a:latin typeface="에스코어 드림 5 Medium" panose="020B0503030302020204" pitchFamily="34" charset="-127"/>
+                <a:ea typeface="에스코어 드림 5 Medium" panose="020B0503030302020204" pitchFamily="34" charset="-127"/>
+              </a:rPr>
+              <a:t>종류 </a:t>
+            </a:r>
+            <a:r>
+              <a:rPr lang="en-US" altLang="ko-KR" sz="1500" dirty="0">
+                <a:solidFill>
+                  <a:schemeClr val="bg1"/>
+                </a:solidFill>
+                <a:latin typeface="에스코어 드림 5 Medium" panose="020B0503030302020204" pitchFamily="34" charset="-127"/>
+                <a:ea typeface="에스코어 드림 5 Medium" panose="020B0503030302020204" pitchFamily="34" charset="-127"/>
+              </a:rPr>
+              <a:t>: https://help.github.com/en/github/collaborating-with-issues-and-pull-requests/about-pull-request-merges</a:t>
+            </a:r>
+            <a:endParaRPr lang="ko-KR" altLang="en-US" sz="1500" dirty="0">
+              <a:solidFill>
+                <a:schemeClr val="bg1"/>
+              </a:solidFill>
+              <a:latin typeface="에스코어 드림 5 Medium" panose="020B0503030302020204" pitchFamily="34" charset="-127"/>
+              <a:ea typeface="에스코어 드림 5 Medium" panose="020B0503030302020204" pitchFamily="34" charset="-127"/>
+            </a:endParaRPr>
+          </a:p>
+        </p:txBody>
+      </p:sp>
+    </p:spTree>
+    <p:extLst>
+      <p:ext uri="{BB962C8B-B14F-4D97-AF65-F5344CB8AC3E}">
+        <p14:creationId xmlns:p14="http://schemas.microsoft.com/office/powerpoint/2010/main" val="3530691947"/>
+      </p:ext>
+    </p:extLst>
+  </p:cSld>
+  <p:clrMapOvr>
+    <a:masterClrMapping/>
+  </p:clrMapOvr>
+</p:sld>
+</file>
+
+<file path=ppt/slides/slide34.xml><?xml version="1.0" encoding="utf-8"?>
+<p:sld xmlns:a="http://schemas.openxmlformats.org/drawingml/2006/main" xmlns:r="http://schemas.openxmlformats.org/officeDocument/2006/relationships" xmlns:p="http://schemas.openxmlformats.org/presentationml/2006/main">
+  <p:cSld>
+    <p:spTree>
+      <p:nvGrpSpPr>
+        <p:cNvPr id="1" name=""/>
+        <p:cNvGrpSpPr/>
+        <p:nvPr/>
+      </p:nvGrpSpPr>
+      <p:grpSpPr>
+        <a:xfrm>
+          <a:off x="0" y="0"/>
+          <a:ext cx="0" cy="0"/>
+          <a:chOff x="0" y="0"/>
+          <a:chExt cx="0" cy="0"/>
+        </a:xfrm>
+      </p:grpSpPr>
+      <p:sp>
+        <p:nvSpPr>
+          <p:cNvPr id="4" name="TextBox 3">
+            <a:extLst>
+              <a:ext uri="{FF2B5EF4-FFF2-40B4-BE49-F238E27FC236}">
+                <a16:creationId xmlns:a16="http://schemas.microsoft.com/office/drawing/2014/main" id="{D3C5D171-C811-4562-8D68-E4DC6405C993}"/>
+              </a:ext>
+            </a:extLst>
+          </p:cNvPr>
+          <p:cNvSpPr txBox="1"/>
+          <p:nvPr/>
+        </p:nvSpPr>
+        <p:spPr>
+          <a:xfrm>
+            <a:off x="2220686" y="3570402"/>
+            <a:ext cx="7763070" cy="784830"/>
+          </a:xfrm>
+          <a:prstGeom prst="rect">
+            <a:avLst/>
+          </a:prstGeom>
+          <a:noFill/>
+        </p:spPr>
+        <p:txBody>
+          <a:bodyPr wrap="square" rtlCol="0">
+            <a:spAutoFit/>
+          </a:bodyPr>
+          <a:lstStyle/>
+          <a:p>
+            <a:pPr algn="ctr"/>
+            <a:r>
+              <a:rPr lang="en-US" altLang="ko-KR" sz="4500" dirty="0">
+                <a:solidFill>
+                  <a:srgbClr val="FF5601"/>
+                </a:solidFill>
+                <a:latin typeface="에스코어 드림 5 Medium" panose="020B0503030302020204" pitchFamily="34" charset="-127"/>
+                <a:ea typeface="에스코어 드림 5 Medium" panose="020B0503030302020204" pitchFamily="34" charset="-127"/>
+              </a:rPr>
+              <a:t>THANK</a:t>
+            </a:r>
+            <a:r>
+              <a:rPr lang="en-US" altLang="ko-KR" sz="4500" dirty="0">
+                <a:solidFill>
+                  <a:schemeClr val="bg1"/>
+                </a:solidFill>
+                <a:latin typeface="에스코어 드림 5 Medium" panose="020B0503030302020204" pitchFamily="34" charset="-127"/>
+                <a:ea typeface="에스코어 드림 5 Medium" panose="020B0503030302020204" pitchFamily="34" charset="-127"/>
+              </a:rPr>
+              <a:t> YOU</a:t>
+            </a:r>
+            <a:endParaRPr lang="ko-KR" altLang="en-US" sz="4500" dirty="0">
+              <a:solidFill>
+                <a:schemeClr val="bg1"/>
+              </a:solidFill>
+              <a:latin typeface="에스코어 드림 5 Medium" panose="020B0503030302020204" pitchFamily="34" charset="-127"/>
+              <a:ea typeface="에스코어 드림 5 Medium" panose="020B0503030302020204" pitchFamily="34" charset="-127"/>
+            </a:endParaRPr>
+          </a:p>
+        </p:txBody>
+      </p:sp>
+      <p:pic>
+        <p:nvPicPr>
+          <p:cNvPr id="2060" name="Picture 12" descr="https://icon-library.net/images/github-icon-white/github-icon-white-19.jpg">
+            <a:extLst>
+              <a:ext uri="{FF2B5EF4-FFF2-40B4-BE49-F238E27FC236}">
+                <a16:creationId xmlns:a16="http://schemas.microsoft.com/office/drawing/2014/main" id="{A034C630-3C87-4C78-9E2D-AA1EAC4C2083}"/>
+              </a:ext>
+            </a:extLst>
+          </p:cNvPr>
+          <p:cNvPicPr>
+            <a:picLocks noChangeAspect="1" noChangeArrowheads="1"/>
+          </p:cNvPicPr>
+          <p:nvPr/>
+        </p:nvPicPr>
+        <p:blipFill>
+          <a:blip r:embed="rId2">
+            <a:extLst>
+              <a:ext uri="{28A0092B-C50C-407E-A947-70E740481C1C}">
+                <a14:useLocalDpi xmlns:a14="http://schemas.microsoft.com/office/drawing/2010/main" val="0"/>
+              </a:ext>
+            </a:extLst>
+          </a:blip>
+          <a:srcRect/>
+          <a:stretch>
+            <a:fillRect/>
+          </a:stretch>
+        </p:blipFill>
+        <p:spPr bwMode="auto">
+          <a:xfrm>
+            <a:off x="4262084" y="1729850"/>
+            <a:ext cx="3667831" cy="1531622"/>
+          </a:xfrm>
+          <a:prstGeom prst="rect">
+            <a:avLst/>
+          </a:prstGeom>
+          <a:noFill/>
+          <a:extLst>
+            <a:ext uri="{909E8E84-426E-40DD-AFC4-6F175D3DCCD1}">
+              <a14:hiddenFill xmlns:a14="http://schemas.microsoft.com/office/drawing/2010/main">
+                <a:solidFill>
+                  <a:srgbClr val="FFFFFF"/>
+                </a:solidFill>
+              </a14:hiddenFill>
+            </a:ext>
+          </a:extLst>
+        </p:spPr>
+      </p:pic>
+      <p:sp>
+        <p:nvSpPr>
+          <p:cNvPr id="12" name="TextBox 11">
+            <a:extLst>
+              <a:ext uri="{FF2B5EF4-FFF2-40B4-BE49-F238E27FC236}">
+                <a16:creationId xmlns:a16="http://schemas.microsoft.com/office/drawing/2014/main" id="{856725C7-93F4-4E85-8A7C-BA350D01FACE}"/>
+              </a:ext>
+            </a:extLst>
+          </p:cNvPr>
+          <p:cNvSpPr txBox="1"/>
+          <p:nvPr/>
+        </p:nvSpPr>
+        <p:spPr>
+          <a:xfrm>
+            <a:off x="8724122" y="6326042"/>
+            <a:ext cx="3467878" cy="415498"/>
+          </a:xfrm>
+          <a:prstGeom prst="rect">
+            <a:avLst/>
+          </a:prstGeom>
+          <a:noFill/>
+        </p:spPr>
+        <p:txBody>
+          <a:bodyPr wrap="square" rtlCol="0">
+            <a:spAutoFit/>
+          </a:bodyPr>
+          <a:lstStyle/>
+          <a:p>
+            <a:pPr algn="ctr"/>
+            <a:r>
+              <a:rPr lang="en-US" altLang="ko-KR" sz="2100" dirty="0">
+                <a:solidFill>
+                  <a:schemeClr val="bg1"/>
+                </a:solidFill>
+                <a:latin typeface="에스코어 드림 5 Medium" panose="020B0503030302020204" pitchFamily="34" charset="-127"/>
+                <a:ea typeface="에스코어 드림 5 Medium" panose="020B0503030302020204" pitchFamily="34" charset="-127"/>
+              </a:rPr>
+              <a:t>provided by </a:t>
+            </a:r>
+            <a:r>
+              <a:rPr lang="en-US" altLang="ko-KR" sz="2100" dirty="0" err="1">
+                <a:solidFill>
+                  <a:srgbClr val="FF5601"/>
+                </a:solidFill>
+                <a:latin typeface="에스코어 드림 5 Medium" panose="020B0503030302020204" pitchFamily="34" charset="-127"/>
+                <a:ea typeface="에스코어 드림 5 Medium" panose="020B0503030302020204" pitchFamily="34" charset="-127"/>
+              </a:rPr>
+              <a:t>w</a:t>
+            </a:r>
+            <a:r>
+              <a:rPr lang="en-US" altLang="ko-KR" sz="2100" dirty="0" err="1">
+                <a:solidFill>
+                  <a:schemeClr val="bg1"/>
+                </a:solidFill>
+                <a:latin typeface="에스코어 드림 5 Medium" panose="020B0503030302020204" pitchFamily="34" charset="-127"/>
+                <a:ea typeface="에스코어 드림 5 Medium" panose="020B0503030302020204" pitchFamily="34" charset="-127"/>
+              </a:rPr>
+              <a:t>a</a:t>
+            </a:r>
+            <a:r>
+              <a:rPr lang="en-US" altLang="ko-KR" sz="2100" dirty="0" err="1">
+                <a:solidFill>
+                  <a:srgbClr val="FF5601"/>
+                </a:solidFill>
+                <a:latin typeface="에스코어 드림 5 Medium" panose="020B0503030302020204" pitchFamily="34" charset="-127"/>
+                <a:ea typeface="에스코어 드림 5 Medium" panose="020B0503030302020204" pitchFamily="34" charset="-127"/>
+              </a:rPr>
+              <a:t>p</a:t>
+            </a:r>
+            <a:r>
+              <a:rPr lang="en-US" altLang="ko-KR" sz="2100" dirty="0" err="1">
+                <a:solidFill>
+                  <a:schemeClr val="bg1"/>
+                </a:solidFill>
+                <a:latin typeface="에스코어 드림 5 Medium" panose="020B0503030302020204" pitchFamily="34" charset="-127"/>
+                <a:ea typeface="에스코어 드림 5 Medium" panose="020B0503030302020204" pitchFamily="34" charset="-127"/>
+              </a:rPr>
+              <a:t>_minusi</a:t>
+            </a:r>
+            <a:endParaRPr lang="ko-KR" altLang="en-US" sz="2100" dirty="0">
+              <a:solidFill>
+                <a:schemeClr val="bg1"/>
+              </a:solidFill>
+              <a:latin typeface="에스코어 드림 5 Medium" panose="020B0503030302020204" pitchFamily="34" charset="-127"/>
+              <a:ea typeface="에스코어 드림 5 Medium" panose="020B0503030302020204" pitchFamily="34" charset="-127"/>
+            </a:endParaRPr>
+          </a:p>
+        </p:txBody>
+      </p:sp>
+    </p:spTree>
+    <p:extLst>
+      <p:ext uri="{BB962C8B-B14F-4D97-AF65-F5344CB8AC3E}">
+        <p14:creationId xmlns:p14="http://schemas.microsoft.com/office/powerpoint/2010/main" val="639371590"/>
       </p:ext>
     </p:extLst>
   </p:cSld>
